--- a/Lectures/Lecture 7 Hierarchial models.pptx
+++ b/Lectures/Lecture 7 Hierarchial models.pptx
@@ -5,7 +5,7 @@
     <p:sldMasterId id="2147483648" r:id="rId1"/>
   </p:sldMasterIdLst>
   <p:notesMasterIdLst>
-    <p:notesMasterId r:id="rId16"/>
+    <p:notesMasterId r:id="rId19"/>
   </p:notesMasterIdLst>
   <p:sldIdLst>
     <p:sldId id="256" r:id="rId2"/>
@@ -16,12 +16,15 @@
     <p:sldId id="690" r:id="rId7"/>
     <p:sldId id="691" r:id="rId8"/>
     <p:sldId id="692" r:id="rId9"/>
-    <p:sldId id="682" r:id="rId10"/>
-    <p:sldId id="683" r:id="rId11"/>
-    <p:sldId id="684" r:id="rId12"/>
-    <p:sldId id="685" r:id="rId13"/>
-    <p:sldId id="686" r:id="rId14"/>
-    <p:sldId id="687" r:id="rId15"/>
+    <p:sldId id="693" r:id="rId10"/>
+    <p:sldId id="694" r:id="rId11"/>
+    <p:sldId id="695" r:id="rId12"/>
+    <p:sldId id="682" r:id="rId13"/>
+    <p:sldId id="683" r:id="rId14"/>
+    <p:sldId id="684" r:id="rId15"/>
+    <p:sldId id="685" r:id="rId16"/>
+    <p:sldId id="686" r:id="rId17"/>
+    <p:sldId id="687" r:id="rId18"/>
   </p:sldIdLst>
   <p:sldSz cx="12192000" cy="6858000"/>
   <p:notesSz cx="7102475" cy="10234613"/>
@@ -210,7 +213,7 @@
           <a:p>
             <a:fld id="{9CF176CD-15D1-4787-BBAA-B7F61FF9E394}" type="datetimeFigureOut">
               <a:rPr lang="en-GB" smtClean="0"/>
-              <a:t>10/04/2025</a:t>
+              <a:t>11/04/2025</a:t>
             </a:fld>
             <a:endParaRPr lang="en-GB"/>
           </a:p>
@@ -609,7 +612,7 @@
           <a:p>
             <a:fld id="{C56CA8F5-E68A-4115-9C25-E96C286CB035}" type="datetime1">
               <a:rPr lang="en-GB" smtClean="0"/>
-              <a:t>10/04/2025</a:t>
+              <a:t>11/04/2025</a:t>
             </a:fld>
             <a:endParaRPr lang="en-GB"/>
           </a:p>
@@ -779,7 +782,7 @@
           <a:p>
             <a:fld id="{7FD65654-1D4B-4B33-B8CE-F5581D9C13AC}" type="datetime1">
               <a:rPr lang="en-GB" smtClean="0"/>
-              <a:t>10/04/2025</a:t>
+              <a:t>11/04/2025</a:t>
             </a:fld>
             <a:endParaRPr lang="en-GB"/>
           </a:p>
@@ -959,7 +962,7 @@
           <a:p>
             <a:fld id="{50B3557C-D1F8-4213-9381-806C9A51FC91}" type="datetime1">
               <a:rPr lang="en-GB" smtClean="0"/>
-              <a:t>10/04/2025</a:t>
+              <a:t>11/04/2025</a:t>
             </a:fld>
             <a:endParaRPr lang="en-GB"/>
           </a:p>
@@ -1129,7 +1132,7 @@
           <a:p>
             <a:fld id="{5EAB202B-C763-46C3-A636-9DFD853B4605}" type="datetime1">
               <a:rPr lang="en-GB" smtClean="0"/>
-              <a:t>10/04/2025</a:t>
+              <a:t>11/04/2025</a:t>
             </a:fld>
             <a:endParaRPr lang="en-GB"/>
           </a:p>
@@ -1375,7 +1378,7 @@
           <a:p>
             <a:fld id="{D381E87C-49EE-449B-BBE1-C8D9F03709E3}" type="datetime1">
               <a:rPr lang="en-GB" smtClean="0"/>
-              <a:t>10/04/2025</a:t>
+              <a:t>11/04/2025</a:t>
             </a:fld>
             <a:endParaRPr lang="en-GB"/>
           </a:p>
@@ -1607,7 +1610,7 @@
           <a:p>
             <a:fld id="{E72DF79F-283F-4921-8EFE-03DC0706D514}" type="datetime1">
               <a:rPr lang="en-GB" smtClean="0"/>
-              <a:t>10/04/2025</a:t>
+              <a:t>11/04/2025</a:t>
             </a:fld>
             <a:endParaRPr lang="en-GB"/>
           </a:p>
@@ -1974,7 +1977,7 @@
           <a:p>
             <a:fld id="{FAB6B75B-49C2-4C52-A9AA-29208F1CA2A2}" type="datetime1">
               <a:rPr lang="en-GB" smtClean="0"/>
-              <a:t>10/04/2025</a:t>
+              <a:t>11/04/2025</a:t>
             </a:fld>
             <a:endParaRPr lang="en-GB"/>
           </a:p>
@@ -2092,7 +2095,7 @@
           <a:p>
             <a:fld id="{1338CB34-9D44-4B11-81FA-362E39680C1C}" type="datetime1">
               <a:rPr lang="en-GB" smtClean="0"/>
-              <a:t>10/04/2025</a:t>
+              <a:t>11/04/2025</a:t>
             </a:fld>
             <a:endParaRPr lang="en-GB"/>
           </a:p>
@@ -2187,7 +2190,7 @@
           <a:p>
             <a:fld id="{A4CEA9AC-502E-4271-B4D2-4510E701B0BB}" type="datetime1">
               <a:rPr lang="en-GB" smtClean="0"/>
-              <a:t>10/04/2025</a:t>
+              <a:t>11/04/2025</a:t>
             </a:fld>
             <a:endParaRPr lang="en-GB"/>
           </a:p>
@@ -2464,7 +2467,7 @@
           <a:p>
             <a:fld id="{5CDFC0ED-09ED-410F-BE71-C5A0E5CAF45C}" type="datetime1">
               <a:rPr lang="en-GB" smtClean="0"/>
-              <a:t>10/04/2025</a:t>
+              <a:t>11/04/2025</a:t>
             </a:fld>
             <a:endParaRPr lang="en-GB"/>
           </a:p>
@@ -2717,7 +2720,7 @@
           <a:p>
             <a:fld id="{3BB4F426-D937-485B-A737-9052C677CC14}" type="datetime1">
               <a:rPr lang="en-GB" smtClean="0"/>
-              <a:t>10/04/2025</a:t>
+              <a:t>11/04/2025</a:t>
             </a:fld>
             <a:endParaRPr lang="en-GB"/>
           </a:p>
@@ -2930,7 +2933,7 @@
           <a:p>
             <a:fld id="{5029E2CA-F4BC-40A0-B78C-A9A7478F92E3}" type="datetime1">
               <a:rPr lang="en-GB" smtClean="0"/>
-              <a:t>10/04/2025</a:t>
+              <a:t>11/04/2025</a:t>
             </a:fld>
             <a:endParaRPr lang="en-GB"/>
           </a:p>
@@ -3426,6 +3429,969 @@
   <p:cSld>
     <p:spTree>
       <p:nvGrpSpPr>
+        <p:cNvPr id="1" name=""/>
+        <p:cNvGrpSpPr/>
+        <p:nvPr/>
+      </p:nvGrpSpPr>
+      <p:grpSpPr>
+        <a:xfrm>
+          <a:off x="0" y="0"/>
+          <a:ext cx="0" cy="0"/>
+          <a:chOff x="0" y="0"/>
+          <a:chExt cx="0" cy="0"/>
+        </a:xfrm>
+      </p:grpSpPr>
+      <p:sp>
+        <p:nvSpPr>
+          <p:cNvPr id="2" name="Title 1">
+            <a:extLst>
+              <a:ext uri="{FF2B5EF4-FFF2-40B4-BE49-F238E27FC236}">
+                <a16:creationId xmlns:a16="http://schemas.microsoft.com/office/drawing/2014/main" id="{58BC0A5E-5A97-E5F4-2CA1-5DEC00D34CDB}"/>
+              </a:ext>
+            </a:extLst>
+          </p:cNvPr>
+          <p:cNvSpPr>
+            <a:spLocks noGrp="1"/>
+          </p:cNvSpPr>
+          <p:nvPr>
+            <p:ph type="title"/>
+          </p:nvPr>
+        </p:nvSpPr>
+        <p:spPr>
+          <a:xfrm>
+            <a:off x="838200" y="365125"/>
+            <a:ext cx="10515600" cy="610183"/>
+          </a:xfrm>
+        </p:spPr>
+        <p:txBody>
+          <a:bodyPr>
+            <a:normAutofit fontScale="90000"/>
+          </a:bodyPr>
+          <a:lstStyle/>
+          <a:p>
+            <a:r>
+              <a:rPr lang="en-US" dirty="0" err="1"/>
+              <a:t>Compre</a:t>
+            </a:r>
+            <a:r>
+              <a:rPr lang="en-US" dirty="0"/>
+              <a:t> the results</a:t>
+            </a:r>
+            <a:endParaRPr lang="en-IL" dirty="0"/>
+          </a:p>
+        </p:txBody>
+      </p:sp>
+      <p:sp>
+        <p:nvSpPr>
+          <p:cNvPr id="3" name="Content Placeholder 2">
+            <a:extLst>
+              <a:ext uri="{FF2B5EF4-FFF2-40B4-BE49-F238E27FC236}">
+                <a16:creationId xmlns:a16="http://schemas.microsoft.com/office/drawing/2014/main" id="{E9A30813-72BE-0487-8B84-974BB89D5B7E}"/>
+              </a:ext>
+            </a:extLst>
+          </p:cNvPr>
+          <p:cNvSpPr>
+            <a:spLocks noGrp="1"/>
+          </p:cNvSpPr>
+          <p:nvPr>
+            <p:ph idx="1"/>
+          </p:nvPr>
+        </p:nvSpPr>
+        <p:spPr>
+          <a:xfrm>
+            <a:off x="838200" y="1073385"/>
+            <a:ext cx="10515600" cy="973559"/>
+          </a:xfrm>
+        </p:spPr>
+        <p:txBody>
+          <a:bodyPr>
+            <a:normAutofit fontScale="85000" lnSpcReduction="20000"/>
+          </a:bodyPr>
+          <a:lstStyle/>
+          <a:p>
+            <a:r>
+              <a:rPr lang="en-US" dirty="0"/>
+              <a:t>Partial pooling:</a:t>
+            </a:r>
+          </a:p>
+          <a:p>
+            <a:pPr lvl="1"/>
+            <a:r>
+              <a:rPr lang="en-US" dirty="0"/>
+              <a:t>More narrow HDIs</a:t>
+            </a:r>
+          </a:p>
+          <a:p>
+            <a:pPr lvl="1"/>
+            <a:r>
+              <a:rPr lang="en-US" dirty="0"/>
+              <a:t>Closer together</a:t>
+            </a:r>
+            <a:endParaRPr lang="en-IL" dirty="0"/>
+          </a:p>
+        </p:txBody>
+      </p:sp>
+      <p:sp>
+        <p:nvSpPr>
+          <p:cNvPr id="4" name="Slide Number Placeholder 3">
+            <a:extLst>
+              <a:ext uri="{FF2B5EF4-FFF2-40B4-BE49-F238E27FC236}">
+                <a16:creationId xmlns:a16="http://schemas.microsoft.com/office/drawing/2014/main" id="{DF5A2654-A797-5D04-09FB-9F92A3D74D49}"/>
+              </a:ext>
+            </a:extLst>
+          </p:cNvPr>
+          <p:cNvSpPr>
+            <a:spLocks noGrp="1"/>
+          </p:cNvSpPr>
+          <p:nvPr>
+            <p:ph type="sldNum" sz="quarter" idx="12"/>
+          </p:nvPr>
+        </p:nvSpPr>
+        <p:spPr/>
+        <p:txBody>
+          <a:bodyPr/>
+          <a:lstStyle/>
+          <a:p>
+            <a:fld id="{E0DC7AD3-7C2E-418B-8082-788996B615FB}" type="slidenum">
+              <a:rPr lang="en-GB" smtClean="0"/>
+              <a:t>10</a:t>
+            </a:fld>
+            <a:endParaRPr lang="en-GB"/>
+          </a:p>
+        </p:txBody>
+      </p:sp>
+      <p:pic>
+        <p:nvPicPr>
+          <p:cNvPr id="6" name="Picture 5">
+            <a:extLst>
+              <a:ext uri="{FF2B5EF4-FFF2-40B4-BE49-F238E27FC236}">
+                <a16:creationId xmlns:a16="http://schemas.microsoft.com/office/drawing/2014/main" id="{DAE9F535-0E0D-6F99-43C2-58C4E1203160}"/>
+              </a:ext>
+            </a:extLst>
+          </p:cNvPr>
+          <p:cNvPicPr>
+            <a:picLocks noChangeAspect="1"/>
+          </p:cNvPicPr>
+          <p:nvPr/>
+        </p:nvPicPr>
+        <p:blipFill>
+          <a:blip r:embed="rId2" cstate="email">
+            <a:extLst>
+              <a:ext uri="{28A0092B-C50C-407E-A947-70E740481C1C}">
+                <a14:useLocalDpi xmlns:a14="http://schemas.microsoft.com/office/drawing/2010/main" val="0"/>
+              </a:ext>
+            </a:extLst>
+          </a:blip>
+          <a:srcRect/>
+          <a:stretch/>
+        </p:blipFill>
+        <p:spPr>
+          <a:xfrm>
+            <a:off x="343677" y="2027721"/>
+            <a:ext cx="7074160" cy="4760662"/>
+          </a:xfrm>
+          <a:prstGeom prst="rect">
+            <a:avLst/>
+          </a:prstGeom>
+        </p:spPr>
+      </p:pic>
+      <p:sp>
+        <p:nvSpPr>
+          <p:cNvPr id="9" name="TextBox 8">
+            <a:extLst>
+              <a:ext uri="{FF2B5EF4-FFF2-40B4-BE49-F238E27FC236}">
+                <a16:creationId xmlns:a16="http://schemas.microsoft.com/office/drawing/2014/main" id="{418BC107-6465-0C0F-7C33-E0373833662B}"/>
+              </a:ext>
+            </a:extLst>
+          </p:cNvPr>
+          <p:cNvSpPr txBox="1"/>
+          <p:nvPr/>
+        </p:nvSpPr>
+        <p:spPr>
+          <a:xfrm>
+            <a:off x="5194818" y="1016987"/>
+            <a:ext cx="6653505" cy="830997"/>
+          </a:xfrm>
+          <a:prstGeom prst="rect">
+            <a:avLst/>
+          </a:prstGeom>
+          <a:noFill/>
+        </p:spPr>
+        <p:txBody>
+          <a:bodyPr wrap="square">
+            <a:spAutoFit/>
+          </a:bodyPr>
+          <a:lstStyle/>
+          <a:p>
+            <a:pPr>
+              <a:buNone/>
+            </a:pPr>
+            <a:r>
+              <a:rPr lang="en-US" sz="1200" b="0" dirty="0" err="1">
+                <a:solidFill>
+                  <a:srgbClr val="267F99"/>
+                </a:solidFill>
+                <a:effectLst/>
+                <a:latin typeface="Consolas" panose="020B0609020204030204" pitchFamily="49" charset="0"/>
+              </a:rPr>
+              <a:t>az</a:t>
+            </a:r>
+            <a:r>
+              <a:rPr lang="en-US" sz="1200" b="0" dirty="0" err="1">
+                <a:solidFill>
+                  <a:srgbClr val="3B3B3B"/>
+                </a:solidFill>
+                <a:effectLst/>
+                <a:latin typeface="Consolas" panose="020B0609020204030204" pitchFamily="49" charset="0"/>
+              </a:rPr>
+              <a:t>.</a:t>
+            </a:r>
+            <a:r>
+              <a:rPr lang="en-US" sz="1200" b="0" dirty="0" err="1">
+                <a:solidFill>
+                  <a:srgbClr val="795E26"/>
+                </a:solidFill>
+                <a:effectLst/>
+                <a:latin typeface="Consolas" panose="020B0609020204030204" pitchFamily="49" charset="0"/>
+              </a:rPr>
+              <a:t>plot_forest</a:t>
+            </a:r>
+            <a:r>
+              <a:rPr lang="en-US" sz="1200" b="0" dirty="0">
+                <a:solidFill>
+                  <a:srgbClr val="3B3B3B"/>
+                </a:solidFill>
+                <a:effectLst/>
+                <a:latin typeface="Consolas" panose="020B0609020204030204" pitchFamily="49" charset="0"/>
+              </a:rPr>
+              <a:t>([</a:t>
+            </a:r>
+            <a:r>
+              <a:rPr lang="en-US" sz="1200" b="0" dirty="0" err="1">
+                <a:solidFill>
+                  <a:srgbClr val="001080"/>
+                </a:solidFill>
+                <a:effectLst/>
+                <a:latin typeface="Consolas" panose="020B0609020204030204" pitchFamily="49" charset="0"/>
+              </a:rPr>
+              <a:t>idatas</a:t>
+            </a:r>
+            <a:r>
+              <a:rPr lang="en-US" sz="1200" b="0" dirty="0">
+                <a:solidFill>
+                  <a:srgbClr val="3B3B3B"/>
+                </a:solidFill>
+                <a:effectLst/>
+                <a:latin typeface="Consolas" panose="020B0609020204030204" pitchFamily="49" charset="0"/>
+              </a:rPr>
+              <a:t>[</a:t>
+            </a:r>
+            <a:r>
+              <a:rPr lang="en-US" sz="1200" b="0" dirty="0">
+                <a:solidFill>
+                  <a:srgbClr val="A31515"/>
+                </a:solidFill>
+                <a:effectLst/>
+                <a:latin typeface="Consolas" panose="020B0609020204030204" pitchFamily="49" charset="0"/>
+              </a:rPr>
+              <a:t>"</a:t>
+            </a:r>
+            <a:r>
+              <a:rPr lang="en-US" sz="1200" b="0" dirty="0" err="1">
+                <a:solidFill>
+                  <a:srgbClr val="A31515"/>
+                </a:solidFill>
+                <a:effectLst/>
+                <a:latin typeface="Consolas" panose="020B0609020204030204" pitchFamily="49" charset="0"/>
+              </a:rPr>
+              <a:t>unpooled</a:t>
+            </a:r>
+            <a:r>
+              <a:rPr lang="en-US" sz="1200" b="0" dirty="0">
+                <a:solidFill>
+                  <a:srgbClr val="A31515"/>
+                </a:solidFill>
+                <a:effectLst/>
+                <a:latin typeface="Consolas" panose="020B0609020204030204" pitchFamily="49" charset="0"/>
+              </a:rPr>
+              <a:t>"</a:t>
+            </a:r>
+            <a:r>
+              <a:rPr lang="en-US" sz="1200" b="0" dirty="0">
+                <a:solidFill>
+                  <a:srgbClr val="3B3B3B"/>
+                </a:solidFill>
+                <a:effectLst/>
+                <a:latin typeface="Consolas" panose="020B0609020204030204" pitchFamily="49" charset="0"/>
+              </a:rPr>
+              <a:t>], </a:t>
+            </a:r>
+            <a:r>
+              <a:rPr lang="en-US" sz="1200" b="0" dirty="0" err="1">
+                <a:solidFill>
+                  <a:srgbClr val="001080"/>
+                </a:solidFill>
+                <a:effectLst/>
+                <a:latin typeface="Consolas" panose="020B0609020204030204" pitchFamily="49" charset="0"/>
+              </a:rPr>
+              <a:t>idatas</a:t>
+            </a:r>
+            <a:r>
+              <a:rPr lang="en-US" sz="1200" b="0" dirty="0">
+                <a:solidFill>
+                  <a:srgbClr val="3B3B3B"/>
+                </a:solidFill>
+                <a:effectLst/>
+                <a:latin typeface="Consolas" panose="020B0609020204030204" pitchFamily="49" charset="0"/>
+              </a:rPr>
+              <a:t>[</a:t>
+            </a:r>
+            <a:r>
+              <a:rPr lang="en-US" sz="1200" b="0" dirty="0">
+                <a:solidFill>
+                  <a:srgbClr val="A31515"/>
+                </a:solidFill>
+                <a:effectLst/>
+                <a:latin typeface="Consolas" panose="020B0609020204030204" pitchFamily="49" charset="0"/>
+              </a:rPr>
+              <a:t>"partial pooling"</a:t>
+            </a:r>
+            <a:r>
+              <a:rPr lang="en-US" sz="1200" b="0" dirty="0">
+                <a:solidFill>
+                  <a:srgbClr val="3B3B3B"/>
+                </a:solidFill>
+                <a:effectLst/>
+                <a:latin typeface="Consolas" panose="020B0609020204030204" pitchFamily="49" charset="0"/>
+              </a:rPr>
+              <a:t>]], </a:t>
+            </a:r>
+          </a:p>
+          <a:p>
+            <a:pPr>
+              <a:buNone/>
+            </a:pPr>
+            <a:r>
+              <a:rPr lang="en-US" sz="1200" b="0" dirty="0">
+                <a:solidFill>
+                  <a:srgbClr val="3B3B3B"/>
+                </a:solidFill>
+                <a:effectLst/>
+                <a:latin typeface="Consolas" panose="020B0609020204030204" pitchFamily="49" charset="0"/>
+              </a:rPr>
+              <a:t>               </a:t>
+            </a:r>
+            <a:r>
+              <a:rPr lang="en-US" sz="1200" b="0" dirty="0" err="1">
+                <a:solidFill>
+                  <a:srgbClr val="001080"/>
+                </a:solidFill>
+                <a:effectLst/>
+                <a:latin typeface="Consolas" panose="020B0609020204030204" pitchFamily="49" charset="0"/>
+              </a:rPr>
+              <a:t>var_names</a:t>
+            </a:r>
+            <a:r>
+              <a:rPr lang="en-US" sz="1200" b="0" dirty="0">
+                <a:solidFill>
+                  <a:srgbClr val="000000"/>
+                </a:solidFill>
+                <a:effectLst/>
+                <a:latin typeface="Consolas" panose="020B0609020204030204" pitchFamily="49" charset="0"/>
+              </a:rPr>
+              <a:t>=</a:t>
+            </a:r>
+            <a:r>
+              <a:rPr lang="en-US" sz="1200" b="0" dirty="0">
+                <a:solidFill>
+                  <a:srgbClr val="A31515"/>
+                </a:solidFill>
+                <a:effectLst/>
+                <a:latin typeface="Consolas" panose="020B0609020204030204" pitchFamily="49" charset="0"/>
+              </a:rPr>
+              <a:t>"</a:t>
+            </a:r>
+            <a:r>
+              <a:rPr lang="el-GR" sz="1200" b="0" dirty="0">
+                <a:solidFill>
+                  <a:srgbClr val="A31515"/>
+                </a:solidFill>
+                <a:effectLst/>
+                <a:latin typeface="Consolas" panose="020B0609020204030204" pitchFamily="49" charset="0"/>
+              </a:rPr>
+              <a:t>μ"</a:t>
+            </a:r>
+            <a:r>
+              <a:rPr lang="el-GR" sz="1200" b="0" dirty="0">
+                <a:solidFill>
+                  <a:srgbClr val="3B3B3B"/>
+                </a:solidFill>
+                <a:effectLst/>
+                <a:latin typeface="Consolas" panose="020B0609020204030204" pitchFamily="49" charset="0"/>
+              </a:rPr>
+              <a:t>, </a:t>
+            </a:r>
+            <a:r>
+              <a:rPr lang="en-US" sz="1200" b="0" dirty="0" err="1">
+                <a:solidFill>
+                  <a:srgbClr val="001080"/>
+                </a:solidFill>
+                <a:effectLst/>
+                <a:latin typeface="Consolas" panose="020B0609020204030204" pitchFamily="49" charset="0"/>
+              </a:rPr>
+              <a:t>model_names</a:t>
+            </a:r>
+            <a:r>
+              <a:rPr lang="en-US" sz="1200" b="0" dirty="0">
+                <a:solidFill>
+                  <a:srgbClr val="000000"/>
+                </a:solidFill>
+                <a:effectLst/>
+                <a:latin typeface="Consolas" panose="020B0609020204030204" pitchFamily="49" charset="0"/>
+              </a:rPr>
+              <a:t>=</a:t>
+            </a:r>
+            <a:r>
+              <a:rPr lang="en-US" sz="1200" b="0" dirty="0">
+                <a:solidFill>
+                  <a:srgbClr val="3B3B3B"/>
+                </a:solidFill>
+                <a:effectLst/>
+                <a:latin typeface="Consolas" panose="020B0609020204030204" pitchFamily="49" charset="0"/>
+              </a:rPr>
+              <a:t>[</a:t>
+            </a:r>
+            <a:r>
+              <a:rPr lang="en-US" sz="1200" b="0" dirty="0">
+                <a:solidFill>
+                  <a:srgbClr val="A31515"/>
+                </a:solidFill>
+                <a:effectLst/>
+                <a:latin typeface="Consolas" panose="020B0609020204030204" pitchFamily="49" charset="0"/>
+              </a:rPr>
+              <a:t>"</a:t>
+            </a:r>
+            <a:r>
+              <a:rPr lang="en-US" sz="1200" b="0" dirty="0" err="1">
+                <a:solidFill>
+                  <a:srgbClr val="A31515"/>
+                </a:solidFill>
+                <a:effectLst/>
+                <a:latin typeface="Consolas" panose="020B0609020204030204" pitchFamily="49" charset="0"/>
+              </a:rPr>
+              <a:t>Unpooled</a:t>
+            </a:r>
+            <a:r>
+              <a:rPr lang="en-US" sz="1200" b="0" dirty="0">
+                <a:solidFill>
+                  <a:srgbClr val="A31515"/>
+                </a:solidFill>
+                <a:effectLst/>
+                <a:latin typeface="Consolas" panose="020B0609020204030204" pitchFamily="49" charset="0"/>
+              </a:rPr>
+              <a:t>"</a:t>
+            </a:r>
+            <a:r>
+              <a:rPr lang="en-US" sz="1200" b="0" dirty="0">
+                <a:solidFill>
+                  <a:srgbClr val="3B3B3B"/>
+                </a:solidFill>
+                <a:effectLst/>
+                <a:latin typeface="Consolas" panose="020B0609020204030204" pitchFamily="49" charset="0"/>
+              </a:rPr>
+              <a:t>, </a:t>
+            </a:r>
+            <a:r>
+              <a:rPr lang="en-US" sz="1200" b="0" dirty="0">
+                <a:solidFill>
+                  <a:srgbClr val="A31515"/>
+                </a:solidFill>
+                <a:effectLst/>
+                <a:latin typeface="Consolas" panose="020B0609020204030204" pitchFamily="49" charset="0"/>
+              </a:rPr>
+              <a:t>"Partial pooling"</a:t>
+            </a:r>
+            <a:r>
+              <a:rPr lang="en-US" sz="1200" b="0" dirty="0">
+                <a:solidFill>
+                  <a:srgbClr val="3B3B3B"/>
+                </a:solidFill>
+                <a:effectLst/>
+                <a:latin typeface="Consolas" panose="020B0609020204030204" pitchFamily="49" charset="0"/>
+              </a:rPr>
+              <a:t>], </a:t>
+            </a:r>
+          </a:p>
+          <a:p>
+            <a:pPr>
+              <a:buNone/>
+            </a:pPr>
+            <a:r>
+              <a:rPr lang="en-US" sz="1200" b="0" dirty="0">
+                <a:solidFill>
+                  <a:srgbClr val="3B3B3B"/>
+                </a:solidFill>
+                <a:effectLst/>
+                <a:latin typeface="Consolas" panose="020B0609020204030204" pitchFamily="49" charset="0"/>
+              </a:rPr>
+              <a:t>               </a:t>
+            </a:r>
+            <a:r>
+              <a:rPr lang="en-US" sz="1200" b="0" dirty="0">
+                <a:solidFill>
+                  <a:srgbClr val="001080"/>
+                </a:solidFill>
+                <a:effectLst/>
+                <a:latin typeface="Consolas" panose="020B0609020204030204" pitchFamily="49" charset="0"/>
+              </a:rPr>
+              <a:t>kind</a:t>
+            </a:r>
+            <a:r>
+              <a:rPr lang="en-US" sz="1200" b="0" dirty="0">
+                <a:solidFill>
+                  <a:srgbClr val="000000"/>
+                </a:solidFill>
+                <a:effectLst/>
+                <a:latin typeface="Consolas" panose="020B0609020204030204" pitchFamily="49" charset="0"/>
+              </a:rPr>
+              <a:t>=</a:t>
+            </a:r>
+            <a:r>
+              <a:rPr lang="en-US" sz="1200" b="0" dirty="0">
+                <a:solidFill>
+                  <a:srgbClr val="A31515"/>
+                </a:solidFill>
+                <a:effectLst/>
+                <a:latin typeface="Consolas" panose="020B0609020204030204" pitchFamily="49" charset="0"/>
+              </a:rPr>
+              <a:t>"</a:t>
+            </a:r>
+            <a:r>
+              <a:rPr lang="en-US" sz="1200" b="0" dirty="0" err="1">
+                <a:solidFill>
+                  <a:srgbClr val="A31515"/>
+                </a:solidFill>
+                <a:effectLst/>
+                <a:latin typeface="Consolas" panose="020B0609020204030204" pitchFamily="49" charset="0"/>
+              </a:rPr>
+              <a:t>ridgeplot</a:t>
+            </a:r>
+            <a:r>
+              <a:rPr lang="en-US" sz="1200" b="0" dirty="0">
+                <a:solidFill>
+                  <a:srgbClr val="A31515"/>
+                </a:solidFill>
+                <a:effectLst/>
+                <a:latin typeface="Consolas" panose="020B0609020204030204" pitchFamily="49" charset="0"/>
+              </a:rPr>
+              <a:t>"</a:t>
+            </a:r>
+            <a:r>
+              <a:rPr lang="en-US" sz="1200" b="0" dirty="0">
+                <a:solidFill>
+                  <a:srgbClr val="3B3B3B"/>
+                </a:solidFill>
+                <a:effectLst/>
+                <a:latin typeface="Consolas" panose="020B0609020204030204" pitchFamily="49" charset="0"/>
+              </a:rPr>
+              <a:t>,</a:t>
+            </a:r>
+          </a:p>
+          <a:p>
+            <a:r>
+              <a:rPr lang="en-US" sz="1200" b="0" dirty="0">
+                <a:solidFill>
+                  <a:srgbClr val="3B3B3B"/>
+                </a:solidFill>
+                <a:effectLst/>
+                <a:latin typeface="Consolas" panose="020B0609020204030204" pitchFamily="49" charset="0"/>
+              </a:rPr>
+              <a:t>               </a:t>
+            </a:r>
+            <a:r>
+              <a:rPr lang="en-US" sz="1200" b="0" dirty="0">
+                <a:solidFill>
+                  <a:srgbClr val="001080"/>
+                </a:solidFill>
+                <a:effectLst/>
+                <a:latin typeface="Consolas" panose="020B0609020204030204" pitchFamily="49" charset="0"/>
+              </a:rPr>
+              <a:t>combined</a:t>
+            </a:r>
+            <a:r>
+              <a:rPr lang="en-US" sz="1200" b="0" dirty="0">
+                <a:solidFill>
+                  <a:srgbClr val="000000"/>
+                </a:solidFill>
+                <a:effectLst/>
+                <a:latin typeface="Consolas" panose="020B0609020204030204" pitchFamily="49" charset="0"/>
+              </a:rPr>
+              <a:t>=</a:t>
+            </a:r>
+            <a:r>
+              <a:rPr lang="en-US" sz="1200" b="0" dirty="0">
+                <a:solidFill>
+                  <a:srgbClr val="0000FF"/>
+                </a:solidFill>
+                <a:effectLst/>
+                <a:latin typeface="Consolas" panose="020B0609020204030204" pitchFamily="49" charset="0"/>
+              </a:rPr>
+              <a:t>True</a:t>
+            </a:r>
+            <a:r>
+              <a:rPr lang="en-US" sz="1200" b="0" dirty="0">
+                <a:solidFill>
+                  <a:srgbClr val="3B3B3B"/>
+                </a:solidFill>
+                <a:effectLst/>
+                <a:latin typeface="Consolas" panose="020B0609020204030204" pitchFamily="49" charset="0"/>
+              </a:rPr>
+              <a:t>, </a:t>
+            </a:r>
+            <a:r>
+              <a:rPr lang="en-US" sz="1200" b="0" dirty="0" err="1">
+                <a:solidFill>
+                  <a:srgbClr val="001080"/>
+                </a:solidFill>
+                <a:effectLst/>
+                <a:latin typeface="Consolas" panose="020B0609020204030204" pitchFamily="49" charset="0"/>
+              </a:rPr>
+              <a:t>figsize</a:t>
+            </a:r>
+            <a:r>
+              <a:rPr lang="en-US" sz="1200" b="0" dirty="0">
+                <a:solidFill>
+                  <a:srgbClr val="000000"/>
+                </a:solidFill>
+                <a:effectLst/>
+                <a:latin typeface="Consolas" panose="020B0609020204030204" pitchFamily="49" charset="0"/>
+              </a:rPr>
+              <a:t>=</a:t>
+            </a:r>
+            <a:r>
+              <a:rPr lang="en-US" sz="1200" b="0" dirty="0">
+                <a:solidFill>
+                  <a:srgbClr val="3B3B3B"/>
+                </a:solidFill>
+                <a:effectLst/>
+                <a:latin typeface="Consolas" panose="020B0609020204030204" pitchFamily="49" charset="0"/>
+              </a:rPr>
+              <a:t>(</a:t>
+            </a:r>
+            <a:r>
+              <a:rPr lang="en-US" sz="1200" b="0" dirty="0">
+                <a:solidFill>
+                  <a:srgbClr val="098658"/>
+                </a:solidFill>
+                <a:effectLst/>
+                <a:latin typeface="Consolas" panose="020B0609020204030204" pitchFamily="49" charset="0"/>
+              </a:rPr>
+              <a:t>6</a:t>
+            </a:r>
+            <a:r>
+              <a:rPr lang="en-US" sz="1200" b="0" dirty="0">
+                <a:solidFill>
+                  <a:srgbClr val="3B3B3B"/>
+                </a:solidFill>
+                <a:effectLst/>
+                <a:latin typeface="Consolas" panose="020B0609020204030204" pitchFamily="49" charset="0"/>
+              </a:rPr>
+              <a:t>, </a:t>
+            </a:r>
+            <a:r>
+              <a:rPr lang="en-US" sz="1200" b="0" dirty="0">
+                <a:solidFill>
+                  <a:srgbClr val="098658"/>
+                </a:solidFill>
+                <a:effectLst/>
+                <a:latin typeface="Consolas" panose="020B0609020204030204" pitchFamily="49" charset="0"/>
+              </a:rPr>
+              <a:t>4</a:t>
+            </a:r>
+            <a:r>
+              <a:rPr lang="en-US" sz="1200" b="0" dirty="0">
+                <a:solidFill>
+                  <a:srgbClr val="3B3B3B"/>
+                </a:solidFill>
+                <a:effectLst/>
+                <a:latin typeface="Consolas" panose="020B0609020204030204" pitchFamily="49" charset="0"/>
+              </a:rPr>
+              <a:t>))</a:t>
+            </a:r>
+          </a:p>
+        </p:txBody>
+      </p:sp>
+    </p:spTree>
+    <p:extLst>
+      <p:ext uri="{BB962C8B-B14F-4D97-AF65-F5344CB8AC3E}">
+        <p14:creationId xmlns:p14="http://schemas.microsoft.com/office/powerpoint/2010/main" val="2457012389"/>
+      </p:ext>
+    </p:extLst>
+  </p:cSld>
+  <p:clrMapOvr>
+    <a:masterClrMapping/>
+  </p:clrMapOvr>
+</p:sld>
+</file>
+
+<file path=ppt/slides/slide11.xml><?xml version="1.0" encoding="utf-8"?>
+<p:sld xmlns:a="http://schemas.openxmlformats.org/drawingml/2006/main" xmlns:r="http://schemas.openxmlformats.org/officeDocument/2006/relationships" xmlns:p="http://schemas.openxmlformats.org/presentationml/2006/main">
+  <p:cSld>
+    <p:spTree>
+      <p:nvGrpSpPr>
+        <p:cNvPr id="1" name=""/>
+        <p:cNvGrpSpPr/>
+        <p:nvPr/>
+      </p:nvGrpSpPr>
+      <p:grpSpPr>
+        <a:xfrm>
+          <a:off x="0" y="0"/>
+          <a:ext cx="0" cy="0"/>
+          <a:chOff x="0" y="0"/>
+          <a:chExt cx="0" cy="0"/>
+        </a:xfrm>
+      </p:grpSpPr>
+      <p:sp>
+        <p:nvSpPr>
+          <p:cNvPr id="2" name="Title 1">
+            <a:extLst>
+              <a:ext uri="{FF2B5EF4-FFF2-40B4-BE49-F238E27FC236}">
+                <a16:creationId xmlns:a16="http://schemas.microsoft.com/office/drawing/2014/main" id="{AE3DA5B9-09F1-8E77-2BF1-B3971A8157F2}"/>
+              </a:ext>
+            </a:extLst>
+          </p:cNvPr>
+          <p:cNvSpPr>
+            <a:spLocks noGrp="1"/>
+          </p:cNvSpPr>
+          <p:nvPr>
+            <p:ph type="title"/>
+          </p:nvPr>
+        </p:nvSpPr>
+        <p:spPr/>
+        <p:txBody>
+          <a:bodyPr/>
+          <a:lstStyle/>
+          <a:p>
+            <a:r>
+              <a:rPr lang="en-US" dirty="0"/>
+              <a:t>Partial pooling through hierarchical models</a:t>
+            </a:r>
+            <a:endParaRPr lang="en-IL" dirty="0"/>
+          </a:p>
+        </p:txBody>
+      </p:sp>
+      <p:sp>
+        <p:nvSpPr>
+          <p:cNvPr id="3" name="Content Placeholder 2">
+            <a:extLst>
+              <a:ext uri="{FF2B5EF4-FFF2-40B4-BE49-F238E27FC236}">
+                <a16:creationId xmlns:a16="http://schemas.microsoft.com/office/drawing/2014/main" id="{EA2DA62F-ABDC-EF1A-D097-E5A8FCA93D38}"/>
+              </a:ext>
+            </a:extLst>
+          </p:cNvPr>
+          <p:cNvSpPr>
+            <a:spLocks noGrp="1"/>
+          </p:cNvSpPr>
+          <p:nvPr>
+            <p:ph idx="1"/>
+          </p:nvPr>
+        </p:nvSpPr>
+        <p:spPr>
+          <a:xfrm>
+            <a:off x="838200" y="1825625"/>
+            <a:ext cx="10515600" cy="684310"/>
+          </a:xfrm>
+        </p:spPr>
+        <p:txBody>
+          <a:bodyPr/>
+          <a:lstStyle/>
+          <a:p>
+            <a:endParaRPr lang="en-IL"/>
+          </a:p>
+        </p:txBody>
+      </p:sp>
+      <p:sp>
+        <p:nvSpPr>
+          <p:cNvPr id="4" name="Slide Number Placeholder 3">
+            <a:extLst>
+              <a:ext uri="{FF2B5EF4-FFF2-40B4-BE49-F238E27FC236}">
+                <a16:creationId xmlns:a16="http://schemas.microsoft.com/office/drawing/2014/main" id="{C5D80F27-3EA6-79B2-F92E-ECCCA7C0C1D2}"/>
+              </a:ext>
+            </a:extLst>
+          </p:cNvPr>
+          <p:cNvSpPr>
+            <a:spLocks noGrp="1"/>
+          </p:cNvSpPr>
+          <p:nvPr>
+            <p:ph type="sldNum" sz="quarter" idx="12"/>
+          </p:nvPr>
+        </p:nvSpPr>
+        <p:spPr/>
+        <p:txBody>
+          <a:bodyPr/>
+          <a:lstStyle/>
+          <a:p>
+            <a:fld id="{E0DC7AD3-7C2E-418B-8082-788996B615FB}" type="slidenum">
+              <a:rPr lang="en-GB" smtClean="0"/>
+              <a:t>11</a:t>
+            </a:fld>
+            <a:endParaRPr lang="en-GB"/>
+          </a:p>
+        </p:txBody>
+      </p:sp>
+    </p:spTree>
+    <p:extLst>
+      <p:ext uri="{BB962C8B-B14F-4D97-AF65-F5344CB8AC3E}">
+        <p14:creationId xmlns:p14="http://schemas.microsoft.com/office/powerpoint/2010/main" val="3511360467"/>
+      </p:ext>
+    </p:extLst>
+  </p:cSld>
+  <p:clrMapOvr>
+    <a:masterClrMapping/>
+  </p:clrMapOvr>
+</p:sld>
+</file>
+
+<file path=ppt/slides/slide12.xml><?xml version="1.0" encoding="utf-8"?>
+<p:sld xmlns:a="http://schemas.openxmlformats.org/drawingml/2006/main" xmlns:r="http://schemas.openxmlformats.org/officeDocument/2006/relationships" xmlns:p="http://schemas.openxmlformats.org/presentationml/2006/main">
+  <p:cSld>
+    <p:spTree>
+      <p:nvGrpSpPr>
+        <p:cNvPr id="1" name="">
+          <a:extLst>
+            <a:ext uri="{FF2B5EF4-FFF2-40B4-BE49-F238E27FC236}">
+              <a16:creationId xmlns:a16="http://schemas.microsoft.com/office/drawing/2014/main" id="{93E079D9-98E9-685D-2EBF-44ABB96529E5}"/>
+            </a:ext>
+          </a:extLst>
+        </p:cNvPr>
+        <p:cNvGrpSpPr/>
+        <p:nvPr/>
+      </p:nvGrpSpPr>
+      <p:grpSpPr>
+        <a:xfrm>
+          <a:off x="0" y="0"/>
+          <a:ext cx="0" cy="0"/>
+          <a:chOff x="0" y="0"/>
+          <a:chExt cx="0" cy="0"/>
+        </a:xfrm>
+      </p:grpSpPr>
+      <p:sp>
+        <p:nvSpPr>
+          <p:cNvPr id="6" name="Title 5">
+            <a:extLst>
+              <a:ext uri="{FF2B5EF4-FFF2-40B4-BE49-F238E27FC236}">
+                <a16:creationId xmlns:a16="http://schemas.microsoft.com/office/drawing/2014/main" id="{63407B5E-4480-DDBF-E5BA-7784D447A90E}"/>
+              </a:ext>
+            </a:extLst>
+          </p:cNvPr>
+          <p:cNvSpPr>
+            <a:spLocks noGrp="1"/>
+          </p:cNvSpPr>
+          <p:nvPr>
+            <p:ph type="title"/>
+          </p:nvPr>
+        </p:nvSpPr>
+        <p:spPr/>
+        <p:txBody>
+          <a:bodyPr/>
+          <a:lstStyle/>
+          <a:p>
+            <a:endParaRPr lang="en-IL"/>
+          </a:p>
+        </p:txBody>
+      </p:sp>
+      <p:sp>
+        <p:nvSpPr>
+          <p:cNvPr id="7" name="Text Placeholder 6">
+            <a:extLst>
+              <a:ext uri="{FF2B5EF4-FFF2-40B4-BE49-F238E27FC236}">
+                <a16:creationId xmlns:a16="http://schemas.microsoft.com/office/drawing/2014/main" id="{96B0E2CF-1F1D-09B3-0E05-CF1D4FAF1171}"/>
+              </a:ext>
+            </a:extLst>
+          </p:cNvPr>
+          <p:cNvSpPr>
+            <a:spLocks noGrp="1"/>
+          </p:cNvSpPr>
+          <p:nvPr>
+            <p:ph type="body" idx="1"/>
+          </p:nvPr>
+        </p:nvSpPr>
+        <p:spPr/>
+        <p:txBody>
+          <a:bodyPr>
+            <a:normAutofit fontScale="85000" lnSpcReduction="10000"/>
+          </a:bodyPr>
+          <a:lstStyle/>
+          <a:p>
+            <a:pPr algn="ctr"/>
+            <a:r>
+              <a:rPr lang="en-US" sz="7200" dirty="0"/>
+              <a:t>7C Hierarchical models in </a:t>
+            </a:r>
+            <a:r>
+              <a:rPr lang="en-US" sz="7200" dirty="0" err="1"/>
+              <a:t>PyMC</a:t>
+            </a:r>
+            <a:endParaRPr lang="en-IL" sz="7200" dirty="0"/>
+          </a:p>
+        </p:txBody>
+      </p:sp>
+      <p:sp>
+        <p:nvSpPr>
+          <p:cNvPr id="5" name="Slide Number Placeholder 4">
+            <a:extLst>
+              <a:ext uri="{FF2B5EF4-FFF2-40B4-BE49-F238E27FC236}">
+                <a16:creationId xmlns:a16="http://schemas.microsoft.com/office/drawing/2014/main" id="{7268E480-A990-C4F0-A7AC-64DD9C2114F0}"/>
+              </a:ext>
+            </a:extLst>
+          </p:cNvPr>
+          <p:cNvSpPr>
+            <a:spLocks noGrp="1"/>
+          </p:cNvSpPr>
+          <p:nvPr>
+            <p:ph type="sldNum" sz="quarter" idx="12"/>
+          </p:nvPr>
+        </p:nvSpPr>
+        <p:spPr/>
+        <p:txBody>
+          <a:bodyPr/>
+          <a:lstStyle/>
+          <a:p>
+            <a:pPr>
+              <a:defRPr/>
+            </a:pPr>
+            <a:fld id="{3469EAC8-EFAD-49DA-A425-6225312A328A}" type="slidenum">
+              <a:rPr lang="he-IL" altLang="en-US" smtClean="0"/>
+              <a:pPr>
+                <a:defRPr/>
+              </a:pPr>
+              <a:t>12</a:t>
+            </a:fld>
+            <a:r>
+              <a:rPr lang="en-US" altLang="en-US"/>
+              <a:t> /  72</a:t>
+            </a:r>
+          </a:p>
+        </p:txBody>
+      </p:sp>
+    </p:spTree>
+    <p:extLst>
+      <p:ext uri="{BB962C8B-B14F-4D97-AF65-F5344CB8AC3E}">
+        <p14:creationId xmlns:p14="http://schemas.microsoft.com/office/powerpoint/2010/main" val="752095874"/>
+      </p:ext>
+    </p:extLst>
+  </p:cSld>
+  <p:clrMapOvr>
+    <a:masterClrMapping/>
+  </p:clrMapOvr>
+</p:sld>
+</file>
+
+<file path=ppt/slides/slide13.xml><?xml version="1.0" encoding="utf-8"?>
+<p:sld xmlns:a="http://schemas.openxmlformats.org/drawingml/2006/main" xmlns:r="http://schemas.openxmlformats.org/officeDocument/2006/relationships" xmlns:p="http://schemas.openxmlformats.org/presentationml/2006/main">
+  <p:cSld>
+    <p:spTree>
+      <p:nvGrpSpPr>
         <p:cNvPr id="1" name="">
           <a:extLst>
             <a:ext uri="{FF2B5EF4-FFF2-40B4-BE49-F238E27FC236}">
@@ -3530,7 +4496,7 @@
               <a:pPr>
                 <a:defRPr/>
               </a:pPr>
-              <a:t>10</a:t>
+              <a:t>13</a:t>
             </a:fld>
             <a:r>
               <a:rPr lang="en-US" altLang="en-US"/>
@@ -3552,7 +4518,7 @@
 </p:sld>
 </file>
 
-<file path=ppt/slides/slide11.xml><?xml version="1.0" encoding="utf-8"?>
+<file path=ppt/slides/slide14.xml><?xml version="1.0" encoding="utf-8"?>
 <p:sld xmlns:a="http://schemas.openxmlformats.org/drawingml/2006/main" xmlns:r="http://schemas.openxmlformats.org/officeDocument/2006/relationships" xmlns:p="http://schemas.openxmlformats.org/presentationml/2006/main">
   <p:cSld>
     <p:spTree>
@@ -3661,7 +4627,7 @@
               <a:pPr>
                 <a:defRPr/>
               </a:pPr>
-              <a:t>11</a:t>
+              <a:t>14</a:t>
             </a:fld>
             <a:r>
               <a:rPr lang="en-US" altLang="en-US"/>
@@ -3683,7 +4649,7 @@
 </p:sld>
 </file>
 
-<file path=ppt/slides/slide12.xml><?xml version="1.0" encoding="utf-8"?>
+<file path=ppt/slides/slide15.xml><?xml version="1.0" encoding="utf-8"?>
 <p:sld xmlns:a="http://schemas.openxmlformats.org/drawingml/2006/main" xmlns:r="http://schemas.openxmlformats.org/officeDocument/2006/relationships" xmlns:p="http://schemas.openxmlformats.org/presentationml/2006/main">
   <p:cSld>
     <p:spTree>
@@ -3792,7 +4758,7 @@
               <a:pPr>
                 <a:defRPr/>
               </a:pPr>
-              <a:t>12</a:t>
+              <a:t>15</a:t>
             </a:fld>
             <a:r>
               <a:rPr lang="en-US" altLang="en-US"/>
@@ -3814,7 +4780,7 @@
 </p:sld>
 </file>
 
-<file path=ppt/slides/slide13.xml><?xml version="1.0" encoding="utf-8"?>
+<file path=ppt/slides/slide16.xml><?xml version="1.0" encoding="utf-8"?>
 <p:sld xmlns:a="http://schemas.openxmlformats.org/drawingml/2006/main" xmlns:r="http://schemas.openxmlformats.org/officeDocument/2006/relationships" xmlns:p="http://schemas.openxmlformats.org/presentationml/2006/main">
   <p:cSld>
     <p:spTree>
@@ -3923,7 +4889,7 @@
               <a:pPr>
                 <a:defRPr/>
               </a:pPr>
-              <a:t>13</a:t>
+              <a:t>16</a:t>
             </a:fld>
             <a:r>
               <a:rPr lang="en-US" altLang="en-US"/>
@@ -3945,7 +4911,7 @@
 </p:sld>
 </file>
 
-<file path=ppt/slides/slide14.xml><?xml version="1.0" encoding="utf-8"?>
+<file path=ppt/slides/slide17.xml><?xml version="1.0" encoding="utf-8"?>
 <p:sld xmlns:a="http://schemas.openxmlformats.org/drawingml/2006/main" xmlns:r="http://schemas.openxmlformats.org/officeDocument/2006/relationships" xmlns:p="http://schemas.openxmlformats.org/presentationml/2006/main">
   <p:cSld>
     <p:spTree>
@@ -4054,7 +5020,7 @@
               <a:pPr>
                 <a:defRPr/>
               </a:pPr>
-              <a:t>14</a:t>
+              <a:t>17</a:t>
             </a:fld>
             <a:r>
               <a:rPr lang="en-US" altLang="en-US"/>
@@ -4675,10 +5641,10 @@
       </p:sp>
       <p:pic>
         <p:nvPicPr>
-          <p:cNvPr id="5" name="Picture 4">
+          <p:cNvPr id="7" name="Picture 6">
             <a:extLst>
               <a:ext uri="{FF2B5EF4-FFF2-40B4-BE49-F238E27FC236}">
-                <a16:creationId xmlns:a16="http://schemas.microsoft.com/office/drawing/2014/main" id="{EE4AA3E5-9126-276E-36CB-5814D10241BA}"/>
+                <a16:creationId xmlns:a16="http://schemas.microsoft.com/office/drawing/2014/main" id="{AAA0001F-0E82-7C73-82DF-9A0F630927D0}"/>
               </a:ext>
             </a:extLst>
           </p:cNvPr>
@@ -4700,8 +5666,8 @@
         </p:blipFill>
         <p:spPr>
           <a:xfrm>
-            <a:off x="5606253" y="3429000"/>
-            <a:ext cx="5143034" cy="3208499"/>
+            <a:off x="4380873" y="3472669"/>
+            <a:ext cx="6871845" cy="3016059"/>
           </a:xfrm>
           <a:prstGeom prst="rect">
             <a:avLst/>
@@ -5313,17 +6279,31 @@
         </p:nvSpPr>
         <p:spPr>
           <a:xfrm>
-            <a:off x="838200" y="365125"/>
-            <a:ext cx="3522435" cy="707895"/>
+            <a:off x="394995" y="319878"/>
+            <a:ext cx="5861180" cy="707895"/>
           </a:xfrm>
         </p:spPr>
         <p:txBody>
-          <a:bodyPr/>
+          <a:bodyPr>
+            <a:normAutofit fontScale="90000"/>
+          </a:bodyPr>
           <a:lstStyle/>
           <a:p>
             <a:r>
               <a:rPr lang="en-US" dirty="0"/>
-              <a:t>Tips data</a:t>
+              <a:t>Pooled and </a:t>
+            </a:r>
+            <a:r>
+              <a:rPr lang="en-US" dirty="0" err="1"/>
+              <a:t>unpooled</a:t>
+            </a:r>
+            <a:r>
+              <a:rPr lang="en-US" dirty="0"/>
+              <a:t> </a:t>
+            </a:r>
+            <a:r>
+              <a:rPr lang="en-US" dirty="0" err="1"/>
+              <a:t>PyMC</a:t>
             </a:r>
             <a:endParaRPr lang="en-IL" dirty="0"/>
           </a:p>
@@ -5348,7 +6328,7 @@
         <p:spPr>
           <a:xfrm>
             <a:off x="838200" y="1247646"/>
-            <a:ext cx="5730551" cy="1652490"/>
+            <a:ext cx="10022633" cy="885558"/>
           </a:xfrm>
         </p:spPr>
         <p:txBody>
@@ -5358,46 +6338,48 @@
           <a:lstStyle/>
           <a:p>
             <a:r>
+              <a:rPr lang="en-US" sz="2400" dirty="0" err="1"/>
+              <a:t>PyMC</a:t>
+            </a:r>
+            <a:r>
               <a:rPr lang="en-US" sz="2400" dirty="0"/>
-              <a:t>4 groups</a:t>
-            </a:r>
-          </a:p>
-          <a:p>
-            <a:r>
-              <a:rPr lang="en-US" sz="2400" dirty="0"/>
-              <a:t>Pooled and </a:t>
-            </a:r>
-            <a:r>
-              <a:rPr lang="en-US" sz="2400" dirty="0" err="1"/>
-              <a:t>unpooled</a:t>
-            </a:r>
-            <a:r>
-              <a:rPr lang="en-US" sz="2400" dirty="0"/>
-              <a:t> models are possible</a:t>
-            </a:r>
+              <a:t> would accept a vector for </a:t>
+            </a:r>
+            <a:r>
+              <a:rPr lang="en-US" sz="2400" dirty="0">
+                <a:latin typeface="Courier New" panose="02070309020205020404" pitchFamily="49" charset="0"/>
+                <a:cs typeface="Courier New" panose="02070309020205020404" pitchFamily="49" charset="0"/>
+              </a:rPr>
+              <a:t>sigma</a:t>
+            </a:r>
+            <a:r>
+              <a:rPr lang="en-US" sz="2400" dirty="0">
+                <a:cs typeface="Courier New" panose="02070309020205020404" pitchFamily="49" charset="0"/>
+              </a:rPr>
+              <a:t> in the </a:t>
+            </a:r>
+            <a:r>
+              <a:rPr lang="en-US" sz="2400" dirty="0" err="1">
+                <a:latin typeface="Courier New" panose="02070309020205020404" pitchFamily="49" charset="0"/>
+                <a:cs typeface="Courier New" panose="02070309020205020404" pitchFamily="49" charset="0"/>
+              </a:rPr>
+              <a:t>HalfNormal</a:t>
+            </a:r>
+            <a:endParaRPr lang="en-US" sz="2400" dirty="0">
+              <a:cs typeface="Courier New" panose="02070309020205020404" pitchFamily="49" charset="0"/>
+            </a:endParaRPr>
           </a:p>
           <a:p>
             <a:pPr lvl="1"/>
             <a:r>
-              <a:rPr lang="en-US" sz="2000" dirty="0"/>
-              <a:t>The </a:t>
-            </a:r>
-            <a:r>
-              <a:rPr lang="en-US" sz="2000" dirty="0" err="1"/>
-              <a:t>unpooled</a:t>
-            </a:r>
-            <a:r>
-              <a:rPr lang="en-US" sz="2000" dirty="0"/>
-              <a:t> model seems to have 1 prior</a:t>
-            </a:r>
-          </a:p>
-          <a:p>
-            <a:pPr lvl="2"/>
-            <a:r>
-              <a:rPr lang="en-US" sz="1800" dirty="0"/>
-              <a:t>But it is really 4 identical priors</a:t>
-            </a:r>
-            <a:endParaRPr lang="en-IL" sz="1800" dirty="0"/>
+              <a:rPr lang="en-US" sz="2000" dirty="0">
+                <a:cs typeface="Courier New" panose="02070309020205020404" pitchFamily="49" charset="0"/>
+              </a:rPr>
+              <a:t>They really are different priors</a:t>
+            </a:r>
+            <a:endParaRPr lang="en-IL" sz="2000" dirty="0">
+              <a:cs typeface="Courier New" panose="02070309020205020404" pitchFamily="49" charset="0"/>
+            </a:endParaRPr>
           </a:p>
         </p:txBody>
       </p:sp>
@@ -5430,36 +6412,6 @@
           </a:p>
         </p:txBody>
       </p:sp>
-      <p:pic>
-        <p:nvPicPr>
-          <p:cNvPr id="5" name="Picture 4">
-            <a:extLst>
-              <a:ext uri="{FF2B5EF4-FFF2-40B4-BE49-F238E27FC236}">
-                <a16:creationId xmlns:a16="http://schemas.microsoft.com/office/drawing/2014/main" id="{465A60F9-0103-81FC-9F27-2E9FD80806B2}"/>
-              </a:ext>
-            </a:extLst>
-          </p:cNvPr>
-          <p:cNvPicPr>
-            <a:picLocks noChangeAspect="1"/>
-          </p:cNvPicPr>
-          <p:nvPr/>
-        </p:nvPicPr>
-        <p:blipFill>
-          <a:blip r:embed="rId2"/>
-          <a:stretch>
-            <a:fillRect/>
-          </a:stretch>
-        </p:blipFill>
-        <p:spPr>
-          <a:xfrm>
-            <a:off x="6400800" y="70867"/>
-            <a:ext cx="5529943" cy="2249880"/>
-          </a:xfrm>
-          <a:prstGeom prst="rect">
-            <a:avLst/>
-          </a:prstGeom>
-        </p:spPr>
-      </p:pic>
       <p:sp>
         <p:nvSpPr>
           <p:cNvPr id="8" name="TextBox 7">
@@ -7252,165 +8204,6 @@
   <p:clrMapOvr>
     <a:masterClrMapping/>
   </p:clrMapOvr>
-  <p:timing>
-    <p:tnLst>
-      <p:par>
-        <p:cTn id="1" dur="indefinite" restart="never" nodeType="tmRoot">
-          <p:childTnLst>
-            <p:seq concurrent="1" nextAc="seek">
-              <p:cTn id="2" dur="indefinite" nodeType="mainSeq">
-                <p:childTnLst>
-                  <p:par>
-                    <p:cTn id="3" fill="hold">
-                      <p:stCondLst>
-                        <p:cond delay="indefinite"/>
-                      </p:stCondLst>
-                      <p:childTnLst>
-                        <p:par>
-                          <p:cTn id="4" fill="hold">
-                            <p:stCondLst>
-                              <p:cond delay="0"/>
-                            </p:stCondLst>
-                            <p:childTnLst>
-                              <p:par>
-                                <p:cTn id="5" presetID="1" presetClass="entr" presetSubtype="0" fill="hold" nodeType="clickEffect">
-                                  <p:stCondLst>
-                                    <p:cond delay="0"/>
-                                  </p:stCondLst>
-                                  <p:childTnLst>
-                                    <p:set>
-                                      <p:cBhvr>
-                                        <p:cTn id="6" dur="1" fill="hold">
-                                          <p:stCondLst>
-                                            <p:cond delay="0"/>
-                                          </p:stCondLst>
-                                        </p:cTn>
-                                        <p:tgtEl>
-                                          <p:spTgt spid="3">
-                                            <p:txEl>
-                                              <p:pRg st="1" end="1"/>
-                                            </p:txEl>
-                                          </p:spTgt>
-                                        </p:tgtEl>
-                                        <p:attrNameLst>
-                                          <p:attrName>style.visibility</p:attrName>
-                                        </p:attrNameLst>
-                                      </p:cBhvr>
-                                      <p:to>
-                                        <p:strVal val="visible"/>
-                                      </p:to>
-                                    </p:set>
-                                  </p:childTnLst>
-                                </p:cTn>
-                              </p:par>
-                            </p:childTnLst>
-                          </p:cTn>
-                        </p:par>
-                      </p:childTnLst>
-                    </p:cTn>
-                  </p:par>
-                  <p:par>
-                    <p:cTn id="7" fill="hold">
-                      <p:stCondLst>
-                        <p:cond delay="indefinite"/>
-                      </p:stCondLst>
-                      <p:childTnLst>
-                        <p:par>
-                          <p:cTn id="8" fill="hold">
-                            <p:stCondLst>
-                              <p:cond delay="0"/>
-                            </p:stCondLst>
-                            <p:childTnLst>
-                              <p:par>
-                                <p:cTn id="9" presetID="1" presetClass="entr" presetSubtype="0" fill="hold" nodeType="clickEffect">
-                                  <p:stCondLst>
-                                    <p:cond delay="0"/>
-                                  </p:stCondLst>
-                                  <p:childTnLst>
-                                    <p:set>
-                                      <p:cBhvr>
-                                        <p:cTn id="10" dur="1" fill="hold">
-                                          <p:stCondLst>
-                                            <p:cond delay="0"/>
-                                          </p:stCondLst>
-                                        </p:cTn>
-                                        <p:tgtEl>
-                                          <p:spTgt spid="3">
-                                            <p:txEl>
-                                              <p:pRg st="2" end="2"/>
-                                            </p:txEl>
-                                          </p:spTgt>
-                                        </p:tgtEl>
-                                        <p:attrNameLst>
-                                          <p:attrName>style.visibility</p:attrName>
-                                        </p:attrNameLst>
-                                      </p:cBhvr>
-                                      <p:to>
-                                        <p:strVal val="visible"/>
-                                      </p:to>
-                                    </p:set>
-                                  </p:childTnLst>
-                                </p:cTn>
-                              </p:par>
-                              <p:par>
-                                <p:cTn id="11" presetID="1" presetClass="entr" presetSubtype="0" fill="hold" nodeType="withEffect">
-                                  <p:stCondLst>
-                                    <p:cond delay="0"/>
-                                  </p:stCondLst>
-                                  <p:childTnLst>
-                                    <p:set>
-                                      <p:cBhvr>
-                                        <p:cTn id="12" dur="1" fill="hold">
-                                          <p:stCondLst>
-                                            <p:cond delay="0"/>
-                                          </p:stCondLst>
-                                        </p:cTn>
-                                        <p:tgtEl>
-                                          <p:spTgt spid="3">
-                                            <p:txEl>
-                                              <p:pRg st="3" end="3"/>
-                                            </p:txEl>
-                                          </p:spTgt>
-                                        </p:tgtEl>
-                                        <p:attrNameLst>
-                                          <p:attrName>style.visibility</p:attrName>
-                                        </p:attrNameLst>
-                                      </p:cBhvr>
-                                      <p:to>
-                                        <p:strVal val="visible"/>
-                                      </p:to>
-                                    </p:set>
-                                  </p:childTnLst>
-                                </p:cTn>
-                              </p:par>
-                            </p:childTnLst>
-                          </p:cTn>
-                        </p:par>
-                      </p:childTnLst>
-                    </p:cTn>
-                  </p:par>
-                </p:childTnLst>
-              </p:cTn>
-              <p:prevCondLst>
-                <p:cond evt="onPrev" delay="0">
-                  <p:tgtEl>
-                    <p:sldTgt/>
-                  </p:tgtEl>
-                </p:cond>
-              </p:prevCondLst>
-              <p:nextCondLst>
-                <p:cond evt="onNext" delay="0">
-                  <p:tgtEl>
-                    <p:sldTgt/>
-                  </p:tgtEl>
-                </p:cond>
-              </p:nextCondLst>
-            </p:seq>
-          </p:childTnLst>
-        </p:cTn>
-      </p:par>
-    </p:tnLst>
-  </p:timing>
 </p:sld>
 </file>
 
@@ -7455,19 +8248,29 @@
         </p:nvSpPr>
         <p:spPr>
           <a:xfrm>
-            <a:off x="838200" y="365125"/>
-            <a:ext cx="3522435" cy="707895"/>
+            <a:off x="261257" y="365125"/>
+            <a:ext cx="6139543" cy="707895"/>
           </a:xfrm>
         </p:spPr>
         <p:txBody>
-          <a:bodyPr/>
-          <a:lstStyle/>
-          <a:p>
-            <a:r>
-              <a:rPr lang="en-US" dirty="0"/>
-              <a:t>Tips data</a:t>
-            </a:r>
-            <a:endParaRPr lang="en-IL" dirty="0"/>
+          <a:bodyPr>
+            <a:noAutofit/>
+          </a:bodyPr>
+          <a:lstStyle/>
+          <a:p>
+            <a:r>
+              <a:rPr lang="en-US" sz="3600" dirty="0"/>
+              <a:t>Pooled and </a:t>
+            </a:r>
+            <a:r>
+              <a:rPr lang="en-US" sz="3600" dirty="0" err="1"/>
+              <a:t>unpooled</a:t>
+            </a:r>
+            <a:r>
+              <a:rPr lang="en-US" sz="3600" dirty="0"/>
+              <a:t> posteriors</a:t>
+            </a:r>
+            <a:endParaRPr lang="en-IL" sz="3600" dirty="0"/>
           </a:p>
         </p:txBody>
       </p:sp>
@@ -7490,56 +8293,58 @@
         <p:spPr>
           <a:xfrm>
             <a:off x="838200" y="1247646"/>
-            <a:ext cx="5730551" cy="1652490"/>
+            <a:ext cx="5730551" cy="2118178"/>
           </a:xfrm>
         </p:spPr>
         <p:txBody>
           <a:bodyPr>
-            <a:normAutofit/>
+            <a:normAutofit lnSpcReduction="10000"/>
           </a:bodyPr>
           <a:lstStyle/>
           <a:p>
             <a:r>
               <a:rPr lang="en-US" sz="2400" dirty="0"/>
-              <a:t>4 groups</a:t>
-            </a:r>
-          </a:p>
-          <a:p>
+              <a:t>Pooled model</a:t>
+            </a:r>
+          </a:p>
+          <a:p>
+            <a:pPr lvl="1"/>
+            <a:r>
+              <a:rPr lang="en-US" sz="2000" dirty="0"/>
+              <a:t>Less uncertainty</a:t>
+            </a:r>
+          </a:p>
+          <a:p>
+            <a:pPr lvl="2"/>
+            <a:r>
+              <a:rPr lang="en-US" sz="1600" dirty="0"/>
+              <a:t>Shared information</a:t>
+            </a:r>
+          </a:p>
+          <a:p>
+            <a:r>
+              <a:rPr lang="en-US" sz="2400" dirty="0" err="1"/>
+              <a:t>Unpooled</a:t>
+            </a:r>
             <a:r>
               <a:rPr lang="en-US" sz="2400" dirty="0"/>
-              <a:t>Pooled and </a:t>
-            </a:r>
-            <a:r>
-              <a:rPr lang="en-US" sz="2400" dirty="0" err="1"/>
-              <a:t>unpooled</a:t>
-            </a:r>
-            <a:r>
-              <a:rPr lang="en-US" sz="2400" dirty="0"/>
-              <a:t> models are possible</a:t>
+              <a:t> model</a:t>
             </a:r>
           </a:p>
           <a:p>
             <a:pPr lvl="1"/>
             <a:r>
               <a:rPr lang="en-US" sz="2000" dirty="0"/>
-              <a:t>The </a:t>
-            </a:r>
-            <a:r>
-              <a:rPr lang="en-US" sz="2000" dirty="0" err="1"/>
-              <a:t>unpooled</a:t>
-            </a:r>
-            <a:r>
-              <a:rPr lang="en-US" sz="2000" dirty="0"/>
-              <a:t> model seems to have 1 prior</a:t>
+              <a:t>Parameters for each group</a:t>
             </a:r>
           </a:p>
           <a:p>
             <a:pPr lvl="2"/>
             <a:r>
-              <a:rPr lang="en-US" sz="1800" dirty="0"/>
-              <a:t>But it is really 4 identical priors</a:t>
-            </a:r>
-            <a:endParaRPr lang="en-IL" sz="1800" dirty="0"/>
+              <a:rPr lang="en-US" sz="1600" dirty="0"/>
+              <a:t>Information is not pooled</a:t>
+            </a:r>
+            <a:endParaRPr lang="en-IL" sz="1600" dirty="0"/>
           </a:p>
         </p:txBody>
       </p:sp>
@@ -7617,15 +8422,20 @@
           <p:nvPr/>
         </p:nvPicPr>
         <p:blipFill>
-          <a:blip r:embed="rId3"/>
-          <a:stretch>
-            <a:fillRect/>
-          </a:stretch>
+          <a:blip r:embed="rId3" cstate="email">
+            <a:extLst>
+              <a:ext uri="{28A0092B-C50C-407E-A947-70E740481C1C}">
+                <a14:useLocalDpi xmlns:a14="http://schemas.microsoft.com/office/drawing/2010/main" val="0"/>
+              </a:ext>
+            </a:extLst>
+          </a:blip>
+          <a:srcRect/>
+          <a:stretch/>
         </p:blipFill>
         <p:spPr>
           <a:xfrm>
-            <a:off x="1651518" y="3059410"/>
-            <a:ext cx="9000931" cy="3662066"/>
+            <a:off x="2715208" y="3492176"/>
+            <a:ext cx="7937240" cy="3229299"/>
           </a:xfrm>
           <a:prstGeom prst="rect">
             <a:avLst/>
@@ -7642,165 +8452,6 @@
   <p:clrMapOvr>
     <a:masterClrMapping/>
   </p:clrMapOvr>
-  <p:timing>
-    <p:tnLst>
-      <p:par>
-        <p:cTn id="1" dur="indefinite" restart="never" nodeType="tmRoot">
-          <p:childTnLst>
-            <p:seq concurrent="1" nextAc="seek">
-              <p:cTn id="2" dur="indefinite" nodeType="mainSeq">
-                <p:childTnLst>
-                  <p:par>
-                    <p:cTn id="3" fill="hold">
-                      <p:stCondLst>
-                        <p:cond delay="indefinite"/>
-                      </p:stCondLst>
-                      <p:childTnLst>
-                        <p:par>
-                          <p:cTn id="4" fill="hold">
-                            <p:stCondLst>
-                              <p:cond delay="0"/>
-                            </p:stCondLst>
-                            <p:childTnLst>
-                              <p:par>
-                                <p:cTn id="5" presetID="1" presetClass="entr" presetSubtype="0" fill="hold" nodeType="clickEffect">
-                                  <p:stCondLst>
-                                    <p:cond delay="0"/>
-                                  </p:stCondLst>
-                                  <p:childTnLst>
-                                    <p:set>
-                                      <p:cBhvr>
-                                        <p:cTn id="6" dur="1" fill="hold">
-                                          <p:stCondLst>
-                                            <p:cond delay="0"/>
-                                          </p:stCondLst>
-                                        </p:cTn>
-                                        <p:tgtEl>
-                                          <p:spTgt spid="3">
-                                            <p:txEl>
-                                              <p:pRg st="1" end="1"/>
-                                            </p:txEl>
-                                          </p:spTgt>
-                                        </p:tgtEl>
-                                        <p:attrNameLst>
-                                          <p:attrName>style.visibility</p:attrName>
-                                        </p:attrNameLst>
-                                      </p:cBhvr>
-                                      <p:to>
-                                        <p:strVal val="visible"/>
-                                      </p:to>
-                                    </p:set>
-                                  </p:childTnLst>
-                                </p:cTn>
-                              </p:par>
-                            </p:childTnLst>
-                          </p:cTn>
-                        </p:par>
-                      </p:childTnLst>
-                    </p:cTn>
-                  </p:par>
-                  <p:par>
-                    <p:cTn id="7" fill="hold">
-                      <p:stCondLst>
-                        <p:cond delay="indefinite"/>
-                      </p:stCondLst>
-                      <p:childTnLst>
-                        <p:par>
-                          <p:cTn id="8" fill="hold">
-                            <p:stCondLst>
-                              <p:cond delay="0"/>
-                            </p:stCondLst>
-                            <p:childTnLst>
-                              <p:par>
-                                <p:cTn id="9" presetID="1" presetClass="entr" presetSubtype="0" fill="hold" nodeType="clickEffect">
-                                  <p:stCondLst>
-                                    <p:cond delay="0"/>
-                                  </p:stCondLst>
-                                  <p:childTnLst>
-                                    <p:set>
-                                      <p:cBhvr>
-                                        <p:cTn id="10" dur="1" fill="hold">
-                                          <p:stCondLst>
-                                            <p:cond delay="0"/>
-                                          </p:stCondLst>
-                                        </p:cTn>
-                                        <p:tgtEl>
-                                          <p:spTgt spid="3">
-                                            <p:txEl>
-                                              <p:pRg st="2" end="2"/>
-                                            </p:txEl>
-                                          </p:spTgt>
-                                        </p:tgtEl>
-                                        <p:attrNameLst>
-                                          <p:attrName>style.visibility</p:attrName>
-                                        </p:attrNameLst>
-                                      </p:cBhvr>
-                                      <p:to>
-                                        <p:strVal val="visible"/>
-                                      </p:to>
-                                    </p:set>
-                                  </p:childTnLst>
-                                </p:cTn>
-                              </p:par>
-                              <p:par>
-                                <p:cTn id="11" presetID="1" presetClass="entr" presetSubtype="0" fill="hold" nodeType="withEffect">
-                                  <p:stCondLst>
-                                    <p:cond delay="0"/>
-                                  </p:stCondLst>
-                                  <p:childTnLst>
-                                    <p:set>
-                                      <p:cBhvr>
-                                        <p:cTn id="12" dur="1" fill="hold">
-                                          <p:stCondLst>
-                                            <p:cond delay="0"/>
-                                          </p:stCondLst>
-                                        </p:cTn>
-                                        <p:tgtEl>
-                                          <p:spTgt spid="3">
-                                            <p:txEl>
-                                              <p:pRg st="3" end="3"/>
-                                            </p:txEl>
-                                          </p:spTgt>
-                                        </p:tgtEl>
-                                        <p:attrNameLst>
-                                          <p:attrName>style.visibility</p:attrName>
-                                        </p:attrNameLst>
-                                      </p:cBhvr>
-                                      <p:to>
-                                        <p:strVal val="visible"/>
-                                      </p:to>
-                                    </p:set>
-                                  </p:childTnLst>
-                                </p:cTn>
-                              </p:par>
-                            </p:childTnLst>
-                          </p:cTn>
-                        </p:par>
-                      </p:childTnLst>
-                    </p:cTn>
-                  </p:par>
-                </p:childTnLst>
-              </p:cTn>
-              <p:prevCondLst>
-                <p:cond evt="onPrev" delay="0">
-                  <p:tgtEl>
-                    <p:sldTgt/>
-                  </p:tgtEl>
-                </p:cond>
-              </p:prevCondLst>
-              <p:nextCondLst>
-                <p:cond evt="onNext" delay="0">
-                  <p:tgtEl>
-                    <p:sldTgt/>
-                  </p:tgtEl>
-                </p:cond>
-              </p:nextCondLst>
-            </p:seq>
-          </p:childTnLst>
-        </p:cTn>
-      </p:par>
-    </p:tnLst>
-  </p:timing>
 </p:sld>
 </file>
 
@@ -7809,13 +8460,7 @@
   <p:cSld>
     <p:spTree>
       <p:nvGrpSpPr>
-        <p:cNvPr id="1" name="">
-          <a:extLst>
-            <a:ext uri="{FF2B5EF4-FFF2-40B4-BE49-F238E27FC236}">
-              <a16:creationId xmlns:a16="http://schemas.microsoft.com/office/drawing/2014/main" id="{93E079D9-98E9-685D-2EBF-44ABB96529E5}"/>
-            </a:ext>
-          </a:extLst>
-        </p:cNvPr>
+        <p:cNvPr id="1" name=""/>
         <p:cNvGrpSpPr/>
         <p:nvPr/>
       </p:nvGrpSpPr>
@@ -7829,10 +8474,10 @@
       </p:grpSpPr>
       <p:sp>
         <p:nvSpPr>
-          <p:cNvPr id="6" name="Title 5">
+          <p:cNvPr id="2" name="Title 1">
             <a:extLst>
               <a:ext uri="{FF2B5EF4-FFF2-40B4-BE49-F238E27FC236}">
-                <a16:creationId xmlns:a16="http://schemas.microsoft.com/office/drawing/2014/main" id="{63407B5E-4480-DDBF-E5BA-7784D447A90E}"/>
+                <a16:creationId xmlns:a16="http://schemas.microsoft.com/office/drawing/2014/main" id="{1BADAC3D-360C-FE39-BDDF-E340B5A42E8A}"/>
               </a:ext>
             </a:extLst>
           </p:cNvPr>
@@ -7848,16 +8493,20 @@
           <a:bodyPr/>
           <a:lstStyle/>
           <a:p>
-            <a:endParaRPr lang="en-IL"/>
-          </a:p>
-        </p:txBody>
-      </p:sp>
-      <p:sp>
-        <p:nvSpPr>
-          <p:cNvPr id="7" name="Text Placeholder 6">
+            <a:r>
+              <a:rPr lang="en-US" dirty="0"/>
+              <a:t>Partial pooling</a:t>
+            </a:r>
+            <a:endParaRPr lang="en-IL" dirty="0"/>
+          </a:p>
+        </p:txBody>
+      </p:sp>
+      <p:sp>
+        <p:nvSpPr>
+          <p:cNvPr id="3" name="Content Placeholder 2">
             <a:extLst>
               <a:ext uri="{FF2B5EF4-FFF2-40B4-BE49-F238E27FC236}">
-                <a16:creationId xmlns:a16="http://schemas.microsoft.com/office/drawing/2014/main" id="{96B0E2CF-1F1D-09B3-0E05-CF1D4FAF1171}"/>
+                <a16:creationId xmlns:a16="http://schemas.microsoft.com/office/drawing/2014/main" id="{A9E6D4AA-5A5F-0295-CC37-6B7A91DB9D46}"/>
               </a:ext>
             </a:extLst>
           </p:cNvPr>
@@ -7865,35 +8514,39 @@
             <a:spLocks noGrp="1"/>
           </p:cNvSpPr>
           <p:nvPr>
-            <p:ph type="body" idx="1"/>
-          </p:nvPr>
-        </p:nvSpPr>
-        <p:spPr/>
-        <p:txBody>
-          <a:bodyPr>
-            <a:normAutofit fontScale="85000" lnSpcReduction="10000"/>
-          </a:bodyPr>
-          <a:lstStyle/>
-          <a:p>
-            <a:pPr algn="ctr"/>
-            <a:r>
-              <a:rPr lang="en-US" sz="7200" dirty="0"/>
-              <a:t>7C Hierarchical models in </a:t>
-            </a:r>
-            <a:r>
-              <a:rPr lang="en-US" sz="7200" dirty="0" err="1"/>
-              <a:t>PyMC</a:t>
-            </a:r>
-            <a:endParaRPr lang="en-IL" sz="7200" dirty="0"/>
-          </a:p>
-        </p:txBody>
-      </p:sp>
-      <p:sp>
-        <p:nvSpPr>
-          <p:cNvPr id="5" name="Slide Number Placeholder 4">
+            <p:ph idx="1"/>
+          </p:nvPr>
+        </p:nvSpPr>
+        <p:spPr>
+          <a:xfrm>
+            <a:off x="838200" y="1460500"/>
+            <a:ext cx="10515600" cy="1150840"/>
+          </a:xfrm>
+        </p:spPr>
+        <p:txBody>
+          <a:bodyPr/>
+          <a:lstStyle/>
+          <a:p>
+            <a:r>
+              <a:rPr lang="en-US" dirty="0"/>
+              <a:t>Information sharing across groups</a:t>
+            </a:r>
+          </a:p>
+          <a:p>
+            <a:r>
+              <a:rPr lang="en-US" dirty="0"/>
+              <a:t>Separate parameters for each group</a:t>
+            </a:r>
+            <a:endParaRPr lang="en-IL" dirty="0"/>
+          </a:p>
+        </p:txBody>
+      </p:sp>
+      <p:sp>
+        <p:nvSpPr>
+          <p:cNvPr id="4" name="Slide Number Placeholder 3">
             <a:extLst>
               <a:ext uri="{FF2B5EF4-FFF2-40B4-BE49-F238E27FC236}">
-                <a16:creationId xmlns:a16="http://schemas.microsoft.com/office/drawing/2014/main" id="{7268E480-A990-C4F0-A7AC-64DD9C2114F0}"/>
+                <a16:creationId xmlns:a16="http://schemas.microsoft.com/office/drawing/2014/main" id="{0C131601-C031-3A9E-C259-C22B6028CED6}"/>
               </a:ext>
             </a:extLst>
           </p:cNvPr>
@@ -7909,27 +8562,53 @@
           <a:bodyPr/>
           <a:lstStyle/>
           <a:p>
-            <a:pPr>
-              <a:defRPr/>
-            </a:pPr>
-            <a:fld id="{3469EAC8-EFAD-49DA-A425-6225312A328A}" type="slidenum">
-              <a:rPr lang="he-IL" altLang="en-US" smtClean="0"/>
-              <a:pPr>
-                <a:defRPr/>
-              </a:pPr>
+            <a:fld id="{E0DC7AD3-7C2E-418B-8082-788996B615FB}" type="slidenum">
+              <a:rPr lang="en-GB" smtClean="0"/>
               <a:t>9</a:t>
             </a:fld>
-            <a:r>
-              <a:rPr lang="en-US" altLang="en-US"/>
-              <a:t> /  72</a:t>
-            </a:r>
-          </a:p>
-        </p:txBody>
-      </p:sp>
+            <a:endParaRPr lang="en-GB"/>
+          </a:p>
+        </p:txBody>
+      </p:sp>
+      <p:pic>
+        <p:nvPicPr>
+          <p:cNvPr id="5" name="Picture 4">
+            <a:extLst>
+              <a:ext uri="{FF2B5EF4-FFF2-40B4-BE49-F238E27FC236}">
+                <a16:creationId xmlns:a16="http://schemas.microsoft.com/office/drawing/2014/main" id="{DC82B9CF-FCEB-C9CB-CC43-0976EFDA6146}"/>
+              </a:ext>
+            </a:extLst>
+          </p:cNvPr>
+          <p:cNvPicPr>
+            <a:picLocks noChangeAspect="1"/>
+          </p:cNvPicPr>
+          <p:nvPr/>
+        </p:nvPicPr>
+        <p:blipFill>
+          <a:blip r:embed="rId2" cstate="email">
+            <a:extLst>
+              <a:ext uri="{28A0092B-C50C-407E-A947-70E740481C1C}">
+                <a14:useLocalDpi xmlns:a14="http://schemas.microsoft.com/office/drawing/2010/main" val="0"/>
+              </a:ext>
+            </a:extLst>
+          </a:blip>
+          <a:srcRect/>
+          <a:stretch/>
+        </p:blipFill>
+        <p:spPr>
+          <a:xfrm>
+            <a:off x="1074576" y="2864581"/>
+            <a:ext cx="10279224" cy="3491768"/>
+          </a:xfrm>
+          <a:prstGeom prst="rect">
+            <a:avLst/>
+          </a:prstGeom>
+        </p:spPr>
+      </p:pic>
     </p:spTree>
     <p:extLst>
       <p:ext uri="{BB962C8B-B14F-4D97-AF65-F5344CB8AC3E}">
-        <p14:creationId xmlns:p14="http://schemas.microsoft.com/office/powerpoint/2010/main" val="752095874"/>
+        <p14:creationId xmlns:p14="http://schemas.microsoft.com/office/powerpoint/2010/main" val="247865645"/>
       </p:ext>
     </p:extLst>
   </p:cSld>

--- a/Lectures/Lecture 7 Hierarchial models.pptx
+++ b/Lectures/Lecture 7 Hierarchial models.pptx
@@ -5,7 +5,7 @@
     <p:sldMasterId id="2147483648" r:id="rId1"/>
   </p:sldMasterIdLst>
   <p:notesMasterIdLst>
-    <p:notesMasterId r:id="rId32"/>
+    <p:notesMasterId r:id="rId38"/>
   </p:notesMasterIdLst>
   <p:sldIdLst>
     <p:sldId id="256" r:id="rId2"/>
@@ -30,14 +30,20 @@
     <p:sldId id="703" r:id="rId21"/>
     <p:sldId id="704" r:id="rId22"/>
     <p:sldId id="705" r:id="rId23"/>
-    <p:sldId id="706" r:id="rId24"/>
-    <p:sldId id="707" r:id="rId25"/>
-    <p:sldId id="708" r:id="rId26"/>
-    <p:sldId id="683" r:id="rId27"/>
-    <p:sldId id="684" r:id="rId28"/>
-    <p:sldId id="685" r:id="rId29"/>
-    <p:sldId id="686" r:id="rId30"/>
-    <p:sldId id="687" r:id="rId31"/>
+    <p:sldId id="683" r:id="rId24"/>
+    <p:sldId id="706" r:id="rId25"/>
+    <p:sldId id="707" r:id="rId26"/>
+    <p:sldId id="708" r:id="rId27"/>
+    <p:sldId id="710" r:id="rId28"/>
+    <p:sldId id="711" r:id="rId29"/>
+    <p:sldId id="712" r:id="rId30"/>
+    <p:sldId id="713" r:id="rId31"/>
+    <p:sldId id="709" r:id="rId32"/>
+    <p:sldId id="714" r:id="rId33"/>
+    <p:sldId id="684" r:id="rId34"/>
+    <p:sldId id="685" r:id="rId35"/>
+    <p:sldId id="686" r:id="rId36"/>
+    <p:sldId id="687" r:id="rId37"/>
   </p:sldIdLst>
   <p:sldSz cx="12192000" cy="6858000"/>
   <p:notesSz cx="7102475" cy="10234613"/>
@@ -13755,6 +13761,137 @@
   <p:cSld>
     <p:spTree>
       <p:nvGrpSpPr>
+        <p:cNvPr id="1" name="">
+          <a:extLst>
+            <a:ext uri="{FF2B5EF4-FFF2-40B4-BE49-F238E27FC236}">
+              <a16:creationId xmlns:a16="http://schemas.microsoft.com/office/drawing/2014/main" id="{842A18AB-CEFC-1866-7CDA-F9982698867C}"/>
+            </a:ext>
+          </a:extLst>
+        </p:cNvPr>
+        <p:cNvGrpSpPr/>
+        <p:nvPr/>
+      </p:nvGrpSpPr>
+      <p:grpSpPr>
+        <a:xfrm>
+          <a:off x="0" y="0"/>
+          <a:ext cx="0" cy="0"/>
+          <a:chOff x="0" y="0"/>
+          <a:chExt cx="0" cy="0"/>
+        </a:xfrm>
+      </p:grpSpPr>
+      <p:sp>
+        <p:nvSpPr>
+          <p:cNvPr id="6" name="Title 5">
+            <a:extLst>
+              <a:ext uri="{FF2B5EF4-FFF2-40B4-BE49-F238E27FC236}">
+                <a16:creationId xmlns:a16="http://schemas.microsoft.com/office/drawing/2014/main" id="{6D9E46BC-9575-4C9F-1588-3A10B5E59F9A}"/>
+              </a:ext>
+            </a:extLst>
+          </p:cNvPr>
+          <p:cNvSpPr>
+            <a:spLocks noGrp="1"/>
+          </p:cNvSpPr>
+          <p:nvPr>
+            <p:ph type="title"/>
+          </p:nvPr>
+        </p:nvSpPr>
+        <p:spPr/>
+        <p:txBody>
+          <a:bodyPr/>
+          <a:lstStyle/>
+          <a:p>
+            <a:endParaRPr lang="en-IL"/>
+          </a:p>
+        </p:txBody>
+      </p:sp>
+      <p:sp>
+        <p:nvSpPr>
+          <p:cNvPr id="7" name="Text Placeholder 6">
+            <a:extLst>
+              <a:ext uri="{FF2B5EF4-FFF2-40B4-BE49-F238E27FC236}">
+                <a16:creationId xmlns:a16="http://schemas.microsoft.com/office/drawing/2014/main" id="{979E621A-3568-DE77-B3CB-EEE26E75CEA5}"/>
+              </a:ext>
+            </a:extLst>
+          </p:cNvPr>
+          <p:cNvSpPr>
+            <a:spLocks noGrp="1"/>
+          </p:cNvSpPr>
+          <p:nvPr>
+            <p:ph type="body" idx="1"/>
+          </p:nvPr>
+        </p:nvSpPr>
+        <p:spPr/>
+        <p:txBody>
+          <a:bodyPr>
+            <a:normAutofit fontScale="85000" lnSpcReduction="10000"/>
+          </a:bodyPr>
+          <a:lstStyle/>
+          <a:p>
+            <a:pPr algn="ctr"/>
+            <a:r>
+              <a:rPr lang="en-US" sz="7200" dirty="0"/>
+              <a:t>7D What does the hierarchy do?</a:t>
+            </a:r>
+            <a:endParaRPr lang="en-IL" sz="7200" dirty="0"/>
+          </a:p>
+        </p:txBody>
+      </p:sp>
+      <p:sp>
+        <p:nvSpPr>
+          <p:cNvPr id="5" name="Slide Number Placeholder 4">
+            <a:extLst>
+              <a:ext uri="{FF2B5EF4-FFF2-40B4-BE49-F238E27FC236}">
+                <a16:creationId xmlns:a16="http://schemas.microsoft.com/office/drawing/2014/main" id="{912078D9-F0A8-57A1-2226-C45DBA77E8FF}"/>
+              </a:ext>
+            </a:extLst>
+          </p:cNvPr>
+          <p:cNvSpPr>
+            <a:spLocks noGrp="1"/>
+          </p:cNvSpPr>
+          <p:nvPr>
+            <p:ph type="sldNum" sz="quarter" idx="12"/>
+          </p:nvPr>
+        </p:nvSpPr>
+        <p:spPr/>
+        <p:txBody>
+          <a:bodyPr/>
+          <a:lstStyle/>
+          <a:p>
+            <a:pPr>
+              <a:defRPr/>
+            </a:pPr>
+            <a:fld id="{3469EAC8-EFAD-49DA-A425-6225312A328A}" type="slidenum">
+              <a:rPr lang="he-IL" altLang="en-US" smtClean="0"/>
+              <a:pPr>
+                <a:defRPr/>
+              </a:pPr>
+              <a:t>23</a:t>
+            </a:fld>
+            <a:r>
+              <a:rPr lang="en-US" altLang="en-US"/>
+              <a:t> /  72</a:t>
+            </a:r>
+          </a:p>
+        </p:txBody>
+      </p:sp>
+    </p:spTree>
+    <p:extLst>
+      <p:ext uri="{BB962C8B-B14F-4D97-AF65-F5344CB8AC3E}">
+        <p14:creationId xmlns:p14="http://schemas.microsoft.com/office/powerpoint/2010/main" val="3306114502"/>
+      </p:ext>
+    </p:extLst>
+  </p:cSld>
+  <p:clrMapOvr>
+    <a:masterClrMapping/>
+  </p:clrMapOvr>
+</p:sld>
+</file>
+
+<file path=ppt/slides/slide24.xml><?xml version="1.0" encoding="utf-8"?>
+<p:sld xmlns:a="http://schemas.openxmlformats.org/drawingml/2006/main" xmlns:r="http://schemas.openxmlformats.org/officeDocument/2006/relationships" xmlns:p="http://schemas.openxmlformats.org/presentationml/2006/main">
+  <p:cSld>
+    <p:spTree>
+      <p:nvGrpSpPr>
         <p:cNvPr id="1" name=""/>
         <p:cNvGrpSpPr/>
         <p:nvPr/>
@@ -13938,7 +14075,7 @@
           <a:p>
             <a:fld id="{E0DC7AD3-7C2E-418B-8082-788996B615FB}" type="slidenum">
               <a:rPr lang="en-GB" smtClean="0"/>
-              <a:t>23</a:t>
+              <a:t>24</a:t>
             </a:fld>
             <a:endParaRPr lang="en-GB"/>
           </a:p>
@@ -13987,7 +14124,7 @@
 </p:sld>
 </file>
 
-<file path=ppt/slides/slide24.xml><?xml version="1.0" encoding="utf-8"?>
+<file path=ppt/slides/slide25.xml><?xml version="1.0" encoding="utf-8"?>
 <p:sld xmlns:a="http://schemas.openxmlformats.org/drawingml/2006/main" xmlns:r="http://schemas.openxmlformats.org/officeDocument/2006/relationships" xmlns:p="http://schemas.openxmlformats.org/presentationml/2006/main">
   <p:cSld>
     <p:spTree>
@@ -14145,7 +14282,7 @@
           <a:p>
             <a:fld id="{E0DC7AD3-7C2E-418B-8082-788996B615FB}" type="slidenum">
               <a:rPr lang="en-GB" smtClean="0"/>
-              <a:t>24</a:t>
+              <a:t>25</a:t>
             </a:fld>
             <a:endParaRPr lang="en-GB"/>
           </a:p>
@@ -14199,7 +14336,7 @@
 </p:sld>
 </file>
 
-<file path=ppt/slides/slide25.xml><?xml version="1.0" encoding="utf-8"?>
+<file path=ppt/slides/slide26.xml><?xml version="1.0" encoding="utf-8"?>
 <p:sld xmlns:a="http://schemas.openxmlformats.org/drawingml/2006/main" xmlns:r="http://schemas.openxmlformats.org/officeDocument/2006/relationships" xmlns:p="http://schemas.openxmlformats.org/presentationml/2006/main">
   <p:cSld>
     <p:spTree>
@@ -14601,7 +14738,7 @@
           <a:p>
             <a:fld id="{E0DC7AD3-7C2E-418B-8082-788996B615FB}" type="slidenum">
               <a:rPr lang="en-GB" smtClean="0"/>
-              <a:t>25</a:t>
+              <a:t>26</a:t>
             </a:fld>
             <a:endParaRPr lang="en-GB"/>
           </a:p>
@@ -14650,7 +14787,7 @@
 </p:sld>
 </file>
 
-<file path=ppt/slides/slide26.xml><?xml version="1.0" encoding="utf-8"?>
+<file path=ppt/slides/slide27.xml><?xml version="1.0" encoding="utf-8"?>
 <p:sld xmlns:a="http://schemas.openxmlformats.org/drawingml/2006/main" xmlns:r="http://schemas.openxmlformats.org/officeDocument/2006/relationships" xmlns:p="http://schemas.openxmlformats.org/presentationml/2006/main">
   <p:cSld>
     <p:spTree>
@@ -14658,7 +14795,7 @@
         <p:cNvPr id="1" name="">
           <a:extLst>
             <a:ext uri="{FF2B5EF4-FFF2-40B4-BE49-F238E27FC236}">
-              <a16:creationId xmlns:a16="http://schemas.microsoft.com/office/drawing/2014/main" id="{842A18AB-CEFC-1866-7CDA-F9982698867C}"/>
+              <a16:creationId xmlns:a16="http://schemas.microsoft.com/office/drawing/2014/main" id="{0199F147-307A-31C7-6745-82638E487B7A}"/>
             </a:ext>
           </a:extLst>
         </p:cNvPr>
@@ -14673,69 +14810,103 @@
           <a:chExt cx="0" cy="0"/>
         </a:xfrm>
       </p:grpSpPr>
+      <mc:AlternateContent xmlns:mc="http://schemas.openxmlformats.org/markup-compatibility/2006">
+        <mc:Choice xmlns:a14="http://schemas.microsoft.com/office/drawing/2010/main" Requires="a14">
+          <p:sp>
+            <p:nvSpPr>
+              <p:cNvPr id="2" name="Title 1">
+                <a:extLst>
+                  <a:ext uri="{FF2B5EF4-FFF2-40B4-BE49-F238E27FC236}">
+                    <a16:creationId xmlns:a16="http://schemas.microsoft.com/office/drawing/2014/main" id="{BDA12597-C46A-3E96-E135-CF1787F4067C}"/>
+                  </a:ext>
+                </a:extLst>
+              </p:cNvPr>
+              <p:cNvSpPr>
+                <a:spLocks noGrp="1"/>
+              </p:cNvSpPr>
+              <p:nvPr>
+                <p:ph type="title"/>
+              </p:nvPr>
+            </p:nvSpPr>
+            <p:spPr>
+              <a:xfrm>
+                <a:off x="838200" y="365126"/>
+                <a:ext cx="10515600" cy="717226"/>
+              </a:xfrm>
+            </p:spPr>
+            <p:txBody>
+              <a:bodyPr/>
+              <a:lstStyle/>
+              <a:p>
+                <a:r>
+                  <a:rPr lang="en-US" dirty="0"/>
+                  <a:t>Non-hierarchical models results for </a:t>
+                </a:r>
+                <a14:m>
+                  <m:oMath xmlns:m="http://schemas.openxmlformats.org/officeDocument/2006/math">
+                    <m:r>
+                      <a:rPr lang="en-US" i="1">
+                        <a:latin typeface="Cambria Math" panose="02040503050406030204" pitchFamily="18" charset="0"/>
+                      </a:rPr>
+                      <m:t>𝜇</m:t>
+                    </m:r>
+                  </m:oMath>
+                </a14:m>
+                <a:endParaRPr lang="en-IL" dirty="0"/>
+              </a:p>
+            </p:txBody>
+          </p:sp>
+        </mc:Choice>
+        <mc:Fallback>
+          <p:sp>
+            <p:nvSpPr>
+              <p:cNvPr id="2" name="Title 1">
+                <a:extLst>
+                  <a:ext uri="{FF2B5EF4-FFF2-40B4-BE49-F238E27FC236}">
+                    <a16:creationId xmlns:a16="http://schemas.microsoft.com/office/drawing/2014/main" id="{BDA12597-C46A-3E96-E135-CF1787F4067C}"/>
+                  </a:ext>
+                </a:extLst>
+              </p:cNvPr>
+              <p:cNvSpPr>
+                <a:spLocks noGrp="1" noRot="1" noChangeAspect="1" noMove="1" noResize="1" noEditPoints="1" noAdjustHandles="1" noChangeArrowheads="1" noChangeShapeType="1" noTextEdit="1"/>
+              </p:cNvSpPr>
+              <p:nvPr>
+                <p:ph type="title"/>
+              </p:nvPr>
+            </p:nvSpPr>
+            <p:spPr>
+              <a:xfrm>
+                <a:off x="838200" y="365126"/>
+                <a:ext cx="10515600" cy="717226"/>
+              </a:xfrm>
+              <a:blipFill>
+                <a:blip r:embed="rId2"/>
+                <a:stretch>
+                  <a:fillRect l="-2377" t="-25424" b="-38983"/>
+                </a:stretch>
+              </a:blipFill>
+            </p:spPr>
+            <p:txBody>
+              <a:bodyPr/>
+              <a:lstStyle/>
+              <a:p>
+                <a:r>
+                  <a:rPr lang="en-IL">
+                    <a:noFill/>
+                  </a:rPr>
+                  <a:t> </a:t>
+                </a:r>
+              </a:p>
+            </p:txBody>
+          </p:sp>
+        </mc:Fallback>
+      </mc:AlternateContent>
       <p:sp>
         <p:nvSpPr>
-          <p:cNvPr id="6" name="Title 5">
+          <p:cNvPr id="3" name="Slide Number Placeholder 2">
             <a:extLst>
               <a:ext uri="{FF2B5EF4-FFF2-40B4-BE49-F238E27FC236}">
-                <a16:creationId xmlns:a16="http://schemas.microsoft.com/office/drawing/2014/main" id="{6D9E46BC-9575-4C9F-1588-3A10B5E59F9A}"/>
-              </a:ext>
-            </a:extLst>
-          </p:cNvPr>
-          <p:cNvSpPr>
-            <a:spLocks noGrp="1"/>
-          </p:cNvSpPr>
-          <p:nvPr>
-            <p:ph type="title"/>
-          </p:nvPr>
-        </p:nvSpPr>
-        <p:spPr/>
-        <p:txBody>
-          <a:bodyPr/>
-          <a:lstStyle/>
-          <a:p>
-            <a:endParaRPr lang="en-IL"/>
-          </a:p>
-        </p:txBody>
-      </p:sp>
-      <p:sp>
-        <p:nvSpPr>
-          <p:cNvPr id="7" name="Text Placeholder 6">
-            <a:extLst>
-              <a:ext uri="{FF2B5EF4-FFF2-40B4-BE49-F238E27FC236}">
-                <a16:creationId xmlns:a16="http://schemas.microsoft.com/office/drawing/2014/main" id="{979E621A-3568-DE77-B3CB-EEE26E75CEA5}"/>
-              </a:ext>
-            </a:extLst>
-          </p:cNvPr>
-          <p:cNvSpPr>
-            <a:spLocks noGrp="1"/>
-          </p:cNvSpPr>
-          <p:nvPr>
-            <p:ph type="body" idx="1"/>
-          </p:nvPr>
-        </p:nvSpPr>
-        <p:spPr/>
-        <p:txBody>
-          <a:bodyPr>
-            <a:normAutofit/>
-          </a:bodyPr>
-          <a:lstStyle/>
-          <a:p>
-            <a:pPr algn="ctr"/>
-            <a:r>
-              <a:rPr lang="en-US" sz="7200" dirty="0"/>
-              <a:t>7D Benefits and pitfalls</a:t>
-            </a:r>
-            <a:endParaRPr lang="en-IL" sz="7200" dirty="0"/>
-          </a:p>
-        </p:txBody>
-      </p:sp>
-      <p:sp>
-        <p:nvSpPr>
-          <p:cNvPr id="5" name="Slide Number Placeholder 4">
-            <a:extLst>
-              <a:ext uri="{FF2B5EF4-FFF2-40B4-BE49-F238E27FC236}">
-                <a16:creationId xmlns:a16="http://schemas.microsoft.com/office/drawing/2014/main" id="{912078D9-F0A8-57A1-2226-C45DBA77E8FF}"/>
+                <a16:creationId xmlns:a16="http://schemas.microsoft.com/office/drawing/2014/main" id="{A853254B-3D21-B92C-8478-5DE14DC253CB}"/>
               </a:ext>
             </a:extLst>
           </p:cNvPr>
@@ -14751,37 +14922,2498 @@
           <a:bodyPr/>
           <a:lstStyle/>
           <a:p>
-            <a:pPr>
-              <a:defRPr/>
-            </a:pPr>
-            <a:fld id="{3469EAC8-EFAD-49DA-A425-6225312A328A}" type="slidenum">
-              <a:rPr lang="he-IL" altLang="en-US" smtClean="0"/>
-              <a:pPr>
-                <a:defRPr/>
-              </a:pPr>
-              <a:t>26</a:t>
+            <a:fld id="{E0DC7AD3-7C2E-418B-8082-788996B615FB}" type="slidenum">
+              <a:rPr lang="en-GB" smtClean="0"/>
+              <a:t>27</a:t>
             </a:fld>
-            <a:r>
-              <a:rPr lang="en-US" altLang="en-US"/>
-              <a:t> /  72</a:t>
-            </a:r>
+            <a:endParaRPr lang="en-GB"/>
           </a:p>
         </p:txBody>
       </p:sp>
+      <p:sp>
+        <p:nvSpPr>
+          <p:cNvPr id="4" name="TextBox 3">
+            <a:extLst>
+              <a:ext uri="{FF2B5EF4-FFF2-40B4-BE49-F238E27FC236}">
+                <a16:creationId xmlns:a16="http://schemas.microsoft.com/office/drawing/2014/main" id="{2086E9C9-0642-B7AE-8040-B569E6F46AE1}"/>
+              </a:ext>
+            </a:extLst>
+          </p:cNvPr>
+          <p:cNvSpPr txBox="1"/>
+          <p:nvPr/>
+        </p:nvSpPr>
+        <p:spPr>
+          <a:xfrm>
+            <a:off x="324239" y="1767764"/>
+            <a:ext cx="6097554" cy="1169551"/>
+          </a:xfrm>
+          <a:prstGeom prst="rect">
+            <a:avLst/>
+          </a:prstGeom>
+          <a:noFill/>
+        </p:spPr>
+        <p:txBody>
+          <a:bodyPr wrap="square">
+            <a:spAutoFit/>
+          </a:bodyPr>
+          <a:lstStyle/>
+          <a:p>
+            <a:pPr>
+              <a:buNone/>
+            </a:pPr>
+            <a:r>
+              <a:rPr lang="en-US" sz="1400" b="0" dirty="0">
+                <a:solidFill>
+                  <a:srgbClr val="AF00DB"/>
+                </a:solidFill>
+                <a:effectLst/>
+                <a:latin typeface="Consolas" panose="020B0609020204030204" pitchFamily="49" charset="0"/>
+              </a:rPr>
+              <a:t>with</a:t>
+            </a:r>
+            <a:r>
+              <a:rPr lang="en-US" sz="1400" b="0" dirty="0">
+                <a:solidFill>
+                  <a:srgbClr val="3B3B3B"/>
+                </a:solidFill>
+                <a:effectLst/>
+                <a:latin typeface="Consolas" panose="020B0609020204030204" pitchFamily="49" charset="0"/>
+              </a:rPr>
+              <a:t> </a:t>
+            </a:r>
+            <a:r>
+              <a:rPr lang="en-US" sz="1400" b="0" dirty="0" err="1">
+                <a:solidFill>
+                  <a:srgbClr val="267F99"/>
+                </a:solidFill>
+                <a:effectLst/>
+                <a:latin typeface="Consolas" panose="020B0609020204030204" pitchFamily="49" charset="0"/>
+              </a:rPr>
+              <a:t>pm</a:t>
+            </a:r>
+            <a:r>
+              <a:rPr lang="en-US" sz="1400" b="0" dirty="0" err="1">
+                <a:solidFill>
+                  <a:srgbClr val="3B3B3B"/>
+                </a:solidFill>
+                <a:effectLst/>
+                <a:latin typeface="Consolas" panose="020B0609020204030204" pitchFamily="49" charset="0"/>
+              </a:rPr>
+              <a:t>.</a:t>
+            </a:r>
+            <a:r>
+              <a:rPr lang="en-US" sz="1400" b="0" dirty="0" err="1">
+                <a:solidFill>
+                  <a:srgbClr val="267F99"/>
+                </a:solidFill>
+                <a:effectLst/>
+                <a:latin typeface="Consolas" panose="020B0609020204030204" pitchFamily="49" charset="0"/>
+              </a:rPr>
+              <a:t>Model</a:t>
+            </a:r>
+            <a:r>
+              <a:rPr lang="en-US" sz="1400" b="0" dirty="0">
+                <a:solidFill>
+                  <a:srgbClr val="3B3B3B"/>
+                </a:solidFill>
+                <a:effectLst/>
+                <a:latin typeface="Consolas" panose="020B0609020204030204" pitchFamily="49" charset="0"/>
+              </a:rPr>
+              <a:t>(</a:t>
+            </a:r>
+            <a:r>
+              <a:rPr lang="en-US" sz="1400" b="0" dirty="0">
+                <a:solidFill>
+                  <a:srgbClr val="001080"/>
+                </a:solidFill>
+                <a:effectLst/>
+                <a:latin typeface="Consolas" panose="020B0609020204030204" pitchFamily="49" charset="0"/>
+              </a:rPr>
+              <a:t>coords</a:t>
+            </a:r>
+            <a:r>
+              <a:rPr lang="en-US" sz="1400" b="0" dirty="0">
+                <a:solidFill>
+                  <a:srgbClr val="000000"/>
+                </a:solidFill>
+                <a:effectLst/>
+                <a:latin typeface="Consolas" panose="020B0609020204030204" pitchFamily="49" charset="0"/>
+              </a:rPr>
+              <a:t>=</a:t>
+            </a:r>
+            <a:r>
+              <a:rPr lang="en-US" sz="1400" b="0" dirty="0">
+                <a:solidFill>
+                  <a:srgbClr val="001080"/>
+                </a:solidFill>
+                <a:effectLst/>
+                <a:latin typeface="Consolas" panose="020B0609020204030204" pitchFamily="49" charset="0"/>
+              </a:rPr>
+              <a:t>coords</a:t>
+            </a:r>
+            <a:r>
+              <a:rPr lang="en-US" sz="1400" b="0" dirty="0">
+                <a:solidFill>
+                  <a:srgbClr val="3B3B3B"/>
+                </a:solidFill>
+                <a:effectLst/>
+                <a:latin typeface="Consolas" panose="020B0609020204030204" pitchFamily="49" charset="0"/>
+              </a:rPr>
+              <a:t>) </a:t>
+            </a:r>
+            <a:r>
+              <a:rPr lang="en-US" sz="1400" b="0" dirty="0">
+                <a:solidFill>
+                  <a:srgbClr val="AF00DB"/>
+                </a:solidFill>
+                <a:effectLst/>
+                <a:latin typeface="Consolas" panose="020B0609020204030204" pitchFamily="49" charset="0"/>
+              </a:rPr>
+              <a:t>as</a:t>
+            </a:r>
+            <a:r>
+              <a:rPr lang="en-US" sz="1400" b="0" dirty="0">
+                <a:solidFill>
+                  <a:srgbClr val="3B3B3B"/>
+                </a:solidFill>
+                <a:effectLst/>
+                <a:latin typeface="Consolas" panose="020B0609020204030204" pitchFamily="49" charset="0"/>
+              </a:rPr>
+              <a:t> </a:t>
+            </a:r>
+            <a:r>
+              <a:rPr lang="en-US" sz="1400" b="0" dirty="0" err="1">
+                <a:solidFill>
+                  <a:srgbClr val="001080"/>
+                </a:solidFill>
+                <a:effectLst/>
+                <a:latin typeface="Consolas" panose="020B0609020204030204" pitchFamily="49" charset="0"/>
+              </a:rPr>
+              <a:t>cs_p</a:t>
+            </a:r>
+            <a:r>
+              <a:rPr lang="en-US" sz="1400" b="0" dirty="0">
+                <a:solidFill>
+                  <a:srgbClr val="3B3B3B"/>
+                </a:solidFill>
+                <a:effectLst/>
+                <a:latin typeface="Consolas" panose="020B0609020204030204" pitchFamily="49" charset="0"/>
+              </a:rPr>
+              <a:t>:         </a:t>
+            </a:r>
+          </a:p>
+          <a:p>
+            <a:pPr>
+              <a:buNone/>
+            </a:pPr>
+            <a:r>
+              <a:rPr lang="en-US" sz="1400" b="0" dirty="0">
+                <a:solidFill>
+                  <a:srgbClr val="3B3B3B"/>
+                </a:solidFill>
+                <a:effectLst/>
+                <a:latin typeface="Consolas" panose="020B0609020204030204" pitchFamily="49" charset="0"/>
+              </a:rPr>
+              <a:t>    </a:t>
+            </a:r>
+            <a:r>
+              <a:rPr lang="el-GR" sz="1400" b="0" dirty="0">
+                <a:solidFill>
+                  <a:srgbClr val="001080"/>
+                </a:solidFill>
+                <a:effectLst/>
+                <a:latin typeface="Consolas" panose="020B0609020204030204" pitchFamily="49" charset="0"/>
+              </a:rPr>
+              <a:t>μ</a:t>
+            </a:r>
+            <a:r>
+              <a:rPr lang="el-GR" sz="1400" b="0" dirty="0">
+                <a:solidFill>
+                  <a:srgbClr val="3B3B3B"/>
+                </a:solidFill>
+                <a:effectLst/>
+                <a:latin typeface="Consolas" panose="020B0609020204030204" pitchFamily="49" charset="0"/>
+              </a:rPr>
+              <a:t> </a:t>
+            </a:r>
+            <a:r>
+              <a:rPr lang="el-GR" sz="1400" b="0" dirty="0">
+                <a:solidFill>
+                  <a:srgbClr val="000000"/>
+                </a:solidFill>
+                <a:effectLst/>
+                <a:latin typeface="Consolas" panose="020B0609020204030204" pitchFamily="49" charset="0"/>
+              </a:rPr>
+              <a:t>=</a:t>
+            </a:r>
+            <a:r>
+              <a:rPr lang="el-GR" sz="1400" b="0" dirty="0">
+                <a:solidFill>
+                  <a:srgbClr val="3B3B3B"/>
+                </a:solidFill>
+                <a:effectLst/>
+                <a:latin typeface="Consolas" panose="020B0609020204030204" pitchFamily="49" charset="0"/>
+              </a:rPr>
+              <a:t> </a:t>
+            </a:r>
+            <a:r>
+              <a:rPr lang="en-US" sz="1400" b="0" dirty="0" err="1">
+                <a:solidFill>
+                  <a:srgbClr val="267F99"/>
+                </a:solidFill>
+                <a:effectLst/>
+                <a:latin typeface="Consolas" panose="020B0609020204030204" pitchFamily="49" charset="0"/>
+              </a:rPr>
+              <a:t>pm</a:t>
+            </a:r>
+            <a:r>
+              <a:rPr lang="en-US" sz="1400" b="0" dirty="0" err="1">
+                <a:solidFill>
+                  <a:srgbClr val="3B3B3B"/>
+                </a:solidFill>
+                <a:effectLst/>
+                <a:latin typeface="Consolas" panose="020B0609020204030204" pitchFamily="49" charset="0"/>
+              </a:rPr>
+              <a:t>.</a:t>
+            </a:r>
+            <a:r>
+              <a:rPr lang="en-US" sz="1400" b="0" dirty="0" err="1">
+                <a:solidFill>
+                  <a:srgbClr val="267F99"/>
+                </a:solidFill>
+                <a:effectLst/>
+                <a:latin typeface="Consolas" panose="020B0609020204030204" pitchFamily="49" charset="0"/>
+              </a:rPr>
+              <a:t>Normal</a:t>
+            </a:r>
+            <a:r>
+              <a:rPr lang="en-US" sz="1400" b="0" dirty="0">
+                <a:solidFill>
+                  <a:srgbClr val="3B3B3B"/>
+                </a:solidFill>
+                <a:effectLst/>
+                <a:latin typeface="Consolas" panose="020B0609020204030204" pitchFamily="49" charset="0"/>
+              </a:rPr>
+              <a:t>(</a:t>
+            </a:r>
+            <a:r>
+              <a:rPr lang="en-US" sz="1400" b="0" dirty="0">
+                <a:solidFill>
+                  <a:srgbClr val="A31515"/>
+                </a:solidFill>
+                <a:effectLst/>
+                <a:latin typeface="Consolas" panose="020B0609020204030204" pitchFamily="49" charset="0"/>
+              </a:rPr>
+              <a:t>'</a:t>
+            </a:r>
+            <a:r>
+              <a:rPr lang="el-GR" sz="1400" b="0" dirty="0">
+                <a:solidFill>
+                  <a:srgbClr val="A31515"/>
+                </a:solidFill>
+                <a:effectLst/>
+                <a:latin typeface="Consolas" panose="020B0609020204030204" pitchFamily="49" charset="0"/>
+              </a:rPr>
+              <a:t>μ'</a:t>
+            </a:r>
+            <a:r>
+              <a:rPr lang="el-GR" sz="1400" b="0" dirty="0">
+                <a:solidFill>
+                  <a:srgbClr val="3B3B3B"/>
+                </a:solidFill>
+                <a:effectLst/>
+                <a:latin typeface="Consolas" panose="020B0609020204030204" pitchFamily="49" charset="0"/>
+              </a:rPr>
+              <a:t>, </a:t>
+            </a:r>
+            <a:r>
+              <a:rPr lang="en-US" sz="1400" b="0" dirty="0">
+                <a:solidFill>
+                  <a:srgbClr val="001080"/>
+                </a:solidFill>
+                <a:effectLst/>
+                <a:latin typeface="Consolas" panose="020B0609020204030204" pitchFamily="49" charset="0"/>
+              </a:rPr>
+              <a:t>mu</a:t>
+            </a:r>
+            <a:r>
+              <a:rPr lang="en-US" sz="1400" b="0" dirty="0">
+                <a:solidFill>
+                  <a:srgbClr val="000000"/>
+                </a:solidFill>
+                <a:effectLst/>
+                <a:latin typeface="Consolas" panose="020B0609020204030204" pitchFamily="49" charset="0"/>
+              </a:rPr>
+              <a:t>=</a:t>
+            </a:r>
+            <a:r>
+              <a:rPr lang="el-GR" sz="1400" b="0" dirty="0">
+                <a:solidFill>
+                  <a:srgbClr val="001080"/>
+                </a:solidFill>
+                <a:effectLst/>
+                <a:latin typeface="Consolas" panose="020B0609020204030204" pitchFamily="49" charset="0"/>
+              </a:rPr>
+              <a:t>μ_μ</a:t>
+            </a:r>
+            <a:r>
+              <a:rPr lang="el-GR" sz="1400" b="0" dirty="0">
+                <a:solidFill>
+                  <a:srgbClr val="3B3B3B"/>
+                </a:solidFill>
+                <a:effectLst/>
+                <a:latin typeface="Consolas" panose="020B0609020204030204" pitchFamily="49" charset="0"/>
+              </a:rPr>
+              <a:t>, </a:t>
+            </a:r>
+            <a:r>
+              <a:rPr lang="en-US" sz="1400" b="0" dirty="0">
+                <a:solidFill>
+                  <a:srgbClr val="001080"/>
+                </a:solidFill>
+                <a:effectLst/>
+                <a:latin typeface="Consolas" panose="020B0609020204030204" pitchFamily="49" charset="0"/>
+              </a:rPr>
+              <a:t>sigma</a:t>
+            </a:r>
+            <a:r>
+              <a:rPr lang="en-US" sz="1400" b="0" dirty="0">
+                <a:solidFill>
+                  <a:srgbClr val="000000"/>
+                </a:solidFill>
+                <a:effectLst/>
+                <a:latin typeface="Consolas" panose="020B0609020204030204" pitchFamily="49" charset="0"/>
+              </a:rPr>
+              <a:t>=</a:t>
+            </a:r>
+            <a:r>
+              <a:rPr lang="el-GR" sz="1400" b="0" dirty="0">
+                <a:solidFill>
+                  <a:srgbClr val="001080"/>
+                </a:solidFill>
+                <a:effectLst/>
+                <a:latin typeface="Consolas" panose="020B0609020204030204" pitchFamily="49" charset="0"/>
+              </a:rPr>
+              <a:t>σ_μ</a:t>
+            </a:r>
+            <a:r>
+              <a:rPr lang="el-GR" sz="1400" b="0" dirty="0">
+                <a:solidFill>
+                  <a:srgbClr val="3B3B3B"/>
+                </a:solidFill>
+                <a:effectLst/>
+                <a:latin typeface="Consolas" panose="020B0609020204030204" pitchFamily="49" charset="0"/>
+              </a:rPr>
+              <a:t>) </a:t>
+            </a:r>
+          </a:p>
+          <a:p>
+            <a:pPr>
+              <a:buNone/>
+            </a:pPr>
+            <a:r>
+              <a:rPr lang="el-GR" sz="1400" b="0" dirty="0">
+                <a:solidFill>
+                  <a:srgbClr val="3B3B3B"/>
+                </a:solidFill>
+                <a:effectLst/>
+                <a:latin typeface="Consolas" panose="020B0609020204030204" pitchFamily="49" charset="0"/>
+              </a:rPr>
+              <a:t>    </a:t>
+            </a:r>
+            <a:r>
+              <a:rPr lang="el-GR" sz="1400" b="0" dirty="0">
+                <a:solidFill>
+                  <a:srgbClr val="001080"/>
+                </a:solidFill>
+                <a:effectLst/>
+                <a:latin typeface="Consolas" panose="020B0609020204030204" pitchFamily="49" charset="0"/>
+              </a:rPr>
+              <a:t>σ</a:t>
+            </a:r>
+            <a:r>
+              <a:rPr lang="el-GR" sz="1400" b="0" dirty="0">
+                <a:solidFill>
+                  <a:srgbClr val="3B3B3B"/>
+                </a:solidFill>
+                <a:effectLst/>
+                <a:latin typeface="Consolas" panose="020B0609020204030204" pitchFamily="49" charset="0"/>
+              </a:rPr>
+              <a:t> </a:t>
+            </a:r>
+            <a:r>
+              <a:rPr lang="el-GR" sz="1400" b="0" dirty="0">
+                <a:solidFill>
+                  <a:srgbClr val="000000"/>
+                </a:solidFill>
+                <a:effectLst/>
+                <a:latin typeface="Consolas" panose="020B0609020204030204" pitchFamily="49" charset="0"/>
+              </a:rPr>
+              <a:t>=</a:t>
+            </a:r>
+            <a:r>
+              <a:rPr lang="el-GR" sz="1400" b="0" dirty="0">
+                <a:solidFill>
+                  <a:srgbClr val="3B3B3B"/>
+                </a:solidFill>
+                <a:effectLst/>
+                <a:latin typeface="Consolas" panose="020B0609020204030204" pitchFamily="49" charset="0"/>
+              </a:rPr>
+              <a:t> </a:t>
+            </a:r>
+            <a:r>
+              <a:rPr lang="en-US" sz="1400" b="0" dirty="0" err="1">
+                <a:solidFill>
+                  <a:srgbClr val="267F99"/>
+                </a:solidFill>
+                <a:effectLst/>
+                <a:latin typeface="Consolas" panose="020B0609020204030204" pitchFamily="49" charset="0"/>
+              </a:rPr>
+              <a:t>pm</a:t>
+            </a:r>
+            <a:r>
+              <a:rPr lang="en-US" sz="1400" b="0" dirty="0" err="1">
+                <a:solidFill>
+                  <a:srgbClr val="3B3B3B"/>
+                </a:solidFill>
+                <a:effectLst/>
+                <a:latin typeface="Consolas" panose="020B0609020204030204" pitchFamily="49" charset="0"/>
+              </a:rPr>
+              <a:t>.</a:t>
+            </a:r>
+            <a:r>
+              <a:rPr lang="en-US" sz="1400" b="0" dirty="0" err="1">
+                <a:solidFill>
+                  <a:srgbClr val="267F99"/>
+                </a:solidFill>
+                <a:effectLst/>
+                <a:latin typeface="Consolas" panose="020B0609020204030204" pitchFamily="49" charset="0"/>
+              </a:rPr>
+              <a:t>HalfNormal</a:t>
+            </a:r>
+            <a:r>
+              <a:rPr lang="en-US" sz="1400" b="0" dirty="0">
+                <a:solidFill>
+                  <a:srgbClr val="3B3B3B"/>
+                </a:solidFill>
+                <a:effectLst/>
+                <a:latin typeface="Consolas" panose="020B0609020204030204" pitchFamily="49" charset="0"/>
+              </a:rPr>
+              <a:t>(</a:t>
+            </a:r>
+            <a:r>
+              <a:rPr lang="en-US" sz="1400" b="0" dirty="0">
+                <a:solidFill>
+                  <a:srgbClr val="A31515"/>
+                </a:solidFill>
+                <a:effectLst/>
+                <a:latin typeface="Consolas" panose="020B0609020204030204" pitchFamily="49" charset="0"/>
+              </a:rPr>
+              <a:t>'</a:t>
+            </a:r>
+            <a:r>
+              <a:rPr lang="el-GR" sz="1400" b="0" dirty="0">
+                <a:solidFill>
+                  <a:srgbClr val="A31515"/>
+                </a:solidFill>
+                <a:effectLst/>
+                <a:latin typeface="Consolas" panose="020B0609020204030204" pitchFamily="49" charset="0"/>
+              </a:rPr>
+              <a:t>σ'</a:t>
+            </a:r>
+            <a:r>
+              <a:rPr lang="el-GR" sz="1400" b="0" dirty="0">
+                <a:solidFill>
+                  <a:srgbClr val="3B3B3B"/>
+                </a:solidFill>
+                <a:effectLst/>
+                <a:latin typeface="Consolas" panose="020B0609020204030204" pitchFamily="49" charset="0"/>
+              </a:rPr>
+              <a:t>, </a:t>
+            </a:r>
+            <a:r>
+              <a:rPr lang="en-US" sz="1400" b="0" dirty="0">
+                <a:solidFill>
+                  <a:srgbClr val="001080"/>
+                </a:solidFill>
+                <a:effectLst/>
+                <a:latin typeface="Consolas" panose="020B0609020204030204" pitchFamily="49" charset="0"/>
+              </a:rPr>
+              <a:t>sigma</a:t>
+            </a:r>
+            <a:r>
+              <a:rPr lang="en-US" sz="1400" b="0" dirty="0">
+                <a:solidFill>
+                  <a:srgbClr val="000000"/>
+                </a:solidFill>
+                <a:effectLst/>
+                <a:latin typeface="Consolas" panose="020B0609020204030204" pitchFamily="49" charset="0"/>
+              </a:rPr>
+              <a:t>=</a:t>
+            </a:r>
+            <a:r>
+              <a:rPr lang="el-GR" sz="1400" b="0" dirty="0">
+                <a:solidFill>
+                  <a:srgbClr val="001080"/>
+                </a:solidFill>
+                <a:effectLst/>
+                <a:latin typeface="Consolas" panose="020B0609020204030204" pitchFamily="49" charset="0"/>
+              </a:rPr>
+              <a:t>σ_σ</a:t>
+            </a:r>
+            <a:r>
+              <a:rPr lang="el-GR" sz="1400" b="0" dirty="0">
+                <a:solidFill>
+                  <a:srgbClr val="3B3B3B"/>
+                </a:solidFill>
+                <a:effectLst/>
+                <a:latin typeface="Consolas" panose="020B0609020204030204" pitchFamily="49" charset="0"/>
+              </a:rPr>
+              <a:t>) </a:t>
+            </a:r>
+          </a:p>
+          <a:p>
+            <a:pPr>
+              <a:buNone/>
+            </a:pPr>
+            <a:r>
+              <a:rPr lang="el-GR" sz="1400" b="0" dirty="0">
+                <a:solidFill>
+                  <a:srgbClr val="3B3B3B"/>
+                </a:solidFill>
+                <a:effectLst/>
+                <a:latin typeface="Consolas" panose="020B0609020204030204" pitchFamily="49" charset="0"/>
+              </a:rPr>
+              <a:t> </a:t>
+            </a:r>
+          </a:p>
+          <a:p>
+            <a:r>
+              <a:rPr lang="el-GR" sz="1400" b="0" dirty="0">
+                <a:solidFill>
+                  <a:srgbClr val="3B3B3B"/>
+                </a:solidFill>
+                <a:effectLst/>
+                <a:latin typeface="Consolas" panose="020B0609020204030204" pitchFamily="49" charset="0"/>
+              </a:rPr>
+              <a:t>    </a:t>
+            </a:r>
+            <a:r>
+              <a:rPr lang="en-US" sz="1400" b="0" dirty="0">
+                <a:solidFill>
+                  <a:srgbClr val="001080"/>
+                </a:solidFill>
+                <a:effectLst/>
+                <a:latin typeface="Consolas" panose="020B0609020204030204" pitchFamily="49" charset="0"/>
+              </a:rPr>
+              <a:t>y</a:t>
+            </a:r>
+            <a:r>
+              <a:rPr lang="en-US" sz="1400" b="0" dirty="0">
+                <a:solidFill>
+                  <a:srgbClr val="3B3B3B"/>
+                </a:solidFill>
+                <a:effectLst/>
+                <a:latin typeface="Consolas" panose="020B0609020204030204" pitchFamily="49" charset="0"/>
+              </a:rPr>
+              <a:t> </a:t>
+            </a:r>
+            <a:r>
+              <a:rPr lang="en-US" sz="1400" b="0" dirty="0">
+                <a:solidFill>
+                  <a:srgbClr val="000000"/>
+                </a:solidFill>
+                <a:effectLst/>
+                <a:latin typeface="Consolas" panose="020B0609020204030204" pitchFamily="49" charset="0"/>
+              </a:rPr>
+              <a:t>=</a:t>
+            </a:r>
+            <a:r>
+              <a:rPr lang="en-US" sz="1400" b="0" dirty="0">
+                <a:solidFill>
+                  <a:srgbClr val="3B3B3B"/>
+                </a:solidFill>
+                <a:effectLst/>
+                <a:latin typeface="Consolas" panose="020B0609020204030204" pitchFamily="49" charset="0"/>
+              </a:rPr>
+              <a:t> </a:t>
+            </a:r>
+            <a:r>
+              <a:rPr lang="en-US" sz="1400" b="0" dirty="0" err="1">
+                <a:solidFill>
+                  <a:srgbClr val="267F99"/>
+                </a:solidFill>
+                <a:effectLst/>
+                <a:latin typeface="Consolas" panose="020B0609020204030204" pitchFamily="49" charset="0"/>
+              </a:rPr>
+              <a:t>pm</a:t>
+            </a:r>
+            <a:r>
+              <a:rPr lang="en-US" sz="1400" b="0" dirty="0" err="1">
+                <a:solidFill>
+                  <a:srgbClr val="3B3B3B"/>
+                </a:solidFill>
+                <a:effectLst/>
+                <a:latin typeface="Consolas" panose="020B0609020204030204" pitchFamily="49" charset="0"/>
+              </a:rPr>
+              <a:t>.</a:t>
+            </a:r>
+            <a:r>
+              <a:rPr lang="en-US" sz="1400" b="0" dirty="0" err="1">
+                <a:solidFill>
+                  <a:srgbClr val="267F99"/>
+                </a:solidFill>
+                <a:effectLst/>
+                <a:latin typeface="Consolas" panose="020B0609020204030204" pitchFamily="49" charset="0"/>
+              </a:rPr>
+              <a:t>Normal</a:t>
+            </a:r>
+            <a:r>
+              <a:rPr lang="en-US" sz="1400" b="0" dirty="0">
+                <a:solidFill>
+                  <a:srgbClr val="3B3B3B"/>
+                </a:solidFill>
+                <a:effectLst/>
+                <a:latin typeface="Consolas" panose="020B0609020204030204" pitchFamily="49" charset="0"/>
+              </a:rPr>
+              <a:t>(</a:t>
+            </a:r>
+            <a:r>
+              <a:rPr lang="en-US" sz="1400" b="0" dirty="0">
+                <a:solidFill>
+                  <a:srgbClr val="A31515"/>
+                </a:solidFill>
+                <a:effectLst/>
+                <a:latin typeface="Consolas" panose="020B0609020204030204" pitchFamily="49" charset="0"/>
+              </a:rPr>
+              <a:t>'y'</a:t>
+            </a:r>
+            <a:r>
+              <a:rPr lang="en-US" sz="1400" b="0" dirty="0">
+                <a:solidFill>
+                  <a:srgbClr val="3B3B3B"/>
+                </a:solidFill>
+                <a:effectLst/>
+                <a:latin typeface="Consolas" panose="020B0609020204030204" pitchFamily="49" charset="0"/>
+              </a:rPr>
+              <a:t>, </a:t>
+            </a:r>
+            <a:r>
+              <a:rPr lang="en-US" sz="1400" b="0" dirty="0">
+                <a:solidFill>
+                  <a:srgbClr val="001080"/>
+                </a:solidFill>
+                <a:effectLst/>
+                <a:latin typeface="Consolas" panose="020B0609020204030204" pitchFamily="49" charset="0"/>
+              </a:rPr>
+              <a:t>mu</a:t>
+            </a:r>
+            <a:r>
+              <a:rPr lang="en-US" sz="1400" b="0" dirty="0">
+                <a:solidFill>
+                  <a:srgbClr val="000000"/>
+                </a:solidFill>
+                <a:effectLst/>
+                <a:latin typeface="Consolas" panose="020B0609020204030204" pitchFamily="49" charset="0"/>
+              </a:rPr>
+              <a:t>=</a:t>
+            </a:r>
+            <a:r>
+              <a:rPr lang="el-GR" sz="1400" b="0" dirty="0">
+                <a:solidFill>
+                  <a:srgbClr val="001080"/>
+                </a:solidFill>
+                <a:effectLst/>
+                <a:latin typeface="Consolas" panose="020B0609020204030204" pitchFamily="49" charset="0"/>
+              </a:rPr>
+              <a:t>μ</a:t>
+            </a:r>
+            <a:r>
+              <a:rPr lang="el-GR" sz="1400" b="0" dirty="0">
+                <a:solidFill>
+                  <a:srgbClr val="3B3B3B"/>
+                </a:solidFill>
+                <a:effectLst/>
+                <a:latin typeface="Consolas" panose="020B0609020204030204" pitchFamily="49" charset="0"/>
+              </a:rPr>
+              <a:t>, </a:t>
+            </a:r>
+            <a:r>
+              <a:rPr lang="en-US" sz="1400" b="0" dirty="0">
+                <a:solidFill>
+                  <a:srgbClr val="001080"/>
+                </a:solidFill>
+                <a:effectLst/>
+                <a:latin typeface="Consolas" panose="020B0609020204030204" pitchFamily="49" charset="0"/>
+              </a:rPr>
+              <a:t>sigma</a:t>
+            </a:r>
+            <a:r>
+              <a:rPr lang="en-US" sz="1400" b="0" dirty="0">
+                <a:solidFill>
+                  <a:srgbClr val="000000"/>
+                </a:solidFill>
+                <a:effectLst/>
+                <a:latin typeface="Consolas" panose="020B0609020204030204" pitchFamily="49" charset="0"/>
+              </a:rPr>
+              <a:t>=</a:t>
+            </a:r>
+            <a:r>
+              <a:rPr lang="el-GR" sz="1400" b="0" dirty="0">
+                <a:solidFill>
+                  <a:srgbClr val="001080"/>
+                </a:solidFill>
+                <a:effectLst/>
+                <a:latin typeface="Consolas" panose="020B0609020204030204" pitchFamily="49" charset="0"/>
+              </a:rPr>
+              <a:t>σ</a:t>
+            </a:r>
+            <a:r>
+              <a:rPr lang="el-GR" sz="1400" b="0" dirty="0">
+                <a:solidFill>
+                  <a:srgbClr val="3B3B3B"/>
+                </a:solidFill>
+                <a:effectLst/>
+                <a:latin typeface="Consolas" panose="020B0609020204030204" pitchFamily="49" charset="0"/>
+              </a:rPr>
+              <a:t>, </a:t>
+            </a:r>
+            <a:r>
+              <a:rPr lang="en-US" sz="1400" b="0" dirty="0">
+                <a:solidFill>
+                  <a:srgbClr val="001080"/>
+                </a:solidFill>
+                <a:effectLst/>
+                <a:latin typeface="Consolas" panose="020B0609020204030204" pitchFamily="49" charset="0"/>
+              </a:rPr>
+              <a:t>observed</a:t>
+            </a:r>
+            <a:r>
+              <a:rPr lang="en-US" sz="1400" b="0" dirty="0">
+                <a:solidFill>
+                  <a:srgbClr val="000000"/>
+                </a:solidFill>
+                <a:effectLst/>
+                <a:latin typeface="Consolas" panose="020B0609020204030204" pitchFamily="49" charset="0"/>
+              </a:rPr>
+              <a:t>=</a:t>
+            </a:r>
+            <a:r>
+              <a:rPr lang="en-US" sz="1400" b="0" dirty="0">
+                <a:solidFill>
+                  <a:srgbClr val="001080"/>
+                </a:solidFill>
+                <a:effectLst/>
+                <a:latin typeface="Consolas" panose="020B0609020204030204" pitchFamily="49" charset="0"/>
+              </a:rPr>
+              <a:t>diff</a:t>
+            </a:r>
+            <a:r>
+              <a:rPr lang="en-US" sz="1400" b="0" dirty="0">
+                <a:solidFill>
+                  <a:srgbClr val="3B3B3B"/>
+                </a:solidFill>
+                <a:effectLst/>
+                <a:latin typeface="Consolas" panose="020B0609020204030204" pitchFamily="49" charset="0"/>
+              </a:rPr>
+              <a:t>)</a:t>
+            </a:r>
+          </a:p>
+        </p:txBody>
+      </p:sp>
+      <p:sp>
+        <p:nvSpPr>
+          <p:cNvPr id="5" name="TextBox 4">
+            <a:extLst>
+              <a:ext uri="{FF2B5EF4-FFF2-40B4-BE49-F238E27FC236}">
+                <a16:creationId xmlns:a16="http://schemas.microsoft.com/office/drawing/2014/main" id="{5D2906B7-E30F-8B6A-4C0B-61578827928C}"/>
+              </a:ext>
+            </a:extLst>
+          </p:cNvPr>
+          <p:cNvSpPr txBox="1"/>
+          <p:nvPr/>
+        </p:nvSpPr>
+        <p:spPr>
+          <a:xfrm>
+            <a:off x="5837075" y="1767763"/>
+            <a:ext cx="7336194" cy="1169551"/>
+          </a:xfrm>
+          <a:prstGeom prst="rect">
+            <a:avLst/>
+          </a:prstGeom>
+          <a:noFill/>
+          <a:ln w="28575">
+            <a:noFill/>
+          </a:ln>
+        </p:spPr>
+        <p:txBody>
+          <a:bodyPr wrap="square">
+            <a:spAutoFit/>
+          </a:bodyPr>
+          <a:lstStyle/>
+          <a:p>
+            <a:pPr>
+              <a:buNone/>
+            </a:pPr>
+            <a:r>
+              <a:rPr lang="en-US" sz="1400" b="0" dirty="0">
+                <a:solidFill>
+                  <a:srgbClr val="AF00DB"/>
+                </a:solidFill>
+                <a:effectLst/>
+                <a:latin typeface="Consolas" panose="020B0609020204030204" pitchFamily="49" charset="0"/>
+              </a:rPr>
+              <a:t>with</a:t>
+            </a:r>
+            <a:r>
+              <a:rPr lang="en-US" sz="1400" b="0" dirty="0">
+                <a:solidFill>
+                  <a:srgbClr val="3B3B3B"/>
+                </a:solidFill>
+                <a:effectLst/>
+                <a:latin typeface="Consolas" panose="020B0609020204030204" pitchFamily="49" charset="0"/>
+              </a:rPr>
+              <a:t> </a:t>
+            </a:r>
+            <a:r>
+              <a:rPr lang="en-US" sz="1400" b="0" dirty="0" err="1">
+                <a:solidFill>
+                  <a:srgbClr val="267F99"/>
+                </a:solidFill>
+                <a:effectLst/>
+                <a:latin typeface="Consolas" panose="020B0609020204030204" pitchFamily="49" charset="0"/>
+              </a:rPr>
+              <a:t>pm</a:t>
+            </a:r>
+            <a:r>
+              <a:rPr lang="en-US" sz="1400" b="0" dirty="0" err="1">
+                <a:solidFill>
+                  <a:srgbClr val="3B3B3B"/>
+                </a:solidFill>
+                <a:effectLst/>
+                <a:latin typeface="Consolas" panose="020B0609020204030204" pitchFamily="49" charset="0"/>
+              </a:rPr>
+              <a:t>.</a:t>
+            </a:r>
+            <a:r>
+              <a:rPr lang="en-US" sz="1400" b="0" dirty="0" err="1">
+                <a:solidFill>
+                  <a:srgbClr val="267F99"/>
+                </a:solidFill>
+                <a:effectLst/>
+                <a:latin typeface="Consolas" panose="020B0609020204030204" pitchFamily="49" charset="0"/>
+              </a:rPr>
+              <a:t>Model</a:t>
+            </a:r>
+            <a:r>
+              <a:rPr lang="en-US" sz="1400" b="0" dirty="0">
+                <a:solidFill>
+                  <a:srgbClr val="3B3B3B"/>
+                </a:solidFill>
+                <a:effectLst/>
+                <a:latin typeface="Consolas" panose="020B0609020204030204" pitchFamily="49" charset="0"/>
+              </a:rPr>
+              <a:t>(</a:t>
+            </a:r>
+            <a:r>
+              <a:rPr lang="en-US" sz="1400" b="0" dirty="0">
+                <a:solidFill>
+                  <a:srgbClr val="001080"/>
+                </a:solidFill>
+                <a:effectLst/>
+                <a:latin typeface="Consolas" panose="020B0609020204030204" pitchFamily="49" charset="0"/>
+              </a:rPr>
+              <a:t>coords</a:t>
+            </a:r>
+            <a:r>
+              <a:rPr lang="en-US" sz="1400" b="0" dirty="0">
+                <a:solidFill>
+                  <a:srgbClr val="000000"/>
+                </a:solidFill>
+                <a:effectLst/>
+                <a:latin typeface="Consolas" panose="020B0609020204030204" pitchFamily="49" charset="0"/>
+              </a:rPr>
+              <a:t>=</a:t>
+            </a:r>
+            <a:r>
+              <a:rPr lang="en-US" sz="1400" b="0" dirty="0">
+                <a:solidFill>
+                  <a:srgbClr val="001080"/>
+                </a:solidFill>
+                <a:effectLst/>
+                <a:latin typeface="Consolas" panose="020B0609020204030204" pitchFamily="49" charset="0"/>
+              </a:rPr>
+              <a:t>coords</a:t>
+            </a:r>
+            <a:r>
+              <a:rPr lang="en-US" sz="1400" b="0" dirty="0">
+                <a:solidFill>
+                  <a:srgbClr val="3B3B3B"/>
+                </a:solidFill>
+                <a:effectLst/>
+                <a:latin typeface="Consolas" panose="020B0609020204030204" pitchFamily="49" charset="0"/>
+              </a:rPr>
+              <a:t>) </a:t>
+            </a:r>
+            <a:r>
+              <a:rPr lang="en-US" sz="1400" b="0" dirty="0">
+                <a:solidFill>
+                  <a:srgbClr val="AF00DB"/>
+                </a:solidFill>
+                <a:effectLst/>
+                <a:latin typeface="Consolas" panose="020B0609020204030204" pitchFamily="49" charset="0"/>
+              </a:rPr>
+              <a:t>as</a:t>
+            </a:r>
+            <a:r>
+              <a:rPr lang="en-US" sz="1400" b="0" dirty="0">
+                <a:solidFill>
+                  <a:srgbClr val="3B3B3B"/>
+                </a:solidFill>
+                <a:effectLst/>
+                <a:latin typeface="Consolas" panose="020B0609020204030204" pitchFamily="49" charset="0"/>
+              </a:rPr>
+              <a:t> </a:t>
+            </a:r>
+            <a:r>
+              <a:rPr lang="en-US" sz="1400" b="0" dirty="0" err="1">
+                <a:solidFill>
+                  <a:srgbClr val="001080"/>
+                </a:solidFill>
+                <a:effectLst/>
+                <a:latin typeface="Consolas" panose="020B0609020204030204" pitchFamily="49" charset="0"/>
+              </a:rPr>
+              <a:t>cs_nh</a:t>
+            </a:r>
+            <a:r>
+              <a:rPr lang="en-US" sz="1400" b="0" dirty="0">
+                <a:solidFill>
+                  <a:srgbClr val="3B3B3B"/>
+                </a:solidFill>
+                <a:effectLst/>
+                <a:latin typeface="Consolas" panose="020B0609020204030204" pitchFamily="49" charset="0"/>
+              </a:rPr>
+              <a:t>:         </a:t>
+            </a:r>
+          </a:p>
+          <a:p>
+            <a:pPr>
+              <a:buNone/>
+            </a:pPr>
+            <a:r>
+              <a:rPr lang="en-US" sz="1400" b="0" dirty="0">
+                <a:solidFill>
+                  <a:srgbClr val="3B3B3B"/>
+                </a:solidFill>
+                <a:effectLst/>
+                <a:latin typeface="Consolas" panose="020B0609020204030204" pitchFamily="49" charset="0"/>
+              </a:rPr>
+              <a:t>    </a:t>
+            </a:r>
+            <a:r>
+              <a:rPr lang="el-GR" sz="1400" b="0" dirty="0">
+                <a:solidFill>
+                  <a:srgbClr val="001080"/>
+                </a:solidFill>
+                <a:effectLst/>
+                <a:latin typeface="Consolas" panose="020B0609020204030204" pitchFamily="49" charset="0"/>
+              </a:rPr>
+              <a:t>μ</a:t>
+            </a:r>
+            <a:r>
+              <a:rPr lang="el-GR" sz="1400" b="0" dirty="0">
+                <a:solidFill>
+                  <a:srgbClr val="3B3B3B"/>
+                </a:solidFill>
+                <a:effectLst/>
+                <a:latin typeface="Consolas" panose="020B0609020204030204" pitchFamily="49" charset="0"/>
+              </a:rPr>
+              <a:t> </a:t>
+            </a:r>
+            <a:r>
+              <a:rPr lang="el-GR" sz="1400" b="0" dirty="0">
+                <a:solidFill>
+                  <a:srgbClr val="000000"/>
+                </a:solidFill>
+                <a:effectLst/>
+                <a:latin typeface="Consolas" panose="020B0609020204030204" pitchFamily="49" charset="0"/>
+              </a:rPr>
+              <a:t>=</a:t>
+            </a:r>
+            <a:r>
+              <a:rPr lang="el-GR" sz="1400" b="0" dirty="0">
+                <a:solidFill>
+                  <a:srgbClr val="3B3B3B"/>
+                </a:solidFill>
+                <a:effectLst/>
+                <a:latin typeface="Consolas" panose="020B0609020204030204" pitchFamily="49" charset="0"/>
+              </a:rPr>
+              <a:t> </a:t>
+            </a:r>
+            <a:r>
+              <a:rPr lang="en-US" sz="1400" b="0" dirty="0" err="1">
+                <a:solidFill>
+                  <a:srgbClr val="267F99"/>
+                </a:solidFill>
+                <a:effectLst/>
+                <a:latin typeface="Consolas" panose="020B0609020204030204" pitchFamily="49" charset="0"/>
+              </a:rPr>
+              <a:t>pm</a:t>
+            </a:r>
+            <a:r>
+              <a:rPr lang="en-US" sz="1400" b="0" dirty="0" err="1">
+                <a:solidFill>
+                  <a:srgbClr val="3B3B3B"/>
+                </a:solidFill>
+                <a:effectLst/>
+                <a:latin typeface="Consolas" panose="020B0609020204030204" pitchFamily="49" charset="0"/>
+              </a:rPr>
+              <a:t>.</a:t>
+            </a:r>
+            <a:r>
+              <a:rPr lang="en-US" sz="1400" b="0" dirty="0" err="1">
+                <a:solidFill>
+                  <a:srgbClr val="267F99"/>
+                </a:solidFill>
+                <a:effectLst/>
+                <a:latin typeface="Consolas" panose="020B0609020204030204" pitchFamily="49" charset="0"/>
+              </a:rPr>
+              <a:t>Normal</a:t>
+            </a:r>
+            <a:r>
+              <a:rPr lang="en-US" sz="1400" b="0" dirty="0">
+                <a:solidFill>
+                  <a:srgbClr val="3B3B3B"/>
+                </a:solidFill>
+                <a:effectLst/>
+                <a:latin typeface="Consolas" panose="020B0609020204030204" pitchFamily="49" charset="0"/>
+              </a:rPr>
+              <a:t>(</a:t>
+            </a:r>
+            <a:r>
+              <a:rPr lang="en-US" sz="1400" b="0" dirty="0">
+                <a:solidFill>
+                  <a:srgbClr val="A31515"/>
+                </a:solidFill>
+                <a:effectLst/>
+                <a:latin typeface="Consolas" panose="020B0609020204030204" pitchFamily="49" charset="0"/>
+              </a:rPr>
+              <a:t>'</a:t>
+            </a:r>
+            <a:r>
+              <a:rPr lang="el-GR" sz="1400" b="0" dirty="0">
+                <a:solidFill>
+                  <a:srgbClr val="A31515"/>
+                </a:solidFill>
+                <a:effectLst/>
+                <a:latin typeface="Consolas" panose="020B0609020204030204" pitchFamily="49" charset="0"/>
+              </a:rPr>
+              <a:t>μ'</a:t>
+            </a:r>
+            <a:r>
+              <a:rPr lang="el-GR" sz="1400" b="0" dirty="0">
+                <a:solidFill>
+                  <a:srgbClr val="3B3B3B"/>
+                </a:solidFill>
+                <a:effectLst/>
+                <a:latin typeface="Consolas" panose="020B0609020204030204" pitchFamily="49" charset="0"/>
+              </a:rPr>
+              <a:t>, </a:t>
+            </a:r>
+            <a:r>
+              <a:rPr lang="en-US" sz="1400" b="0" dirty="0">
+                <a:solidFill>
+                  <a:srgbClr val="001080"/>
+                </a:solidFill>
+                <a:effectLst/>
+                <a:latin typeface="Consolas" panose="020B0609020204030204" pitchFamily="49" charset="0"/>
+              </a:rPr>
+              <a:t>mu</a:t>
+            </a:r>
+            <a:r>
+              <a:rPr lang="en-US" sz="1400" b="0" dirty="0">
+                <a:solidFill>
+                  <a:srgbClr val="000000"/>
+                </a:solidFill>
+                <a:effectLst/>
+                <a:latin typeface="Consolas" panose="020B0609020204030204" pitchFamily="49" charset="0"/>
+              </a:rPr>
+              <a:t>=</a:t>
+            </a:r>
+            <a:r>
+              <a:rPr lang="el-GR" sz="1400" b="0" dirty="0">
+                <a:solidFill>
+                  <a:srgbClr val="001080"/>
+                </a:solidFill>
+                <a:effectLst/>
+                <a:latin typeface="Consolas" panose="020B0609020204030204" pitchFamily="49" charset="0"/>
+              </a:rPr>
+              <a:t>μ_μ</a:t>
+            </a:r>
+            <a:r>
+              <a:rPr lang="el-GR" sz="1400" b="0" dirty="0">
+                <a:solidFill>
+                  <a:srgbClr val="3B3B3B"/>
+                </a:solidFill>
+                <a:effectLst/>
+                <a:latin typeface="Consolas" panose="020B0609020204030204" pitchFamily="49" charset="0"/>
+              </a:rPr>
+              <a:t>, </a:t>
+            </a:r>
+            <a:r>
+              <a:rPr lang="en-US" sz="1400" b="0" dirty="0">
+                <a:solidFill>
+                  <a:srgbClr val="001080"/>
+                </a:solidFill>
+                <a:effectLst/>
+                <a:latin typeface="Consolas" panose="020B0609020204030204" pitchFamily="49" charset="0"/>
+              </a:rPr>
+              <a:t>sigma</a:t>
+            </a:r>
+            <a:r>
+              <a:rPr lang="en-US" sz="1400" b="0" dirty="0">
+                <a:solidFill>
+                  <a:srgbClr val="000000"/>
+                </a:solidFill>
+                <a:effectLst/>
+                <a:latin typeface="Consolas" panose="020B0609020204030204" pitchFamily="49" charset="0"/>
+              </a:rPr>
+              <a:t>=</a:t>
+            </a:r>
+            <a:r>
+              <a:rPr lang="el-GR" sz="1400" b="0" dirty="0">
+                <a:solidFill>
+                  <a:srgbClr val="001080"/>
+                </a:solidFill>
+                <a:effectLst/>
+                <a:latin typeface="Consolas" panose="020B0609020204030204" pitchFamily="49" charset="0"/>
+              </a:rPr>
+              <a:t>σ_μ</a:t>
+            </a:r>
+            <a:r>
+              <a:rPr lang="el-GR" sz="1400" b="0" dirty="0">
+                <a:solidFill>
+                  <a:srgbClr val="3B3B3B"/>
+                </a:solidFill>
+                <a:effectLst/>
+                <a:latin typeface="Consolas" panose="020B0609020204030204" pitchFamily="49" charset="0"/>
+              </a:rPr>
+              <a:t>, </a:t>
+            </a:r>
+            <a:r>
+              <a:rPr lang="en-US" sz="1400" b="0" dirty="0">
+                <a:solidFill>
+                  <a:srgbClr val="001080"/>
+                </a:solidFill>
+                <a:effectLst/>
+                <a:latin typeface="Consolas" panose="020B0609020204030204" pitchFamily="49" charset="0"/>
+              </a:rPr>
+              <a:t>dims</a:t>
+            </a:r>
+            <a:r>
+              <a:rPr lang="en-US" sz="1400" b="0" dirty="0">
+                <a:solidFill>
+                  <a:srgbClr val="000000"/>
+                </a:solidFill>
+                <a:effectLst/>
+                <a:latin typeface="Consolas" panose="020B0609020204030204" pitchFamily="49" charset="0"/>
+              </a:rPr>
+              <a:t>=</a:t>
+            </a:r>
+            <a:r>
+              <a:rPr lang="en-US" sz="1400" b="0" dirty="0">
+                <a:solidFill>
+                  <a:srgbClr val="A31515"/>
+                </a:solidFill>
+                <a:effectLst/>
+                <a:latin typeface="Consolas" panose="020B0609020204030204" pitchFamily="49" charset="0"/>
+              </a:rPr>
+              <a:t>"aa"</a:t>
+            </a:r>
+            <a:r>
+              <a:rPr lang="en-US" sz="1400" b="0" dirty="0">
+                <a:solidFill>
+                  <a:srgbClr val="3B3B3B"/>
+                </a:solidFill>
+                <a:effectLst/>
+                <a:latin typeface="Consolas" panose="020B0609020204030204" pitchFamily="49" charset="0"/>
+              </a:rPr>
+              <a:t>) </a:t>
+            </a:r>
+          </a:p>
+          <a:p>
+            <a:pPr>
+              <a:buNone/>
+            </a:pPr>
+            <a:r>
+              <a:rPr lang="en-US" sz="1400" b="0" dirty="0">
+                <a:solidFill>
+                  <a:srgbClr val="3B3B3B"/>
+                </a:solidFill>
+                <a:effectLst/>
+                <a:latin typeface="Consolas" panose="020B0609020204030204" pitchFamily="49" charset="0"/>
+              </a:rPr>
+              <a:t>    </a:t>
+            </a:r>
+            <a:r>
+              <a:rPr lang="el-GR" sz="1400" b="0" dirty="0">
+                <a:solidFill>
+                  <a:srgbClr val="001080"/>
+                </a:solidFill>
+                <a:effectLst/>
+                <a:latin typeface="Consolas" panose="020B0609020204030204" pitchFamily="49" charset="0"/>
+              </a:rPr>
+              <a:t>σ</a:t>
+            </a:r>
+            <a:r>
+              <a:rPr lang="el-GR" sz="1400" b="0" dirty="0">
+                <a:solidFill>
+                  <a:srgbClr val="3B3B3B"/>
+                </a:solidFill>
+                <a:effectLst/>
+                <a:latin typeface="Consolas" panose="020B0609020204030204" pitchFamily="49" charset="0"/>
+              </a:rPr>
+              <a:t> </a:t>
+            </a:r>
+            <a:r>
+              <a:rPr lang="el-GR" sz="1400" b="0" dirty="0">
+                <a:solidFill>
+                  <a:srgbClr val="000000"/>
+                </a:solidFill>
+                <a:effectLst/>
+                <a:latin typeface="Consolas" panose="020B0609020204030204" pitchFamily="49" charset="0"/>
+              </a:rPr>
+              <a:t>=</a:t>
+            </a:r>
+            <a:r>
+              <a:rPr lang="el-GR" sz="1400" b="0" dirty="0">
+                <a:solidFill>
+                  <a:srgbClr val="3B3B3B"/>
+                </a:solidFill>
+                <a:effectLst/>
+                <a:latin typeface="Consolas" panose="020B0609020204030204" pitchFamily="49" charset="0"/>
+              </a:rPr>
+              <a:t> </a:t>
+            </a:r>
+            <a:r>
+              <a:rPr lang="en-US" sz="1400" b="0" dirty="0" err="1">
+                <a:solidFill>
+                  <a:srgbClr val="267F99"/>
+                </a:solidFill>
+                <a:effectLst/>
+                <a:latin typeface="Consolas" panose="020B0609020204030204" pitchFamily="49" charset="0"/>
+              </a:rPr>
+              <a:t>pm</a:t>
+            </a:r>
+            <a:r>
+              <a:rPr lang="en-US" sz="1400" b="0" dirty="0" err="1">
+                <a:solidFill>
+                  <a:srgbClr val="3B3B3B"/>
+                </a:solidFill>
+                <a:effectLst/>
+                <a:latin typeface="Consolas" panose="020B0609020204030204" pitchFamily="49" charset="0"/>
+              </a:rPr>
+              <a:t>.</a:t>
+            </a:r>
+            <a:r>
+              <a:rPr lang="en-US" sz="1400" b="0" dirty="0" err="1">
+                <a:solidFill>
+                  <a:srgbClr val="267F99"/>
+                </a:solidFill>
+                <a:effectLst/>
+                <a:latin typeface="Consolas" panose="020B0609020204030204" pitchFamily="49" charset="0"/>
+              </a:rPr>
+              <a:t>HalfNormal</a:t>
+            </a:r>
+            <a:r>
+              <a:rPr lang="en-US" sz="1400" b="0" dirty="0">
+                <a:solidFill>
+                  <a:srgbClr val="3B3B3B"/>
+                </a:solidFill>
+                <a:effectLst/>
+                <a:latin typeface="Consolas" panose="020B0609020204030204" pitchFamily="49" charset="0"/>
+              </a:rPr>
+              <a:t>(</a:t>
+            </a:r>
+            <a:r>
+              <a:rPr lang="en-US" sz="1400" b="0" dirty="0">
+                <a:solidFill>
+                  <a:srgbClr val="A31515"/>
+                </a:solidFill>
+                <a:effectLst/>
+                <a:latin typeface="Consolas" panose="020B0609020204030204" pitchFamily="49" charset="0"/>
+              </a:rPr>
+              <a:t>'</a:t>
+            </a:r>
+            <a:r>
+              <a:rPr lang="el-GR" sz="1400" b="0" dirty="0">
+                <a:solidFill>
+                  <a:srgbClr val="A31515"/>
+                </a:solidFill>
+                <a:effectLst/>
+                <a:latin typeface="Consolas" panose="020B0609020204030204" pitchFamily="49" charset="0"/>
+              </a:rPr>
+              <a:t>σ'</a:t>
+            </a:r>
+            <a:r>
+              <a:rPr lang="el-GR" sz="1400" b="0" dirty="0">
+                <a:solidFill>
+                  <a:srgbClr val="3B3B3B"/>
+                </a:solidFill>
+                <a:effectLst/>
+                <a:latin typeface="Consolas" panose="020B0609020204030204" pitchFamily="49" charset="0"/>
+              </a:rPr>
+              <a:t>, </a:t>
+            </a:r>
+            <a:r>
+              <a:rPr lang="en-US" sz="1400" b="0" dirty="0">
+                <a:solidFill>
+                  <a:srgbClr val="001080"/>
+                </a:solidFill>
+                <a:effectLst/>
+                <a:latin typeface="Consolas" panose="020B0609020204030204" pitchFamily="49" charset="0"/>
+              </a:rPr>
+              <a:t>sigma</a:t>
+            </a:r>
+            <a:r>
+              <a:rPr lang="en-US" sz="1400" b="0" dirty="0">
+                <a:solidFill>
+                  <a:srgbClr val="000000"/>
+                </a:solidFill>
+                <a:effectLst/>
+                <a:latin typeface="Consolas" panose="020B0609020204030204" pitchFamily="49" charset="0"/>
+              </a:rPr>
+              <a:t>=</a:t>
+            </a:r>
+            <a:r>
+              <a:rPr lang="el-GR" sz="1400" b="0" dirty="0">
+                <a:solidFill>
+                  <a:srgbClr val="001080"/>
+                </a:solidFill>
+                <a:effectLst/>
+                <a:latin typeface="Consolas" panose="020B0609020204030204" pitchFamily="49" charset="0"/>
+              </a:rPr>
+              <a:t>σ_σ</a:t>
+            </a:r>
+            <a:r>
+              <a:rPr lang="el-GR" sz="1400" b="0" dirty="0">
+                <a:solidFill>
+                  <a:srgbClr val="3B3B3B"/>
+                </a:solidFill>
+                <a:effectLst/>
+                <a:latin typeface="Consolas" panose="020B0609020204030204" pitchFamily="49" charset="0"/>
+              </a:rPr>
+              <a:t>, </a:t>
+            </a:r>
+            <a:r>
+              <a:rPr lang="en-US" sz="1400" b="0" dirty="0">
+                <a:solidFill>
+                  <a:srgbClr val="001080"/>
+                </a:solidFill>
+                <a:effectLst/>
+                <a:latin typeface="Consolas" panose="020B0609020204030204" pitchFamily="49" charset="0"/>
+              </a:rPr>
+              <a:t>dims</a:t>
+            </a:r>
+            <a:r>
+              <a:rPr lang="en-US" sz="1400" b="0" dirty="0">
+                <a:solidFill>
+                  <a:srgbClr val="000000"/>
+                </a:solidFill>
+                <a:effectLst/>
+                <a:latin typeface="Consolas" panose="020B0609020204030204" pitchFamily="49" charset="0"/>
+              </a:rPr>
+              <a:t>=</a:t>
+            </a:r>
+            <a:r>
+              <a:rPr lang="en-US" sz="1400" b="0" dirty="0">
+                <a:solidFill>
+                  <a:srgbClr val="A31515"/>
+                </a:solidFill>
+                <a:effectLst/>
+                <a:latin typeface="Consolas" panose="020B0609020204030204" pitchFamily="49" charset="0"/>
+              </a:rPr>
+              <a:t>"aa"</a:t>
+            </a:r>
+            <a:r>
+              <a:rPr lang="en-US" sz="1400" b="0" dirty="0">
+                <a:solidFill>
+                  <a:srgbClr val="3B3B3B"/>
+                </a:solidFill>
+                <a:effectLst/>
+                <a:latin typeface="Consolas" panose="020B0609020204030204" pitchFamily="49" charset="0"/>
+              </a:rPr>
+              <a:t>) </a:t>
+            </a:r>
+          </a:p>
+          <a:p>
+            <a:pPr>
+              <a:buNone/>
+            </a:pPr>
+            <a:r>
+              <a:rPr lang="en-US" sz="1400" b="0" dirty="0">
+                <a:solidFill>
+                  <a:srgbClr val="3B3B3B"/>
+                </a:solidFill>
+                <a:effectLst/>
+                <a:latin typeface="Consolas" panose="020B0609020204030204" pitchFamily="49" charset="0"/>
+              </a:rPr>
+              <a:t> </a:t>
+            </a:r>
+          </a:p>
+          <a:p>
+            <a:r>
+              <a:rPr lang="en-US" sz="1400" b="0" dirty="0">
+                <a:solidFill>
+                  <a:srgbClr val="3B3B3B"/>
+                </a:solidFill>
+                <a:effectLst/>
+                <a:latin typeface="Consolas" panose="020B0609020204030204" pitchFamily="49" charset="0"/>
+              </a:rPr>
+              <a:t>    </a:t>
+            </a:r>
+            <a:r>
+              <a:rPr lang="en-US" sz="1400" b="0" dirty="0">
+                <a:solidFill>
+                  <a:srgbClr val="001080"/>
+                </a:solidFill>
+                <a:effectLst/>
+                <a:latin typeface="Consolas" panose="020B0609020204030204" pitchFamily="49" charset="0"/>
+              </a:rPr>
+              <a:t>y</a:t>
+            </a:r>
+            <a:r>
+              <a:rPr lang="en-US" sz="1400" b="0" dirty="0">
+                <a:solidFill>
+                  <a:srgbClr val="3B3B3B"/>
+                </a:solidFill>
+                <a:effectLst/>
+                <a:latin typeface="Consolas" panose="020B0609020204030204" pitchFamily="49" charset="0"/>
+              </a:rPr>
+              <a:t> </a:t>
+            </a:r>
+            <a:r>
+              <a:rPr lang="en-US" sz="1400" b="0" dirty="0">
+                <a:solidFill>
+                  <a:srgbClr val="000000"/>
+                </a:solidFill>
+                <a:effectLst/>
+                <a:latin typeface="Consolas" panose="020B0609020204030204" pitchFamily="49" charset="0"/>
+              </a:rPr>
+              <a:t>=</a:t>
+            </a:r>
+            <a:r>
+              <a:rPr lang="en-US" sz="1400" b="0" dirty="0">
+                <a:solidFill>
+                  <a:srgbClr val="3B3B3B"/>
+                </a:solidFill>
+                <a:effectLst/>
+                <a:latin typeface="Consolas" panose="020B0609020204030204" pitchFamily="49" charset="0"/>
+              </a:rPr>
+              <a:t> </a:t>
+            </a:r>
+            <a:r>
+              <a:rPr lang="en-US" sz="1400" b="0" dirty="0" err="1">
+                <a:solidFill>
+                  <a:srgbClr val="267F99"/>
+                </a:solidFill>
+                <a:effectLst/>
+                <a:latin typeface="Consolas" panose="020B0609020204030204" pitchFamily="49" charset="0"/>
+              </a:rPr>
+              <a:t>pm</a:t>
+            </a:r>
+            <a:r>
+              <a:rPr lang="en-US" sz="1400" b="0" dirty="0" err="1">
+                <a:solidFill>
+                  <a:srgbClr val="3B3B3B"/>
+                </a:solidFill>
+                <a:effectLst/>
+                <a:latin typeface="Consolas" panose="020B0609020204030204" pitchFamily="49" charset="0"/>
+              </a:rPr>
+              <a:t>.</a:t>
+            </a:r>
+            <a:r>
+              <a:rPr lang="en-US" sz="1400" b="0" dirty="0" err="1">
+                <a:solidFill>
+                  <a:srgbClr val="267F99"/>
+                </a:solidFill>
+                <a:effectLst/>
+                <a:latin typeface="Consolas" panose="020B0609020204030204" pitchFamily="49" charset="0"/>
+              </a:rPr>
+              <a:t>Normal</a:t>
+            </a:r>
+            <a:r>
+              <a:rPr lang="en-US" sz="1400" b="0" dirty="0">
+                <a:solidFill>
+                  <a:srgbClr val="3B3B3B"/>
+                </a:solidFill>
+                <a:effectLst/>
+                <a:latin typeface="Consolas" panose="020B0609020204030204" pitchFamily="49" charset="0"/>
+              </a:rPr>
+              <a:t>(</a:t>
+            </a:r>
+            <a:r>
+              <a:rPr lang="en-US" sz="1400" b="0" dirty="0">
+                <a:solidFill>
+                  <a:srgbClr val="A31515"/>
+                </a:solidFill>
+                <a:effectLst/>
+                <a:latin typeface="Consolas" panose="020B0609020204030204" pitchFamily="49" charset="0"/>
+              </a:rPr>
+              <a:t>'y'</a:t>
+            </a:r>
+            <a:r>
+              <a:rPr lang="en-US" sz="1400" b="0" dirty="0">
+                <a:solidFill>
+                  <a:srgbClr val="3B3B3B"/>
+                </a:solidFill>
+                <a:effectLst/>
+                <a:latin typeface="Consolas" panose="020B0609020204030204" pitchFamily="49" charset="0"/>
+              </a:rPr>
+              <a:t>, </a:t>
+            </a:r>
+            <a:r>
+              <a:rPr lang="en-US" sz="1400" b="0" dirty="0">
+                <a:solidFill>
+                  <a:srgbClr val="001080"/>
+                </a:solidFill>
+                <a:effectLst/>
+                <a:latin typeface="Consolas" panose="020B0609020204030204" pitchFamily="49" charset="0"/>
+              </a:rPr>
+              <a:t>mu</a:t>
+            </a:r>
+            <a:r>
+              <a:rPr lang="en-US" sz="1400" b="0" dirty="0">
+                <a:solidFill>
+                  <a:srgbClr val="000000"/>
+                </a:solidFill>
+                <a:effectLst/>
+                <a:latin typeface="Consolas" panose="020B0609020204030204" pitchFamily="49" charset="0"/>
+              </a:rPr>
+              <a:t>=</a:t>
+            </a:r>
+            <a:r>
+              <a:rPr lang="el-GR" sz="1400" b="0" dirty="0">
+                <a:solidFill>
+                  <a:srgbClr val="001080"/>
+                </a:solidFill>
+                <a:effectLst/>
+                <a:latin typeface="Consolas" panose="020B0609020204030204" pitchFamily="49" charset="0"/>
+              </a:rPr>
+              <a:t>μ</a:t>
+            </a:r>
+            <a:r>
+              <a:rPr lang="el-GR" sz="1400" b="0" dirty="0">
+                <a:solidFill>
+                  <a:srgbClr val="3B3B3B"/>
+                </a:solidFill>
+                <a:effectLst/>
+                <a:latin typeface="Consolas" panose="020B0609020204030204" pitchFamily="49" charset="0"/>
+              </a:rPr>
+              <a:t>[</a:t>
+            </a:r>
+            <a:r>
+              <a:rPr lang="en-US" sz="1400" b="0" dirty="0" err="1">
+                <a:solidFill>
+                  <a:srgbClr val="001080"/>
+                </a:solidFill>
+                <a:effectLst/>
+                <a:latin typeface="Consolas" panose="020B0609020204030204" pitchFamily="49" charset="0"/>
+              </a:rPr>
+              <a:t>idx</a:t>
+            </a:r>
+            <a:r>
+              <a:rPr lang="en-US" sz="1400" b="0" dirty="0">
+                <a:solidFill>
+                  <a:srgbClr val="3B3B3B"/>
+                </a:solidFill>
+                <a:effectLst/>
+                <a:latin typeface="Consolas" panose="020B0609020204030204" pitchFamily="49" charset="0"/>
+              </a:rPr>
+              <a:t>], </a:t>
+            </a:r>
+            <a:r>
+              <a:rPr lang="en-US" sz="1400" b="0" dirty="0">
+                <a:solidFill>
+                  <a:srgbClr val="001080"/>
+                </a:solidFill>
+                <a:effectLst/>
+                <a:latin typeface="Consolas" panose="020B0609020204030204" pitchFamily="49" charset="0"/>
+              </a:rPr>
+              <a:t>sigma</a:t>
+            </a:r>
+            <a:r>
+              <a:rPr lang="en-US" sz="1400" b="0" dirty="0">
+                <a:solidFill>
+                  <a:srgbClr val="000000"/>
+                </a:solidFill>
+                <a:effectLst/>
+                <a:latin typeface="Consolas" panose="020B0609020204030204" pitchFamily="49" charset="0"/>
+              </a:rPr>
+              <a:t>=</a:t>
+            </a:r>
+            <a:r>
+              <a:rPr lang="el-GR" sz="1400" b="0" dirty="0">
+                <a:solidFill>
+                  <a:srgbClr val="001080"/>
+                </a:solidFill>
+                <a:effectLst/>
+                <a:latin typeface="Consolas" panose="020B0609020204030204" pitchFamily="49" charset="0"/>
+              </a:rPr>
+              <a:t>σ</a:t>
+            </a:r>
+            <a:r>
+              <a:rPr lang="el-GR" sz="1400" b="0" dirty="0">
+                <a:solidFill>
+                  <a:srgbClr val="3B3B3B"/>
+                </a:solidFill>
+                <a:effectLst/>
+                <a:latin typeface="Consolas" panose="020B0609020204030204" pitchFamily="49" charset="0"/>
+              </a:rPr>
+              <a:t>[</a:t>
+            </a:r>
+            <a:r>
+              <a:rPr lang="en-US" sz="1400" b="0" dirty="0" err="1">
+                <a:solidFill>
+                  <a:srgbClr val="001080"/>
+                </a:solidFill>
+                <a:effectLst/>
+                <a:latin typeface="Consolas" panose="020B0609020204030204" pitchFamily="49" charset="0"/>
+              </a:rPr>
+              <a:t>idx</a:t>
+            </a:r>
+            <a:r>
+              <a:rPr lang="en-US" sz="1400" b="0" dirty="0">
+                <a:solidFill>
+                  <a:srgbClr val="3B3B3B"/>
+                </a:solidFill>
+                <a:effectLst/>
+                <a:latin typeface="Consolas" panose="020B0609020204030204" pitchFamily="49" charset="0"/>
+              </a:rPr>
+              <a:t>], </a:t>
+            </a:r>
+            <a:r>
+              <a:rPr lang="en-US" sz="1400" b="0" dirty="0">
+                <a:solidFill>
+                  <a:srgbClr val="001080"/>
+                </a:solidFill>
+                <a:effectLst/>
+                <a:latin typeface="Consolas" panose="020B0609020204030204" pitchFamily="49" charset="0"/>
+              </a:rPr>
+              <a:t>observed</a:t>
+            </a:r>
+            <a:r>
+              <a:rPr lang="en-US" sz="1400" b="0" dirty="0">
+                <a:solidFill>
+                  <a:srgbClr val="000000"/>
+                </a:solidFill>
+                <a:effectLst/>
+                <a:latin typeface="Consolas" panose="020B0609020204030204" pitchFamily="49" charset="0"/>
+              </a:rPr>
+              <a:t>=</a:t>
+            </a:r>
+            <a:r>
+              <a:rPr lang="en-US" sz="1400" b="0" dirty="0">
+                <a:solidFill>
+                  <a:srgbClr val="001080"/>
+                </a:solidFill>
+                <a:effectLst/>
+                <a:latin typeface="Consolas" panose="020B0609020204030204" pitchFamily="49" charset="0"/>
+              </a:rPr>
+              <a:t>diff</a:t>
+            </a:r>
+            <a:r>
+              <a:rPr lang="en-US" sz="1400" b="0" dirty="0">
+                <a:solidFill>
+                  <a:srgbClr val="3B3B3B"/>
+                </a:solidFill>
+                <a:effectLst/>
+                <a:latin typeface="Consolas" panose="020B0609020204030204" pitchFamily="49" charset="0"/>
+              </a:rPr>
+              <a:t>) </a:t>
+            </a:r>
+          </a:p>
+        </p:txBody>
+      </p:sp>
+      <p:sp>
+        <p:nvSpPr>
+          <p:cNvPr id="7" name="TextBox 6">
+            <a:extLst>
+              <a:ext uri="{FF2B5EF4-FFF2-40B4-BE49-F238E27FC236}">
+                <a16:creationId xmlns:a16="http://schemas.microsoft.com/office/drawing/2014/main" id="{78129B4E-60A5-3751-7550-6BAA5BAA6670}"/>
+              </a:ext>
+            </a:extLst>
+          </p:cNvPr>
+          <p:cNvSpPr txBox="1"/>
+          <p:nvPr/>
+        </p:nvSpPr>
+        <p:spPr>
+          <a:xfrm>
+            <a:off x="389554" y="1104584"/>
+            <a:ext cx="1047338" cy="461665"/>
+          </a:xfrm>
+          <a:prstGeom prst="rect">
+            <a:avLst/>
+          </a:prstGeom>
+          <a:noFill/>
+        </p:spPr>
+        <p:txBody>
+          <a:bodyPr wrap="none" rtlCol="0">
+            <a:spAutoFit/>
+          </a:bodyPr>
+          <a:lstStyle/>
+          <a:p>
+            <a:r>
+              <a:rPr lang="en-US" sz="2400" dirty="0"/>
+              <a:t>Pooled</a:t>
+            </a:r>
+            <a:endParaRPr lang="en-IL" sz="2400" dirty="0"/>
+          </a:p>
+        </p:txBody>
+      </p:sp>
+      <p:sp>
+        <p:nvSpPr>
+          <p:cNvPr id="8" name="TextBox 7">
+            <a:extLst>
+              <a:ext uri="{FF2B5EF4-FFF2-40B4-BE49-F238E27FC236}">
+                <a16:creationId xmlns:a16="http://schemas.microsoft.com/office/drawing/2014/main" id="{E8296D96-688E-B319-C054-55E7E3FA74F6}"/>
+              </a:ext>
+            </a:extLst>
+          </p:cNvPr>
+          <p:cNvSpPr txBox="1"/>
+          <p:nvPr/>
+        </p:nvSpPr>
+        <p:spPr>
+          <a:xfrm>
+            <a:off x="5837075" y="1194225"/>
+            <a:ext cx="1415772" cy="461665"/>
+          </a:xfrm>
+          <a:prstGeom prst="rect">
+            <a:avLst/>
+          </a:prstGeom>
+          <a:noFill/>
+        </p:spPr>
+        <p:txBody>
+          <a:bodyPr wrap="none" rtlCol="0">
+            <a:spAutoFit/>
+          </a:bodyPr>
+          <a:lstStyle/>
+          <a:p>
+            <a:r>
+              <a:rPr lang="en-US" sz="2400" dirty="0" err="1"/>
+              <a:t>Unpooled</a:t>
+            </a:r>
+            <a:endParaRPr lang="en-IL" sz="2400" dirty="0"/>
+          </a:p>
+        </p:txBody>
+      </p:sp>
+      <mc:AlternateContent xmlns:mc="http://schemas.openxmlformats.org/markup-compatibility/2006">
+        <mc:Choice xmlns:a14="http://schemas.microsoft.com/office/drawing/2010/main" Requires="a14">
+          <p:sp>
+            <p:nvSpPr>
+              <p:cNvPr id="11" name="TextBox 10">
+                <a:extLst>
+                  <a:ext uri="{FF2B5EF4-FFF2-40B4-BE49-F238E27FC236}">
+                    <a16:creationId xmlns:a16="http://schemas.microsoft.com/office/drawing/2014/main" id="{F0CFCB5D-F4E8-1476-7710-8F5DA8EA4B6F}"/>
+                  </a:ext>
+                </a:extLst>
+              </p:cNvPr>
+              <p:cNvSpPr txBox="1"/>
+              <p:nvPr/>
+            </p:nvSpPr>
+            <p:spPr>
+              <a:xfrm>
+                <a:off x="324239" y="3253395"/>
+                <a:ext cx="4764702" cy="646331"/>
+              </a:xfrm>
+              <a:prstGeom prst="rect">
+                <a:avLst/>
+              </a:prstGeom>
+              <a:noFill/>
+            </p:spPr>
+            <p:txBody>
+              <a:bodyPr wrap="none" rtlCol="0">
+                <a:spAutoFit/>
+              </a:bodyPr>
+              <a:lstStyle/>
+              <a:p>
+                <a:r>
+                  <a:rPr lang="en-US" dirty="0"/>
+                  <a:t>This model is like having many </a:t>
+                </a:r>
+                <a14:m>
+                  <m:oMath xmlns:m="http://schemas.openxmlformats.org/officeDocument/2006/math">
+                    <m:r>
+                      <a:rPr lang="en-US" b="0" i="1" smtClean="0">
+                        <a:latin typeface="Cambria Math" panose="02040503050406030204" pitchFamily="18" charset="0"/>
+                      </a:rPr>
+                      <m:t>𝜇</m:t>
+                    </m:r>
+                  </m:oMath>
+                </a14:m>
+                <a:r>
+                  <a:rPr lang="en-US" dirty="0"/>
+                  <a:t> but all the same</a:t>
+                </a:r>
+              </a:p>
+              <a:p>
+                <a:r>
+                  <a:rPr lang="en-US" dirty="0"/>
+                  <a:t>All equal to the mean of the data</a:t>
+                </a:r>
+                <a:endParaRPr lang="en-IL" dirty="0"/>
+              </a:p>
+            </p:txBody>
+          </p:sp>
+        </mc:Choice>
+        <mc:Fallback>
+          <p:sp>
+            <p:nvSpPr>
+              <p:cNvPr id="11" name="TextBox 10">
+                <a:extLst>
+                  <a:ext uri="{FF2B5EF4-FFF2-40B4-BE49-F238E27FC236}">
+                    <a16:creationId xmlns:a16="http://schemas.microsoft.com/office/drawing/2014/main" id="{F0CFCB5D-F4E8-1476-7710-8F5DA8EA4B6F}"/>
+                  </a:ext>
+                </a:extLst>
+              </p:cNvPr>
+              <p:cNvSpPr txBox="1">
+                <a:spLocks noRot="1" noChangeAspect="1" noMove="1" noResize="1" noEditPoints="1" noAdjustHandles="1" noChangeArrowheads="1" noChangeShapeType="1" noTextEdit="1"/>
+              </p:cNvSpPr>
+              <p:nvPr/>
+            </p:nvSpPr>
+            <p:spPr>
+              <a:xfrm>
+                <a:off x="324239" y="3253395"/>
+                <a:ext cx="4764702" cy="646331"/>
+              </a:xfrm>
+              <a:prstGeom prst="rect">
+                <a:avLst/>
+              </a:prstGeom>
+              <a:blipFill>
+                <a:blip r:embed="rId3"/>
+                <a:stretch>
+                  <a:fillRect l="-1023" t="-5660" r="-256" b="-14151"/>
+                </a:stretch>
+              </a:blipFill>
+            </p:spPr>
+            <p:txBody>
+              <a:bodyPr/>
+              <a:lstStyle/>
+              <a:p>
+                <a:r>
+                  <a:rPr lang="en-IL">
+                    <a:noFill/>
+                  </a:rPr>
+                  <a:t> </a:t>
+                </a:r>
+              </a:p>
+            </p:txBody>
+          </p:sp>
+        </mc:Fallback>
+      </mc:AlternateContent>
+      <p:graphicFrame>
+        <p:nvGraphicFramePr>
+          <p:cNvPr id="12" name="Object 11">
+            <a:extLst>
+              <a:ext uri="{FF2B5EF4-FFF2-40B4-BE49-F238E27FC236}">
+                <a16:creationId xmlns:a16="http://schemas.microsoft.com/office/drawing/2014/main" id="{8E1B4E0F-A25B-6546-9009-A008B36C5EE8}"/>
+              </a:ext>
+            </a:extLst>
+          </p:cNvPr>
+          <p:cNvGraphicFramePr>
+            <a:graphicFrameLocks noChangeAspect="1"/>
+          </p:cNvGraphicFramePr>
+          <p:nvPr>
+            <p:extLst>
+              <p:ext uri="{D42A27DB-BD31-4B8C-83A1-F6EECF244321}">
+                <p14:modId xmlns:p14="http://schemas.microsoft.com/office/powerpoint/2010/main" val="94856908"/>
+              </p:ext>
+            </p:extLst>
+          </p:nvPr>
+        </p:nvGraphicFramePr>
+        <p:xfrm>
+          <a:off x="1173163" y="3944938"/>
+          <a:ext cx="1347787" cy="841375"/>
+        </p:xfrm>
+        <a:graphic>
+          <a:graphicData uri="http://schemas.openxmlformats.org/presentationml/2006/ole">
+            <mc:AlternateContent xmlns:mc="http://schemas.openxmlformats.org/markup-compatibility/2006">
+              <mc:Choice xmlns:v="urn:schemas-microsoft-com:vml" Requires="v">
+                <p:oleObj name="Equation" r:id="rId4" imgW="812520" imgH="507960" progId="Equation.DSMT4">
+                  <p:embed/>
+                </p:oleObj>
+              </mc:Choice>
+              <mc:Fallback>
+                <p:oleObj name="Equation" r:id="rId4" imgW="812520" imgH="507960" progId="Equation.DSMT4">
+                  <p:embed/>
+                  <p:pic>
+                    <p:nvPicPr>
+                      <p:cNvPr id="0" name=""/>
+                      <p:cNvPicPr/>
+                      <p:nvPr/>
+                    </p:nvPicPr>
+                    <p:blipFill>
+                      <a:blip r:embed="rId5"/>
+                      <a:stretch>
+                        <a:fillRect/>
+                      </a:stretch>
+                    </p:blipFill>
+                    <p:spPr>
+                      <a:xfrm>
+                        <a:off x="1173163" y="3944938"/>
+                        <a:ext cx="1347787" cy="841375"/>
+                      </a:xfrm>
+                      <a:prstGeom prst="rect">
+                        <a:avLst/>
+                      </a:prstGeom>
+                    </p:spPr>
+                  </p:pic>
+                </p:oleObj>
+              </mc:Fallback>
+            </mc:AlternateContent>
+          </a:graphicData>
+        </a:graphic>
+      </p:graphicFrame>
+      <mc:AlternateContent xmlns:mc="http://schemas.openxmlformats.org/markup-compatibility/2006">
+        <mc:Choice xmlns:a14="http://schemas.microsoft.com/office/drawing/2010/main" Requires="a14">
+          <p:sp>
+            <p:nvSpPr>
+              <p:cNvPr id="13" name="TextBox 12">
+                <a:extLst>
+                  <a:ext uri="{FF2B5EF4-FFF2-40B4-BE49-F238E27FC236}">
+                    <a16:creationId xmlns:a16="http://schemas.microsoft.com/office/drawing/2014/main" id="{297F9BF0-9FA4-AD61-3C1E-E179CA02563C}"/>
+                  </a:ext>
+                </a:extLst>
+              </p:cNvPr>
+              <p:cNvSpPr txBox="1"/>
+              <p:nvPr/>
+            </p:nvSpPr>
+            <p:spPr>
+              <a:xfrm>
+                <a:off x="6228249" y="3253395"/>
+                <a:ext cx="4761688" cy="646331"/>
+              </a:xfrm>
+              <a:prstGeom prst="rect">
+                <a:avLst/>
+              </a:prstGeom>
+              <a:noFill/>
+            </p:spPr>
+            <p:txBody>
+              <a:bodyPr wrap="none" rtlCol="0">
+                <a:spAutoFit/>
+              </a:bodyPr>
+              <a:lstStyle/>
+              <a:p>
+                <a:r>
+                  <a:rPr lang="en-US" dirty="0"/>
+                  <a:t>In this model there is a broad prior</a:t>
+                </a:r>
+              </a:p>
+              <a:p>
+                <a14:m>
+                  <m:oMath xmlns:m="http://schemas.openxmlformats.org/officeDocument/2006/math">
+                    <m:r>
+                      <a:rPr lang="en-US" b="0" i="1" smtClean="0">
+                        <a:latin typeface="Cambria Math" panose="02040503050406030204" pitchFamily="18" charset="0"/>
+                      </a:rPr>
+                      <m:t>𝜇</m:t>
+                    </m:r>
+                  </m:oMath>
+                </a14:m>
+                <a:r>
+                  <a:rPr lang="en-US" dirty="0"/>
+                  <a:t> is the dominated by the likelihood for its group</a:t>
+                </a:r>
+              </a:p>
+            </p:txBody>
+          </p:sp>
+        </mc:Choice>
+        <mc:Fallback>
+          <p:sp>
+            <p:nvSpPr>
+              <p:cNvPr id="13" name="TextBox 12">
+                <a:extLst>
+                  <a:ext uri="{FF2B5EF4-FFF2-40B4-BE49-F238E27FC236}">
+                    <a16:creationId xmlns:a16="http://schemas.microsoft.com/office/drawing/2014/main" id="{297F9BF0-9FA4-AD61-3C1E-E179CA02563C}"/>
+                  </a:ext>
+                </a:extLst>
+              </p:cNvPr>
+              <p:cNvSpPr txBox="1">
+                <a:spLocks noRot="1" noChangeAspect="1" noMove="1" noResize="1" noEditPoints="1" noAdjustHandles="1" noChangeArrowheads="1" noChangeShapeType="1" noTextEdit="1"/>
+              </p:cNvSpPr>
+              <p:nvPr/>
+            </p:nvSpPr>
+            <p:spPr>
+              <a:xfrm>
+                <a:off x="6228249" y="3253395"/>
+                <a:ext cx="4761688" cy="646331"/>
+              </a:xfrm>
+              <a:prstGeom prst="rect">
+                <a:avLst/>
+              </a:prstGeom>
+              <a:blipFill>
+                <a:blip r:embed="rId6"/>
+                <a:stretch>
+                  <a:fillRect l="-1152" t="-5660" r="-128" b="-14151"/>
+                </a:stretch>
+              </a:blipFill>
+            </p:spPr>
+            <p:txBody>
+              <a:bodyPr/>
+              <a:lstStyle/>
+              <a:p>
+                <a:r>
+                  <a:rPr lang="en-IL">
+                    <a:noFill/>
+                  </a:rPr>
+                  <a:t> </a:t>
+                </a:r>
+              </a:p>
+            </p:txBody>
+          </p:sp>
+        </mc:Fallback>
+      </mc:AlternateContent>
+      <p:graphicFrame>
+        <p:nvGraphicFramePr>
+          <p:cNvPr id="14" name="Object 13">
+            <a:extLst>
+              <a:ext uri="{FF2B5EF4-FFF2-40B4-BE49-F238E27FC236}">
+                <a16:creationId xmlns:a16="http://schemas.microsoft.com/office/drawing/2014/main" id="{4E8F8532-25BB-0FDA-48B4-8F64EEA5EDFB}"/>
+              </a:ext>
+            </a:extLst>
+          </p:cNvPr>
+          <p:cNvGraphicFramePr>
+            <a:graphicFrameLocks noChangeAspect="1"/>
+          </p:cNvGraphicFramePr>
+          <p:nvPr>
+            <p:extLst>
+              <p:ext uri="{D42A27DB-BD31-4B8C-83A1-F6EECF244321}">
+                <p14:modId xmlns:p14="http://schemas.microsoft.com/office/powerpoint/2010/main" val="106718763"/>
+              </p:ext>
+            </p:extLst>
+          </p:nvPr>
+        </p:nvGraphicFramePr>
+        <p:xfrm>
+          <a:off x="6921500" y="3871558"/>
+          <a:ext cx="2967038" cy="1135062"/>
+        </p:xfrm>
+        <a:graphic>
+          <a:graphicData uri="http://schemas.openxmlformats.org/presentationml/2006/ole">
+            <mc:AlternateContent xmlns:mc="http://schemas.openxmlformats.org/markup-compatibility/2006">
+              <mc:Choice xmlns:v="urn:schemas-microsoft-com:vml" Requires="v">
+                <p:oleObj name="Equation" r:id="rId7" imgW="1790640" imgH="685800" progId="Equation.DSMT4">
+                  <p:embed/>
+                </p:oleObj>
+              </mc:Choice>
+              <mc:Fallback>
+                <p:oleObj name="Equation" r:id="rId7" imgW="1790640" imgH="685800" progId="Equation.DSMT4">
+                  <p:embed/>
+                  <p:pic>
+                    <p:nvPicPr>
+                      <p:cNvPr id="12" name="Object 11">
+                        <a:extLst>
+                          <a:ext uri="{FF2B5EF4-FFF2-40B4-BE49-F238E27FC236}">
+                            <a16:creationId xmlns:a16="http://schemas.microsoft.com/office/drawing/2014/main" id="{8E1B4E0F-A25B-6546-9009-A008B36C5EE8}"/>
+                          </a:ext>
+                        </a:extLst>
+                      </p:cNvPr>
+                      <p:cNvPicPr/>
+                      <p:nvPr/>
+                    </p:nvPicPr>
+                    <p:blipFill>
+                      <a:blip r:embed="rId8"/>
+                      <a:stretch>
+                        <a:fillRect/>
+                      </a:stretch>
+                    </p:blipFill>
+                    <p:spPr>
+                      <a:xfrm>
+                        <a:off x="6921500" y="3871558"/>
+                        <a:ext cx="2967038" cy="1135062"/>
+                      </a:xfrm>
+                      <a:prstGeom prst="rect">
+                        <a:avLst/>
+                      </a:prstGeom>
+                    </p:spPr>
+                  </p:pic>
+                </p:oleObj>
+              </mc:Fallback>
+            </mc:AlternateContent>
+          </a:graphicData>
+        </a:graphic>
+      </p:graphicFrame>
+      <p:graphicFrame>
+        <p:nvGraphicFramePr>
+          <p:cNvPr id="15" name="Object 14">
+            <a:extLst>
+              <a:ext uri="{FF2B5EF4-FFF2-40B4-BE49-F238E27FC236}">
+                <a16:creationId xmlns:a16="http://schemas.microsoft.com/office/drawing/2014/main" id="{D1C06335-05DE-2208-FA9B-A586EA8E5C8F}"/>
+              </a:ext>
+            </a:extLst>
+          </p:cNvPr>
+          <p:cNvGraphicFramePr>
+            <a:graphicFrameLocks noChangeAspect="1"/>
+          </p:cNvGraphicFramePr>
+          <p:nvPr>
+            <p:extLst>
+              <p:ext uri="{D42A27DB-BD31-4B8C-83A1-F6EECF244321}">
+                <p14:modId xmlns:p14="http://schemas.microsoft.com/office/powerpoint/2010/main" val="2651568743"/>
+              </p:ext>
+            </p:extLst>
+          </p:nvPr>
+        </p:nvGraphicFramePr>
+        <p:xfrm>
+          <a:off x="3747613" y="5152983"/>
+          <a:ext cx="3819488" cy="742678"/>
+        </p:xfrm>
+        <a:graphic>
+          <a:graphicData uri="http://schemas.openxmlformats.org/presentationml/2006/ole">
+            <mc:AlternateContent xmlns:mc="http://schemas.openxmlformats.org/markup-compatibility/2006">
+              <mc:Choice xmlns:v="urn:schemas-microsoft-com:vml" Requires="v">
+                <p:oleObj name="Equation" r:id="rId9" imgW="2286000" imgH="444240" progId="Equation.DSMT4">
+                  <p:embed/>
+                </p:oleObj>
+              </mc:Choice>
+              <mc:Fallback>
+                <p:oleObj name="Equation" r:id="rId9" imgW="2286000" imgH="444240" progId="Equation.DSMT4">
+                  <p:embed/>
+                  <p:pic>
+                    <p:nvPicPr>
+                      <p:cNvPr id="0" name=""/>
+                      <p:cNvPicPr/>
+                      <p:nvPr/>
+                    </p:nvPicPr>
+                    <p:blipFill>
+                      <a:blip r:embed="rId10"/>
+                      <a:stretch>
+                        <a:fillRect/>
+                      </a:stretch>
+                    </p:blipFill>
+                    <p:spPr>
+                      <a:xfrm>
+                        <a:off x="3747613" y="5152983"/>
+                        <a:ext cx="3819488" cy="742678"/>
+                      </a:xfrm>
+                      <a:prstGeom prst="rect">
+                        <a:avLst/>
+                      </a:prstGeom>
+                    </p:spPr>
+                  </p:pic>
+                </p:oleObj>
+              </mc:Fallback>
+            </mc:AlternateContent>
+          </a:graphicData>
+        </a:graphic>
+      </p:graphicFrame>
+      <p:graphicFrame>
+        <p:nvGraphicFramePr>
+          <p:cNvPr id="16" name="Object 15">
+            <a:extLst>
+              <a:ext uri="{FF2B5EF4-FFF2-40B4-BE49-F238E27FC236}">
+                <a16:creationId xmlns:a16="http://schemas.microsoft.com/office/drawing/2014/main" id="{C7616905-7B87-68C5-DA89-E36C1A0FF374}"/>
+              </a:ext>
+            </a:extLst>
+          </p:cNvPr>
+          <p:cNvGraphicFramePr>
+            <a:graphicFrameLocks noChangeAspect="1"/>
+          </p:cNvGraphicFramePr>
+          <p:nvPr>
+            <p:extLst>
+              <p:ext uri="{D42A27DB-BD31-4B8C-83A1-F6EECF244321}">
+                <p14:modId xmlns:p14="http://schemas.microsoft.com/office/powerpoint/2010/main" val="1331831764"/>
+              </p:ext>
+            </p:extLst>
+          </p:nvPr>
+        </p:nvGraphicFramePr>
+        <p:xfrm>
+          <a:off x="3747613" y="5904993"/>
+          <a:ext cx="5652605" cy="742678"/>
+        </p:xfrm>
+        <a:graphic>
+          <a:graphicData uri="http://schemas.openxmlformats.org/presentationml/2006/ole">
+            <mc:AlternateContent xmlns:mc="http://schemas.openxmlformats.org/markup-compatibility/2006">
+              <mc:Choice xmlns:v="urn:schemas-microsoft-com:vml" Requires="v">
+                <p:oleObj name="Equation" r:id="rId11" imgW="3479760" imgH="457200" progId="Equation.DSMT4">
+                  <p:embed/>
+                </p:oleObj>
+              </mc:Choice>
+              <mc:Fallback>
+                <p:oleObj name="Equation" r:id="rId11" imgW="3479760" imgH="457200" progId="Equation.DSMT4">
+                  <p:embed/>
+                  <p:pic>
+                    <p:nvPicPr>
+                      <p:cNvPr id="0" name=""/>
+                      <p:cNvPicPr/>
+                      <p:nvPr/>
+                    </p:nvPicPr>
+                    <p:blipFill>
+                      <a:blip r:embed="rId12"/>
+                      <a:stretch>
+                        <a:fillRect/>
+                      </a:stretch>
+                    </p:blipFill>
+                    <p:spPr>
+                      <a:xfrm>
+                        <a:off x="3747613" y="5904993"/>
+                        <a:ext cx="5652605" cy="742678"/>
+                      </a:xfrm>
+                      <a:prstGeom prst="rect">
+                        <a:avLst/>
+                      </a:prstGeom>
+                    </p:spPr>
+                  </p:pic>
+                </p:oleObj>
+              </mc:Fallback>
+            </mc:AlternateContent>
+          </a:graphicData>
+        </a:graphic>
+      </p:graphicFrame>
     </p:spTree>
     <p:extLst>
       <p:ext uri="{BB962C8B-B14F-4D97-AF65-F5344CB8AC3E}">
-        <p14:creationId xmlns:p14="http://schemas.microsoft.com/office/powerpoint/2010/main" val="3306114502"/>
+        <p14:creationId xmlns:p14="http://schemas.microsoft.com/office/powerpoint/2010/main" val="742200162"/>
       </p:ext>
     </p:extLst>
   </p:cSld>
   <p:clrMapOvr>
     <a:masterClrMapping/>
   </p:clrMapOvr>
+  <p:timing>
+    <p:tnLst>
+      <p:par>
+        <p:cTn id="1" dur="indefinite" restart="never" nodeType="tmRoot">
+          <p:childTnLst>
+            <p:seq concurrent="1" nextAc="seek">
+              <p:cTn id="2" dur="indefinite" nodeType="mainSeq">
+                <p:childTnLst>
+                  <p:par>
+                    <p:cTn id="3" fill="hold">
+                      <p:stCondLst>
+                        <p:cond delay="indefinite"/>
+                      </p:stCondLst>
+                      <p:childTnLst>
+                        <p:par>
+                          <p:cTn id="4" fill="hold">
+                            <p:stCondLst>
+                              <p:cond delay="0"/>
+                            </p:stCondLst>
+                            <p:childTnLst>
+                              <p:par>
+                                <p:cTn id="5" presetID="1" presetClass="entr" presetSubtype="0" fill="hold" grpId="0" nodeType="clickEffect">
+                                  <p:stCondLst>
+                                    <p:cond delay="0"/>
+                                  </p:stCondLst>
+                                  <p:childTnLst>
+                                    <p:set>
+                                      <p:cBhvr>
+                                        <p:cTn id="6" dur="1" fill="hold">
+                                          <p:stCondLst>
+                                            <p:cond delay="0"/>
+                                          </p:stCondLst>
+                                        </p:cTn>
+                                        <p:tgtEl>
+                                          <p:spTgt spid="11"/>
+                                        </p:tgtEl>
+                                        <p:attrNameLst>
+                                          <p:attrName>style.visibility</p:attrName>
+                                        </p:attrNameLst>
+                                      </p:cBhvr>
+                                      <p:to>
+                                        <p:strVal val="visible"/>
+                                      </p:to>
+                                    </p:set>
+                                  </p:childTnLst>
+                                </p:cTn>
+                              </p:par>
+                              <p:par>
+                                <p:cTn id="7" presetID="1" presetClass="entr" presetSubtype="0" fill="hold" nodeType="withEffect">
+                                  <p:stCondLst>
+                                    <p:cond delay="0"/>
+                                  </p:stCondLst>
+                                  <p:childTnLst>
+                                    <p:set>
+                                      <p:cBhvr>
+                                        <p:cTn id="8" dur="1" fill="hold">
+                                          <p:stCondLst>
+                                            <p:cond delay="0"/>
+                                          </p:stCondLst>
+                                        </p:cTn>
+                                        <p:tgtEl>
+                                          <p:spTgt spid="12"/>
+                                        </p:tgtEl>
+                                        <p:attrNameLst>
+                                          <p:attrName>style.visibility</p:attrName>
+                                        </p:attrNameLst>
+                                      </p:cBhvr>
+                                      <p:to>
+                                        <p:strVal val="visible"/>
+                                      </p:to>
+                                    </p:set>
+                                  </p:childTnLst>
+                                </p:cTn>
+                              </p:par>
+                              <p:par>
+                                <p:cTn id="9" presetID="1" presetClass="entr" presetSubtype="0" fill="hold" nodeType="withEffect">
+                                  <p:stCondLst>
+                                    <p:cond delay="0"/>
+                                  </p:stCondLst>
+                                  <p:childTnLst>
+                                    <p:set>
+                                      <p:cBhvr>
+                                        <p:cTn id="10" dur="1" fill="hold">
+                                          <p:stCondLst>
+                                            <p:cond delay="0"/>
+                                          </p:stCondLst>
+                                        </p:cTn>
+                                        <p:tgtEl>
+                                          <p:spTgt spid="15"/>
+                                        </p:tgtEl>
+                                        <p:attrNameLst>
+                                          <p:attrName>style.visibility</p:attrName>
+                                        </p:attrNameLst>
+                                      </p:cBhvr>
+                                      <p:to>
+                                        <p:strVal val="visible"/>
+                                      </p:to>
+                                    </p:set>
+                                  </p:childTnLst>
+                                </p:cTn>
+                              </p:par>
+                            </p:childTnLst>
+                          </p:cTn>
+                        </p:par>
+                      </p:childTnLst>
+                    </p:cTn>
+                  </p:par>
+                  <p:par>
+                    <p:cTn id="11" fill="hold">
+                      <p:stCondLst>
+                        <p:cond delay="indefinite"/>
+                      </p:stCondLst>
+                      <p:childTnLst>
+                        <p:par>
+                          <p:cTn id="12" fill="hold">
+                            <p:stCondLst>
+                              <p:cond delay="0"/>
+                            </p:stCondLst>
+                            <p:childTnLst>
+                              <p:par>
+                                <p:cTn id="13" presetID="1" presetClass="entr" presetSubtype="0" fill="hold" grpId="0" nodeType="clickEffect">
+                                  <p:stCondLst>
+                                    <p:cond delay="0"/>
+                                  </p:stCondLst>
+                                  <p:childTnLst>
+                                    <p:set>
+                                      <p:cBhvr>
+                                        <p:cTn id="14" dur="1" fill="hold">
+                                          <p:stCondLst>
+                                            <p:cond delay="0"/>
+                                          </p:stCondLst>
+                                        </p:cTn>
+                                        <p:tgtEl>
+                                          <p:spTgt spid="13"/>
+                                        </p:tgtEl>
+                                        <p:attrNameLst>
+                                          <p:attrName>style.visibility</p:attrName>
+                                        </p:attrNameLst>
+                                      </p:cBhvr>
+                                      <p:to>
+                                        <p:strVal val="visible"/>
+                                      </p:to>
+                                    </p:set>
+                                  </p:childTnLst>
+                                </p:cTn>
+                              </p:par>
+                              <p:par>
+                                <p:cTn id="15" presetID="1" presetClass="entr" presetSubtype="0" fill="hold" nodeType="withEffect">
+                                  <p:stCondLst>
+                                    <p:cond delay="0"/>
+                                  </p:stCondLst>
+                                  <p:childTnLst>
+                                    <p:set>
+                                      <p:cBhvr>
+                                        <p:cTn id="16" dur="1" fill="hold">
+                                          <p:stCondLst>
+                                            <p:cond delay="0"/>
+                                          </p:stCondLst>
+                                        </p:cTn>
+                                        <p:tgtEl>
+                                          <p:spTgt spid="14"/>
+                                        </p:tgtEl>
+                                        <p:attrNameLst>
+                                          <p:attrName>style.visibility</p:attrName>
+                                        </p:attrNameLst>
+                                      </p:cBhvr>
+                                      <p:to>
+                                        <p:strVal val="visible"/>
+                                      </p:to>
+                                    </p:set>
+                                  </p:childTnLst>
+                                </p:cTn>
+                              </p:par>
+                              <p:par>
+                                <p:cTn id="17" presetID="1" presetClass="entr" presetSubtype="0" fill="hold" nodeType="withEffect">
+                                  <p:stCondLst>
+                                    <p:cond delay="0"/>
+                                  </p:stCondLst>
+                                  <p:childTnLst>
+                                    <p:set>
+                                      <p:cBhvr>
+                                        <p:cTn id="18" dur="1" fill="hold">
+                                          <p:stCondLst>
+                                            <p:cond delay="0"/>
+                                          </p:stCondLst>
+                                        </p:cTn>
+                                        <p:tgtEl>
+                                          <p:spTgt spid="16"/>
+                                        </p:tgtEl>
+                                        <p:attrNameLst>
+                                          <p:attrName>style.visibility</p:attrName>
+                                        </p:attrNameLst>
+                                      </p:cBhvr>
+                                      <p:to>
+                                        <p:strVal val="visible"/>
+                                      </p:to>
+                                    </p:set>
+                                  </p:childTnLst>
+                                </p:cTn>
+                              </p:par>
+                            </p:childTnLst>
+                          </p:cTn>
+                        </p:par>
+                      </p:childTnLst>
+                    </p:cTn>
+                  </p:par>
+                </p:childTnLst>
+              </p:cTn>
+              <p:prevCondLst>
+                <p:cond evt="onPrev" delay="0">
+                  <p:tgtEl>
+                    <p:sldTgt/>
+                  </p:tgtEl>
+                </p:cond>
+              </p:prevCondLst>
+              <p:nextCondLst>
+                <p:cond evt="onNext" delay="0">
+                  <p:tgtEl>
+                    <p:sldTgt/>
+                  </p:tgtEl>
+                </p:cond>
+              </p:nextCondLst>
+            </p:seq>
+          </p:childTnLst>
+        </p:cTn>
+      </p:par>
+    </p:tnLst>
+    <p:bldLst>
+      <p:bldP spid="11" grpId="0"/>
+      <p:bldP spid="13" grpId="0"/>
+    </p:bldLst>
+  </p:timing>
 </p:sld>
 </file>
 
-<file path=ppt/slides/slide27.xml><?xml version="1.0" encoding="utf-8"?>
+<file path=ppt/slides/slide28.xml><?xml version="1.0" encoding="utf-8"?>
 <p:sld xmlns:a="http://schemas.openxmlformats.org/drawingml/2006/main" xmlns:r="http://schemas.openxmlformats.org/officeDocument/2006/relationships" xmlns:p="http://schemas.openxmlformats.org/presentationml/2006/main">
   <p:cSld>
     <p:spTree>
@@ -14789,7 +17421,7 @@
         <p:cNvPr id="1" name="">
           <a:extLst>
             <a:ext uri="{FF2B5EF4-FFF2-40B4-BE49-F238E27FC236}">
-              <a16:creationId xmlns:a16="http://schemas.microsoft.com/office/drawing/2014/main" id="{1CB8BFAD-CF58-BE0D-867A-8FE6D450F395}"/>
+              <a16:creationId xmlns:a16="http://schemas.microsoft.com/office/drawing/2014/main" id="{0F633B06-E36C-E7F1-3851-ED38E1937FA4}"/>
             </a:ext>
           </a:extLst>
         </p:cNvPr>
@@ -14804,69 +17436,103 @@
           <a:chExt cx="0" cy="0"/>
         </a:xfrm>
       </p:grpSpPr>
+      <mc:AlternateContent xmlns:mc="http://schemas.openxmlformats.org/markup-compatibility/2006">
+        <mc:Choice xmlns:a14="http://schemas.microsoft.com/office/drawing/2010/main" Requires="a14">
+          <p:sp>
+            <p:nvSpPr>
+              <p:cNvPr id="2" name="Title 1">
+                <a:extLst>
+                  <a:ext uri="{FF2B5EF4-FFF2-40B4-BE49-F238E27FC236}">
+                    <a16:creationId xmlns:a16="http://schemas.microsoft.com/office/drawing/2014/main" id="{D8F8FC05-055D-A9C8-692E-E7ADD61E5904}"/>
+                  </a:ext>
+                </a:extLst>
+              </p:cNvPr>
+              <p:cNvSpPr>
+                <a:spLocks noGrp="1"/>
+              </p:cNvSpPr>
+              <p:nvPr>
+                <p:ph type="title"/>
+              </p:nvPr>
+            </p:nvSpPr>
+            <p:spPr>
+              <a:xfrm>
+                <a:off x="838200" y="365126"/>
+                <a:ext cx="10515600" cy="717226"/>
+              </a:xfrm>
+            </p:spPr>
+            <p:txBody>
+              <a:bodyPr/>
+              <a:lstStyle/>
+              <a:p>
+                <a:r>
+                  <a:rPr lang="en-US" dirty="0"/>
+                  <a:t>Hierarchical model results for </a:t>
+                </a:r>
+                <a14:m>
+                  <m:oMath xmlns:m="http://schemas.openxmlformats.org/officeDocument/2006/math">
+                    <m:r>
+                      <a:rPr lang="en-US" i="1">
+                        <a:latin typeface="Cambria Math" panose="02040503050406030204" pitchFamily="18" charset="0"/>
+                      </a:rPr>
+                      <m:t>𝜇</m:t>
+                    </m:r>
+                  </m:oMath>
+                </a14:m>
+                <a:endParaRPr lang="en-IL" dirty="0"/>
+              </a:p>
+            </p:txBody>
+          </p:sp>
+        </mc:Choice>
+        <mc:Fallback>
+          <p:sp>
+            <p:nvSpPr>
+              <p:cNvPr id="2" name="Title 1">
+                <a:extLst>
+                  <a:ext uri="{FF2B5EF4-FFF2-40B4-BE49-F238E27FC236}">
+                    <a16:creationId xmlns:a16="http://schemas.microsoft.com/office/drawing/2014/main" id="{D8F8FC05-055D-A9C8-692E-E7ADD61E5904}"/>
+                  </a:ext>
+                </a:extLst>
+              </p:cNvPr>
+              <p:cNvSpPr>
+                <a:spLocks noGrp="1" noRot="1" noChangeAspect="1" noMove="1" noResize="1" noEditPoints="1" noAdjustHandles="1" noChangeArrowheads="1" noChangeShapeType="1" noTextEdit="1"/>
+              </p:cNvSpPr>
+              <p:nvPr>
+                <p:ph type="title"/>
+              </p:nvPr>
+            </p:nvSpPr>
+            <p:spPr>
+              <a:xfrm>
+                <a:off x="838200" y="365126"/>
+                <a:ext cx="10515600" cy="717226"/>
+              </a:xfrm>
+              <a:blipFill>
+                <a:blip r:embed="rId2"/>
+                <a:stretch>
+                  <a:fillRect l="-2377" t="-25424" b="-38983"/>
+                </a:stretch>
+              </a:blipFill>
+            </p:spPr>
+            <p:txBody>
+              <a:bodyPr/>
+              <a:lstStyle/>
+              <a:p>
+                <a:r>
+                  <a:rPr lang="en-IL">
+                    <a:noFill/>
+                  </a:rPr>
+                  <a:t> </a:t>
+                </a:r>
+              </a:p>
+            </p:txBody>
+          </p:sp>
+        </mc:Fallback>
+      </mc:AlternateContent>
       <p:sp>
         <p:nvSpPr>
-          <p:cNvPr id="6" name="Title 5">
+          <p:cNvPr id="3" name="Slide Number Placeholder 2">
             <a:extLst>
               <a:ext uri="{FF2B5EF4-FFF2-40B4-BE49-F238E27FC236}">
-                <a16:creationId xmlns:a16="http://schemas.microsoft.com/office/drawing/2014/main" id="{12FBC5FA-1405-17CB-BA09-FD738E3C7FB6}"/>
-              </a:ext>
-            </a:extLst>
-          </p:cNvPr>
-          <p:cNvSpPr>
-            <a:spLocks noGrp="1"/>
-          </p:cNvSpPr>
-          <p:nvPr>
-            <p:ph type="title"/>
-          </p:nvPr>
-        </p:nvSpPr>
-        <p:spPr/>
-        <p:txBody>
-          <a:bodyPr/>
-          <a:lstStyle/>
-          <a:p>
-            <a:endParaRPr lang="en-IL"/>
-          </a:p>
-        </p:txBody>
-      </p:sp>
-      <p:sp>
-        <p:nvSpPr>
-          <p:cNvPr id="7" name="Text Placeholder 6">
-            <a:extLst>
-              <a:ext uri="{FF2B5EF4-FFF2-40B4-BE49-F238E27FC236}">
-                <a16:creationId xmlns:a16="http://schemas.microsoft.com/office/drawing/2014/main" id="{19AB19E9-F513-13E0-6104-571E648EB7DB}"/>
-              </a:ext>
-            </a:extLst>
-          </p:cNvPr>
-          <p:cNvSpPr>
-            <a:spLocks noGrp="1"/>
-          </p:cNvSpPr>
-          <p:nvPr>
-            <p:ph type="body" idx="1"/>
-          </p:nvPr>
-        </p:nvSpPr>
-        <p:spPr/>
-        <p:txBody>
-          <a:bodyPr>
-            <a:normAutofit/>
-          </a:bodyPr>
-          <a:lstStyle/>
-          <a:p>
-            <a:pPr algn="ctr"/>
-            <a:r>
-              <a:rPr lang="en-US" sz="7200" dirty="0"/>
-              <a:t>7E Bayesian workflow</a:t>
-            </a:r>
-            <a:endParaRPr lang="en-IL" sz="7200" dirty="0"/>
-          </a:p>
-        </p:txBody>
-      </p:sp>
-      <p:sp>
-        <p:nvSpPr>
-          <p:cNvPr id="5" name="Slide Number Placeholder 4">
-            <a:extLst>
-              <a:ext uri="{FF2B5EF4-FFF2-40B4-BE49-F238E27FC236}">
-                <a16:creationId xmlns:a16="http://schemas.microsoft.com/office/drawing/2014/main" id="{E3C00C3A-C1CA-E947-7588-1EB9E77DA336}"/>
+                <a16:creationId xmlns:a16="http://schemas.microsoft.com/office/drawing/2014/main" id="{2A27A45A-25A0-D490-53C4-9AA2A9A4B762}"/>
               </a:ext>
             </a:extLst>
           </p:cNvPr>
@@ -14882,158 +17548,1938 @@
           <a:bodyPr/>
           <a:lstStyle/>
           <a:p>
-            <a:pPr>
-              <a:defRPr/>
-            </a:pPr>
-            <a:fld id="{3469EAC8-EFAD-49DA-A425-6225312A328A}" type="slidenum">
-              <a:rPr lang="he-IL" altLang="en-US" smtClean="0"/>
-              <a:pPr>
-                <a:defRPr/>
-              </a:pPr>
-              <a:t>27</a:t>
+            <a:fld id="{E0DC7AD3-7C2E-418B-8082-788996B615FB}" type="slidenum">
+              <a:rPr lang="en-GB" smtClean="0"/>
+              <a:t>28</a:t>
             </a:fld>
-            <a:r>
-              <a:rPr lang="en-US" altLang="en-US"/>
-              <a:t> /  72</a:t>
-            </a:r>
-          </a:p>
-        </p:txBody>
-      </p:sp>
-    </p:spTree>
-    <p:extLst>
-      <p:ext uri="{BB962C8B-B14F-4D97-AF65-F5344CB8AC3E}">
-        <p14:creationId xmlns:p14="http://schemas.microsoft.com/office/powerpoint/2010/main" val="2161218643"/>
-      </p:ext>
-    </p:extLst>
-  </p:cSld>
-  <p:clrMapOvr>
-    <a:masterClrMapping/>
-  </p:clrMapOvr>
-</p:sld>
-</file>
-
-<file path=ppt/slides/slide28.xml><?xml version="1.0" encoding="utf-8"?>
-<p:sld xmlns:a="http://schemas.openxmlformats.org/drawingml/2006/main" xmlns:r="http://schemas.openxmlformats.org/officeDocument/2006/relationships" xmlns:p="http://schemas.openxmlformats.org/presentationml/2006/main">
-  <p:cSld>
-    <p:spTree>
-      <p:nvGrpSpPr>
-        <p:cNvPr id="1" name="">
-          <a:extLst>
-            <a:ext uri="{FF2B5EF4-FFF2-40B4-BE49-F238E27FC236}">
-              <a16:creationId xmlns:a16="http://schemas.microsoft.com/office/drawing/2014/main" id="{09A52179-995B-4602-2812-322A0F1C5360}"/>
-            </a:ext>
-          </a:extLst>
-        </p:cNvPr>
-        <p:cNvGrpSpPr/>
-        <p:nvPr/>
-      </p:nvGrpSpPr>
-      <p:grpSpPr>
-        <a:xfrm>
-          <a:off x="0" y="0"/>
-          <a:ext cx="0" cy="0"/>
-          <a:chOff x="0" y="0"/>
-          <a:chExt cx="0" cy="0"/>
-        </a:xfrm>
-      </p:grpSpPr>
-      <p:sp>
-        <p:nvSpPr>
-          <p:cNvPr id="6" name="Title 5">
-            <a:extLst>
-              <a:ext uri="{FF2B5EF4-FFF2-40B4-BE49-F238E27FC236}">
-                <a16:creationId xmlns:a16="http://schemas.microsoft.com/office/drawing/2014/main" id="{7F7C16F8-7B61-2FED-CE9A-D18B665BAD4C}"/>
-              </a:ext>
-            </a:extLst>
-          </p:cNvPr>
-          <p:cNvSpPr>
-            <a:spLocks noGrp="1"/>
-          </p:cNvSpPr>
-          <p:nvPr>
-            <p:ph type="title"/>
-          </p:nvPr>
-        </p:nvSpPr>
-        <p:spPr/>
-        <p:txBody>
-          <a:bodyPr/>
-          <a:lstStyle/>
-          <a:p>
-            <a:endParaRPr lang="en-IL"/>
+            <a:endParaRPr lang="en-GB"/>
           </a:p>
         </p:txBody>
       </p:sp>
       <p:sp>
         <p:nvSpPr>
-          <p:cNvPr id="7" name="Text Placeholder 6">
+          <p:cNvPr id="7" name="TextBox 6">
             <a:extLst>
               <a:ext uri="{FF2B5EF4-FFF2-40B4-BE49-F238E27FC236}">
-                <a16:creationId xmlns:a16="http://schemas.microsoft.com/office/drawing/2014/main" id="{81042FCE-4514-A001-08BB-6FC0FB8190EB}"/>
+                <a16:creationId xmlns:a16="http://schemas.microsoft.com/office/drawing/2014/main" id="{95E72BC4-A7D3-D087-9A99-55A6C386872E}"/>
               </a:ext>
             </a:extLst>
           </p:cNvPr>
-          <p:cNvSpPr>
-            <a:spLocks noGrp="1"/>
-          </p:cNvSpPr>
-          <p:nvPr>
-            <p:ph type="body" idx="1"/>
-          </p:nvPr>
+          <p:cNvSpPr txBox="1"/>
+          <p:nvPr/>
         </p:nvSpPr>
-        <p:spPr/>
+        <p:spPr>
+          <a:xfrm>
+            <a:off x="389554" y="1104584"/>
+            <a:ext cx="1047338" cy="461665"/>
+          </a:xfrm>
+          <a:prstGeom prst="rect">
+            <a:avLst/>
+          </a:prstGeom>
+          <a:noFill/>
+        </p:spPr>
         <p:txBody>
-          <a:bodyPr>
-            <a:normAutofit/>
+          <a:bodyPr wrap="none" rtlCol="0">
+            <a:spAutoFit/>
           </a:bodyPr>
           <a:lstStyle/>
           <a:p>
-            <a:pPr algn="ctr"/>
-            <a:r>
-              <a:rPr lang="en-US" sz="7200" dirty="0"/>
-              <a:t>7F Hierarchical regression</a:t>
-            </a:r>
-            <a:endParaRPr lang="en-IL" sz="7200" dirty="0"/>
+            <a:r>
+              <a:rPr lang="en-US" sz="2400" dirty="0"/>
+              <a:t>Pooled</a:t>
+            </a:r>
+            <a:endParaRPr lang="en-IL" sz="2400" dirty="0"/>
           </a:p>
         </p:txBody>
       </p:sp>
       <p:sp>
         <p:nvSpPr>
-          <p:cNvPr id="5" name="Slide Number Placeholder 4">
+          <p:cNvPr id="8" name="TextBox 7">
             <a:extLst>
               <a:ext uri="{FF2B5EF4-FFF2-40B4-BE49-F238E27FC236}">
-                <a16:creationId xmlns:a16="http://schemas.microsoft.com/office/drawing/2014/main" id="{DB55A08E-1BB7-C0DD-C6AC-C10B2EAA5C96}"/>
+                <a16:creationId xmlns:a16="http://schemas.microsoft.com/office/drawing/2014/main" id="{82B786AA-AD30-3D2B-2F6E-2EFC13A9F2AC}"/>
               </a:ext>
             </a:extLst>
           </p:cNvPr>
-          <p:cNvSpPr>
-            <a:spLocks noGrp="1"/>
-          </p:cNvSpPr>
-          <p:nvPr>
-            <p:ph type="sldNum" sz="quarter" idx="12"/>
-          </p:nvPr>
+          <p:cNvSpPr txBox="1"/>
+          <p:nvPr/>
         </p:nvSpPr>
-        <p:spPr/>
+        <p:spPr>
+          <a:xfrm>
+            <a:off x="5837075" y="1194225"/>
+            <a:ext cx="1415772" cy="461665"/>
+          </a:xfrm>
+          <a:prstGeom prst="rect">
+            <a:avLst/>
+          </a:prstGeom>
+          <a:noFill/>
+        </p:spPr>
         <p:txBody>
-          <a:bodyPr/>
+          <a:bodyPr wrap="none" rtlCol="0">
+            <a:spAutoFit/>
+          </a:bodyPr>
           <a:lstStyle/>
           <a:p>
-            <a:pPr>
-              <a:defRPr/>
-            </a:pPr>
-            <a:fld id="{3469EAC8-EFAD-49DA-A425-6225312A328A}" type="slidenum">
-              <a:rPr lang="he-IL" altLang="en-US" smtClean="0"/>
-              <a:pPr>
-                <a:defRPr/>
-              </a:pPr>
-              <a:t>28</a:t>
-            </a:fld>
-            <a:r>
-              <a:rPr lang="en-US" altLang="en-US"/>
-              <a:t> /  72</a:t>
-            </a:r>
+            <a:r>
+              <a:rPr lang="en-US" sz="2400" dirty="0" err="1"/>
+              <a:t>Unpooled</a:t>
+            </a:r>
+            <a:endParaRPr lang="en-IL" sz="2400" dirty="0"/>
           </a:p>
         </p:txBody>
       </p:sp>
+      <mc:AlternateContent xmlns:mc="http://schemas.openxmlformats.org/markup-compatibility/2006">
+        <mc:Choice xmlns:a14="http://schemas.microsoft.com/office/drawing/2010/main" Requires="a14">
+          <p:sp>
+            <p:nvSpPr>
+              <p:cNvPr id="11" name="TextBox 10">
+                <a:extLst>
+                  <a:ext uri="{FF2B5EF4-FFF2-40B4-BE49-F238E27FC236}">
+                    <a16:creationId xmlns:a16="http://schemas.microsoft.com/office/drawing/2014/main" id="{AF831A5F-48C5-BAC2-50E2-F2DFC12873BD}"/>
+                  </a:ext>
+                </a:extLst>
+              </p:cNvPr>
+              <p:cNvSpPr txBox="1"/>
+              <p:nvPr/>
+            </p:nvSpPr>
+            <p:spPr>
+              <a:xfrm>
+                <a:off x="389554" y="1689278"/>
+                <a:ext cx="4764702" cy="646331"/>
+              </a:xfrm>
+              <a:prstGeom prst="rect">
+                <a:avLst/>
+              </a:prstGeom>
+              <a:noFill/>
+            </p:spPr>
+            <p:txBody>
+              <a:bodyPr wrap="none" rtlCol="0">
+                <a:spAutoFit/>
+              </a:bodyPr>
+              <a:lstStyle/>
+              <a:p>
+                <a:r>
+                  <a:rPr lang="en-US" dirty="0"/>
+                  <a:t>This model is like having many </a:t>
+                </a:r>
+                <a14:m>
+                  <m:oMath xmlns:m="http://schemas.openxmlformats.org/officeDocument/2006/math">
+                    <m:r>
+                      <a:rPr lang="en-US" b="0" i="1" smtClean="0">
+                        <a:latin typeface="Cambria Math" panose="02040503050406030204" pitchFamily="18" charset="0"/>
+                      </a:rPr>
+                      <m:t>𝜇</m:t>
+                    </m:r>
+                  </m:oMath>
+                </a14:m>
+                <a:r>
+                  <a:rPr lang="en-US" dirty="0"/>
+                  <a:t> but all the same</a:t>
+                </a:r>
+              </a:p>
+              <a:p>
+                <a:r>
+                  <a:rPr lang="en-US" dirty="0"/>
+                  <a:t>All equal to the mean of the data</a:t>
+                </a:r>
+                <a:endParaRPr lang="en-IL" dirty="0"/>
+              </a:p>
+            </p:txBody>
+          </p:sp>
+        </mc:Choice>
+        <mc:Fallback>
+          <p:sp>
+            <p:nvSpPr>
+              <p:cNvPr id="11" name="TextBox 10">
+                <a:extLst>
+                  <a:ext uri="{FF2B5EF4-FFF2-40B4-BE49-F238E27FC236}">
+                    <a16:creationId xmlns:a16="http://schemas.microsoft.com/office/drawing/2014/main" id="{AF831A5F-48C5-BAC2-50E2-F2DFC12873BD}"/>
+                  </a:ext>
+                </a:extLst>
+              </p:cNvPr>
+              <p:cNvSpPr txBox="1">
+                <a:spLocks noRot="1" noChangeAspect="1" noMove="1" noResize="1" noEditPoints="1" noAdjustHandles="1" noChangeArrowheads="1" noChangeShapeType="1" noTextEdit="1"/>
+              </p:cNvSpPr>
+              <p:nvPr/>
+            </p:nvSpPr>
+            <p:spPr>
+              <a:xfrm>
+                <a:off x="389554" y="1689278"/>
+                <a:ext cx="4764702" cy="646331"/>
+              </a:xfrm>
+              <a:prstGeom prst="rect">
+                <a:avLst/>
+              </a:prstGeom>
+              <a:blipFill>
+                <a:blip r:embed="rId3"/>
+                <a:stretch>
+                  <a:fillRect l="-1151" t="-4717" r="-128" b="-14151"/>
+                </a:stretch>
+              </a:blipFill>
+            </p:spPr>
+            <p:txBody>
+              <a:bodyPr/>
+              <a:lstStyle/>
+              <a:p>
+                <a:r>
+                  <a:rPr lang="en-IL">
+                    <a:noFill/>
+                  </a:rPr>
+                  <a:t> </a:t>
+                </a:r>
+              </a:p>
+            </p:txBody>
+          </p:sp>
+        </mc:Fallback>
+      </mc:AlternateContent>
+      <p:graphicFrame>
+        <p:nvGraphicFramePr>
+          <p:cNvPr id="12" name="Object 11">
+            <a:extLst>
+              <a:ext uri="{FF2B5EF4-FFF2-40B4-BE49-F238E27FC236}">
+                <a16:creationId xmlns:a16="http://schemas.microsoft.com/office/drawing/2014/main" id="{6B8BA77E-D24C-79BD-791C-E62049F4EEF2}"/>
+              </a:ext>
+            </a:extLst>
+          </p:cNvPr>
+          <p:cNvGraphicFramePr>
+            <a:graphicFrameLocks noChangeAspect="1"/>
+          </p:cNvGraphicFramePr>
+          <p:nvPr>
+            <p:extLst>
+              <p:ext uri="{D42A27DB-BD31-4B8C-83A1-F6EECF244321}">
+                <p14:modId xmlns:p14="http://schemas.microsoft.com/office/powerpoint/2010/main" val="979443057"/>
+              </p:ext>
+            </p:extLst>
+          </p:nvPr>
+        </p:nvGraphicFramePr>
+        <p:xfrm>
+          <a:off x="1030288" y="2509565"/>
+          <a:ext cx="1347787" cy="841375"/>
+        </p:xfrm>
+        <a:graphic>
+          <a:graphicData uri="http://schemas.openxmlformats.org/presentationml/2006/ole">
+            <mc:AlternateContent xmlns:mc="http://schemas.openxmlformats.org/markup-compatibility/2006">
+              <mc:Choice xmlns:v="urn:schemas-microsoft-com:vml" Requires="v">
+                <p:oleObj name="Equation" r:id="rId4" imgW="812520" imgH="507960" progId="Equation.DSMT4">
+                  <p:embed/>
+                </p:oleObj>
+              </mc:Choice>
+              <mc:Fallback>
+                <p:oleObj name="Equation" r:id="rId4" imgW="812520" imgH="507960" progId="Equation.DSMT4">
+                  <p:embed/>
+                  <p:pic>
+                    <p:nvPicPr>
+                      <p:cNvPr id="12" name="Object 11">
+                        <a:extLst>
+                          <a:ext uri="{FF2B5EF4-FFF2-40B4-BE49-F238E27FC236}">
+                            <a16:creationId xmlns:a16="http://schemas.microsoft.com/office/drawing/2014/main" id="{8E1B4E0F-A25B-6546-9009-A008B36C5EE8}"/>
+                          </a:ext>
+                        </a:extLst>
+                      </p:cNvPr>
+                      <p:cNvPicPr/>
+                      <p:nvPr/>
+                    </p:nvPicPr>
+                    <p:blipFill>
+                      <a:blip r:embed="rId5"/>
+                      <a:stretch>
+                        <a:fillRect/>
+                      </a:stretch>
+                    </p:blipFill>
+                    <p:spPr>
+                      <a:xfrm>
+                        <a:off x="1030288" y="2509565"/>
+                        <a:ext cx="1347787" cy="841375"/>
+                      </a:xfrm>
+                      <a:prstGeom prst="rect">
+                        <a:avLst/>
+                      </a:prstGeom>
+                    </p:spPr>
+                  </p:pic>
+                </p:oleObj>
+              </mc:Fallback>
+            </mc:AlternateContent>
+          </a:graphicData>
+        </a:graphic>
+      </p:graphicFrame>
+      <mc:AlternateContent xmlns:mc="http://schemas.openxmlformats.org/markup-compatibility/2006">
+        <mc:Choice xmlns:a14="http://schemas.microsoft.com/office/drawing/2010/main" Requires="a14">
+          <p:sp>
+            <p:nvSpPr>
+              <p:cNvPr id="13" name="TextBox 12">
+                <a:extLst>
+                  <a:ext uri="{FF2B5EF4-FFF2-40B4-BE49-F238E27FC236}">
+                    <a16:creationId xmlns:a16="http://schemas.microsoft.com/office/drawing/2014/main" id="{34DA8AF2-AC30-23F5-17A5-8AC1D74C00DC}"/>
+                  </a:ext>
+                </a:extLst>
+              </p:cNvPr>
+              <p:cNvSpPr txBox="1"/>
+              <p:nvPr/>
+            </p:nvSpPr>
+            <p:spPr>
+              <a:xfrm>
+                <a:off x="6096000" y="1718335"/>
+                <a:ext cx="4761688" cy="646331"/>
+              </a:xfrm>
+              <a:prstGeom prst="rect">
+                <a:avLst/>
+              </a:prstGeom>
+              <a:noFill/>
+            </p:spPr>
+            <p:txBody>
+              <a:bodyPr wrap="none" rtlCol="0">
+                <a:spAutoFit/>
+              </a:bodyPr>
+              <a:lstStyle/>
+              <a:p>
+                <a:r>
+                  <a:rPr lang="en-US" dirty="0"/>
+                  <a:t>In this model there is a broad prior</a:t>
+                </a:r>
+              </a:p>
+              <a:p>
+                <a14:m>
+                  <m:oMath xmlns:m="http://schemas.openxmlformats.org/officeDocument/2006/math">
+                    <m:r>
+                      <a:rPr lang="en-US" i="1">
+                        <a:latin typeface="Cambria Math" panose="02040503050406030204" pitchFamily="18" charset="0"/>
+                      </a:rPr>
+                      <m:t>𝜇</m:t>
+                    </m:r>
+                  </m:oMath>
+                </a14:m>
+                <a:r>
+                  <a:rPr lang="en-US" dirty="0"/>
+                  <a:t> is the dominated by the likelihood for its group</a:t>
+                </a:r>
+              </a:p>
+            </p:txBody>
+          </p:sp>
+        </mc:Choice>
+        <mc:Fallback>
+          <p:sp>
+            <p:nvSpPr>
+              <p:cNvPr id="13" name="TextBox 12">
+                <a:extLst>
+                  <a:ext uri="{FF2B5EF4-FFF2-40B4-BE49-F238E27FC236}">
+                    <a16:creationId xmlns:a16="http://schemas.microsoft.com/office/drawing/2014/main" id="{34DA8AF2-AC30-23F5-17A5-8AC1D74C00DC}"/>
+                  </a:ext>
+                </a:extLst>
+              </p:cNvPr>
+              <p:cNvSpPr txBox="1">
+                <a:spLocks noRot="1" noChangeAspect="1" noMove="1" noResize="1" noEditPoints="1" noAdjustHandles="1" noChangeArrowheads="1" noChangeShapeType="1" noTextEdit="1"/>
+              </p:cNvSpPr>
+              <p:nvPr/>
+            </p:nvSpPr>
+            <p:spPr>
+              <a:xfrm>
+                <a:off x="6096000" y="1718335"/>
+                <a:ext cx="4761688" cy="646331"/>
+              </a:xfrm>
+              <a:prstGeom prst="rect">
+                <a:avLst/>
+              </a:prstGeom>
+              <a:blipFill>
+                <a:blip r:embed="rId6"/>
+                <a:stretch>
+                  <a:fillRect l="-1024" t="-5660" r="-128" b="-14151"/>
+                </a:stretch>
+              </a:blipFill>
+            </p:spPr>
+            <p:txBody>
+              <a:bodyPr/>
+              <a:lstStyle/>
+              <a:p>
+                <a:r>
+                  <a:rPr lang="en-IL">
+                    <a:noFill/>
+                  </a:rPr>
+                  <a:t> </a:t>
+                </a:r>
+              </a:p>
+            </p:txBody>
+          </p:sp>
+        </mc:Fallback>
+      </mc:AlternateContent>
+      <p:graphicFrame>
+        <p:nvGraphicFramePr>
+          <p:cNvPr id="14" name="Object 13">
+            <a:extLst>
+              <a:ext uri="{FF2B5EF4-FFF2-40B4-BE49-F238E27FC236}">
+                <a16:creationId xmlns:a16="http://schemas.microsoft.com/office/drawing/2014/main" id="{5E75C8D5-162F-465E-2E7C-80D1AEACEFDA}"/>
+              </a:ext>
+            </a:extLst>
+          </p:cNvPr>
+          <p:cNvGraphicFramePr>
+            <a:graphicFrameLocks noChangeAspect="1"/>
+          </p:cNvGraphicFramePr>
+          <p:nvPr>
+            <p:extLst>
+              <p:ext uri="{D42A27DB-BD31-4B8C-83A1-F6EECF244321}">
+                <p14:modId xmlns:p14="http://schemas.microsoft.com/office/powerpoint/2010/main" val="737962479"/>
+              </p:ext>
+            </p:extLst>
+          </p:nvPr>
+        </p:nvGraphicFramePr>
+        <p:xfrm>
+          <a:off x="6818474" y="2427111"/>
+          <a:ext cx="2967038" cy="1135062"/>
+        </p:xfrm>
+        <a:graphic>
+          <a:graphicData uri="http://schemas.openxmlformats.org/presentationml/2006/ole">
+            <mc:AlternateContent xmlns:mc="http://schemas.openxmlformats.org/markup-compatibility/2006">
+              <mc:Choice xmlns:v="urn:schemas-microsoft-com:vml" Requires="v">
+                <p:oleObj name="Equation" r:id="rId7" imgW="1790640" imgH="685800" progId="Equation.DSMT4">
+                  <p:embed/>
+                </p:oleObj>
+              </mc:Choice>
+              <mc:Fallback>
+                <p:oleObj name="Equation" r:id="rId7" imgW="1790640" imgH="685800" progId="Equation.DSMT4">
+                  <p:embed/>
+                  <p:pic>
+                    <p:nvPicPr>
+                      <p:cNvPr id="14" name="Object 13">
+                        <a:extLst>
+                          <a:ext uri="{FF2B5EF4-FFF2-40B4-BE49-F238E27FC236}">
+                            <a16:creationId xmlns:a16="http://schemas.microsoft.com/office/drawing/2014/main" id="{4E8F8532-25BB-0FDA-48B4-8F64EEA5EDFB}"/>
+                          </a:ext>
+                        </a:extLst>
+                      </p:cNvPr>
+                      <p:cNvPicPr/>
+                      <p:nvPr/>
+                    </p:nvPicPr>
+                    <p:blipFill>
+                      <a:blip r:embed="rId8"/>
+                      <a:stretch>
+                        <a:fillRect/>
+                      </a:stretch>
+                    </p:blipFill>
+                    <p:spPr>
+                      <a:xfrm>
+                        <a:off x="6818474" y="2427111"/>
+                        <a:ext cx="2967038" cy="1135062"/>
+                      </a:xfrm>
+                      <a:prstGeom prst="rect">
+                        <a:avLst/>
+                      </a:prstGeom>
+                    </p:spPr>
+                  </p:pic>
+                </p:oleObj>
+              </mc:Fallback>
+            </mc:AlternateContent>
+          </a:graphicData>
+        </a:graphic>
+      </p:graphicFrame>
+      <p:sp>
+        <p:nvSpPr>
+          <p:cNvPr id="6" name="TextBox 5">
+            <a:extLst>
+              <a:ext uri="{FF2B5EF4-FFF2-40B4-BE49-F238E27FC236}">
+                <a16:creationId xmlns:a16="http://schemas.microsoft.com/office/drawing/2014/main" id="{8AA039B3-E320-B103-DF7A-34F525F1BB37}"/>
+              </a:ext>
+            </a:extLst>
+          </p:cNvPr>
+          <p:cNvSpPr txBox="1"/>
+          <p:nvPr/>
+        </p:nvSpPr>
+        <p:spPr>
+          <a:xfrm>
+            <a:off x="389554" y="4112178"/>
+            <a:ext cx="6428920" cy="2246769"/>
+          </a:xfrm>
+          <a:prstGeom prst="rect">
+            <a:avLst/>
+          </a:prstGeom>
+          <a:noFill/>
+        </p:spPr>
+        <p:txBody>
+          <a:bodyPr wrap="square">
+            <a:spAutoFit/>
+          </a:bodyPr>
+          <a:lstStyle/>
+          <a:p>
+            <a:pPr>
+              <a:buNone/>
+            </a:pPr>
+            <a:r>
+              <a:rPr lang="en-US" sz="1400" b="0" dirty="0">
+                <a:solidFill>
+                  <a:srgbClr val="AF00DB"/>
+                </a:solidFill>
+                <a:effectLst/>
+                <a:latin typeface="Consolas" panose="020B0609020204030204" pitchFamily="49" charset="0"/>
+              </a:rPr>
+              <a:t>with</a:t>
+            </a:r>
+            <a:r>
+              <a:rPr lang="en-US" sz="1400" b="0" dirty="0">
+                <a:solidFill>
+                  <a:srgbClr val="3B3B3B"/>
+                </a:solidFill>
+                <a:effectLst/>
+                <a:latin typeface="Consolas" panose="020B0609020204030204" pitchFamily="49" charset="0"/>
+              </a:rPr>
+              <a:t> </a:t>
+            </a:r>
+            <a:r>
+              <a:rPr lang="en-US" sz="1400" b="0" dirty="0" err="1">
+                <a:solidFill>
+                  <a:srgbClr val="267F99"/>
+                </a:solidFill>
+                <a:effectLst/>
+                <a:latin typeface="Consolas" panose="020B0609020204030204" pitchFamily="49" charset="0"/>
+              </a:rPr>
+              <a:t>pm</a:t>
+            </a:r>
+            <a:r>
+              <a:rPr lang="en-US" sz="1400" b="0" dirty="0" err="1">
+                <a:solidFill>
+                  <a:srgbClr val="3B3B3B"/>
+                </a:solidFill>
+                <a:effectLst/>
+                <a:latin typeface="Consolas" panose="020B0609020204030204" pitchFamily="49" charset="0"/>
+              </a:rPr>
+              <a:t>.</a:t>
+            </a:r>
+            <a:r>
+              <a:rPr lang="en-US" sz="1400" b="0" dirty="0" err="1">
+                <a:solidFill>
+                  <a:srgbClr val="267F99"/>
+                </a:solidFill>
+                <a:effectLst/>
+                <a:latin typeface="Consolas" panose="020B0609020204030204" pitchFamily="49" charset="0"/>
+              </a:rPr>
+              <a:t>Model</a:t>
+            </a:r>
+            <a:r>
+              <a:rPr lang="en-US" sz="1400" b="0" dirty="0">
+                <a:solidFill>
+                  <a:srgbClr val="3B3B3B"/>
+                </a:solidFill>
+                <a:effectLst/>
+                <a:latin typeface="Consolas" panose="020B0609020204030204" pitchFamily="49" charset="0"/>
+              </a:rPr>
+              <a:t>(</a:t>
+            </a:r>
+            <a:r>
+              <a:rPr lang="en-US" sz="1400" b="0" dirty="0">
+                <a:solidFill>
+                  <a:srgbClr val="001080"/>
+                </a:solidFill>
+                <a:effectLst/>
+                <a:latin typeface="Consolas" panose="020B0609020204030204" pitchFamily="49" charset="0"/>
+              </a:rPr>
+              <a:t>coords</a:t>
+            </a:r>
+            <a:r>
+              <a:rPr lang="en-US" sz="1400" b="0" dirty="0">
+                <a:solidFill>
+                  <a:srgbClr val="000000"/>
+                </a:solidFill>
+                <a:effectLst/>
+                <a:latin typeface="Consolas" panose="020B0609020204030204" pitchFamily="49" charset="0"/>
+              </a:rPr>
+              <a:t>=</a:t>
+            </a:r>
+            <a:r>
+              <a:rPr lang="en-US" sz="1400" b="0" dirty="0">
+                <a:solidFill>
+                  <a:srgbClr val="001080"/>
+                </a:solidFill>
+                <a:effectLst/>
+                <a:latin typeface="Consolas" panose="020B0609020204030204" pitchFamily="49" charset="0"/>
+              </a:rPr>
+              <a:t>coords</a:t>
+            </a:r>
+            <a:r>
+              <a:rPr lang="en-US" sz="1400" b="0" dirty="0">
+                <a:solidFill>
+                  <a:srgbClr val="3B3B3B"/>
+                </a:solidFill>
+                <a:effectLst/>
+                <a:latin typeface="Consolas" panose="020B0609020204030204" pitchFamily="49" charset="0"/>
+              </a:rPr>
+              <a:t>) </a:t>
+            </a:r>
+            <a:r>
+              <a:rPr lang="en-US" sz="1400" b="0" dirty="0">
+                <a:solidFill>
+                  <a:srgbClr val="AF00DB"/>
+                </a:solidFill>
+                <a:effectLst/>
+                <a:latin typeface="Consolas" panose="020B0609020204030204" pitchFamily="49" charset="0"/>
+              </a:rPr>
+              <a:t>as</a:t>
+            </a:r>
+            <a:r>
+              <a:rPr lang="en-US" sz="1400" b="0" dirty="0">
+                <a:solidFill>
+                  <a:srgbClr val="3B3B3B"/>
+                </a:solidFill>
+                <a:effectLst/>
+                <a:latin typeface="Consolas" panose="020B0609020204030204" pitchFamily="49" charset="0"/>
+              </a:rPr>
+              <a:t> </a:t>
+            </a:r>
+            <a:r>
+              <a:rPr lang="en-US" sz="1400" b="0" dirty="0" err="1">
+                <a:solidFill>
+                  <a:srgbClr val="001080"/>
+                </a:solidFill>
+                <a:effectLst/>
+                <a:latin typeface="Consolas" panose="020B0609020204030204" pitchFamily="49" charset="0"/>
+              </a:rPr>
+              <a:t>cs_h</a:t>
+            </a:r>
+            <a:r>
+              <a:rPr lang="en-US" sz="1400" b="0" dirty="0">
+                <a:solidFill>
+                  <a:srgbClr val="3B3B3B"/>
+                </a:solidFill>
+                <a:effectLst/>
+                <a:latin typeface="Consolas" panose="020B0609020204030204" pitchFamily="49" charset="0"/>
+              </a:rPr>
+              <a:t>:</a:t>
+            </a:r>
+          </a:p>
+          <a:p>
+            <a:pPr>
+              <a:buNone/>
+            </a:pPr>
+            <a:r>
+              <a:rPr lang="en-US" sz="1400" b="0" dirty="0">
+                <a:solidFill>
+                  <a:srgbClr val="3B3B3B"/>
+                </a:solidFill>
+                <a:effectLst/>
+                <a:latin typeface="Consolas" panose="020B0609020204030204" pitchFamily="49" charset="0"/>
+              </a:rPr>
+              <a:t>    </a:t>
+            </a:r>
+            <a:r>
+              <a:rPr lang="en-US" sz="1400" b="0" dirty="0">
+                <a:solidFill>
+                  <a:srgbClr val="008000"/>
+                </a:solidFill>
+                <a:effectLst/>
+                <a:latin typeface="Consolas" panose="020B0609020204030204" pitchFamily="49" charset="0"/>
+              </a:rPr>
+              <a:t># </a:t>
+            </a:r>
+            <a:r>
+              <a:rPr lang="en-US" sz="1400" b="0" dirty="0" err="1">
+                <a:solidFill>
+                  <a:srgbClr val="008000"/>
+                </a:solidFill>
+                <a:effectLst/>
+                <a:latin typeface="Consolas" panose="020B0609020204030204" pitchFamily="49" charset="0"/>
+              </a:rPr>
+              <a:t>hyper_priors</a:t>
+            </a:r>
+            <a:endParaRPr lang="en-US" sz="1400" b="0" dirty="0">
+              <a:solidFill>
+                <a:srgbClr val="3B3B3B"/>
+              </a:solidFill>
+              <a:effectLst/>
+              <a:latin typeface="Consolas" panose="020B0609020204030204" pitchFamily="49" charset="0"/>
+            </a:endParaRPr>
+          </a:p>
+          <a:p>
+            <a:pPr>
+              <a:buNone/>
+            </a:pPr>
+            <a:r>
+              <a:rPr lang="en-US" sz="1400" b="0" dirty="0">
+                <a:solidFill>
+                  <a:srgbClr val="3B3B3B"/>
+                </a:solidFill>
+                <a:effectLst/>
+                <a:latin typeface="Consolas" panose="020B0609020204030204" pitchFamily="49" charset="0"/>
+              </a:rPr>
+              <a:t>    </a:t>
+            </a:r>
+            <a:r>
+              <a:rPr lang="el-GR" sz="1400" b="0" dirty="0">
+                <a:solidFill>
+                  <a:srgbClr val="001080"/>
+                </a:solidFill>
+                <a:effectLst/>
+                <a:latin typeface="Consolas" panose="020B0609020204030204" pitchFamily="49" charset="0"/>
+              </a:rPr>
+              <a:t>μ_μ</a:t>
+            </a:r>
+            <a:r>
+              <a:rPr lang="el-GR" sz="1400" b="0" dirty="0">
+                <a:solidFill>
+                  <a:srgbClr val="3B3B3B"/>
+                </a:solidFill>
+                <a:effectLst/>
+                <a:latin typeface="Consolas" panose="020B0609020204030204" pitchFamily="49" charset="0"/>
+              </a:rPr>
+              <a:t> </a:t>
+            </a:r>
+            <a:r>
+              <a:rPr lang="el-GR" sz="1400" b="0" dirty="0">
+                <a:solidFill>
+                  <a:srgbClr val="000000"/>
+                </a:solidFill>
+                <a:effectLst/>
+                <a:latin typeface="Consolas" panose="020B0609020204030204" pitchFamily="49" charset="0"/>
+              </a:rPr>
+              <a:t>=</a:t>
+            </a:r>
+            <a:r>
+              <a:rPr lang="el-GR" sz="1400" b="0" dirty="0">
+                <a:solidFill>
+                  <a:srgbClr val="3B3B3B"/>
+                </a:solidFill>
+                <a:effectLst/>
+                <a:latin typeface="Consolas" panose="020B0609020204030204" pitchFamily="49" charset="0"/>
+              </a:rPr>
+              <a:t> </a:t>
+            </a:r>
+            <a:r>
+              <a:rPr lang="en-US" sz="1400" b="0" dirty="0" err="1">
+                <a:solidFill>
+                  <a:srgbClr val="267F99"/>
+                </a:solidFill>
+                <a:effectLst/>
+                <a:latin typeface="Consolas" panose="020B0609020204030204" pitchFamily="49" charset="0"/>
+              </a:rPr>
+              <a:t>pm</a:t>
+            </a:r>
+            <a:r>
+              <a:rPr lang="en-US" sz="1400" b="0" dirty="0" err="1">
+                <a:solidFill>
+                  <a:srgbClr val="3B3B3B"/>
+                </a:solidFill>
+                <a:effectLst/>
+                <a:latin typeface="Consolas" panose="020B0609020204030204" pitchFamily="49" charset="0"/>
+              </a:rPr>
+              <a:t>.</a:t>
+            </a:r>
+            <a:r>
+              <a:rPr lang="en-US" sz="1400" b="0" dirty="0" err="1">
+                <a:solidFill>
+                  <a:srgbClr val="267F99"/>
+                </a:solidFill>
+                <a:effectLst/>
+                <a:latin typeface="Consolas" panose="020B0609020204030204" pitchFamily="49" charset="0"/>
+              </a:rPr>
+              <a:t>Normal</a:t>
+            </a:r>
+            <a:r>
+              <a:rPr lang="en-US" sz="1400" b="0" dirty="0">
+                <a:solidFill>
+                  <a:srgbClr val="3B3B3B"/>
+                </a:solidFill>
+                <a:effectLst/>
+                <a:latin typeface="Consolas" panose="020B0609020204030204" pitchFamily="49" charset="0"/>
+              </a:rPr>
+              <a:t>(</a:t>
+            </a:r>
+            <a:r>
+              <a:rPr lang="en-US" sz="1400" b="0" dirty="0">
+                <a:solidFill>
+                  <a:srgbClr val="A31515"/>
+                </a:solidFill>
+                <a:effectLst/>
+                <a:latin typeface="Consolas" panose="020B0609020204030204" pitchFamily="49" charset="0"/>
+              </a:rPr>
+              <a:t>'</a:t>
+            </a:r>
+            <a:r>
+              <a:rPr lang="el-GR" sz="1400" b="0" dirty="0">
+                <a:solidFill>
+                  <a:srgbClr val="A31515"/>
+                </a:solidFill>
+                <a:effectLst/>
+                <a:latin typeface="Consolas" panose="020B0609020204030204" pitchFamily="49" charset="0"/>
+              </a:rPr>
+              <a:t>μ_μ'</a:t>
+            </a:r>
+            <a:r>
+              <a:rPr lang="el-GR" sz="1400" b="0" dirty="0">
+                <a:solidFill>
+                  <a:srgbClr val="3B3B3B"/>
+                </a:solidFill>
+                <a:effectLst/>
+                <a:latin typeface="Consolas" panose="020B0609020204030204" pitchFamily="49" charset="0"/>
+              </a:rPr>
+              <a:t>, </a:t>
+            </a:r>
+            <a:r>
+              <a:rPr lang="en-US" sz="1400" b="0" dirty="0">
+                <a:solidFill>
+                  <a:srgbClr val="001080"/>
+                </a:solidFill>
+                <a:effectLst/>
+                <a:latin typeface="Consolas" panose="020B0609020204030204" pitchFamily="49" charset="0"/>
+              </a:rPr>
+              <a:t>mu</a:t>
+            </a:r>
+            <a:r>
+              <a:rPr lang="en-US" sz="1400" b="0" dirty="0">
+                <a:solidFill>
+                  <a:srgbClr val="000000"/>
+                </a:solidFill>
+                <a:effectLst/>
+                <a:latin typeface="Consolas" panose="020B0609020204030204" pitchFamily="49" charset="0"/>
+              </a:rPr>
+              <a:t>=</a:t>
+            </a:r>
+            <a:r>
+              <a:rPr lang="el-GR" sz="1400" b="0" dirty="0">
+                <a:solidFill>
+                  <a:srgbClr val="001080"/>
+                </a:solidFill>
+                <a:effectLst/>
+                <a:latin typeface="Consolas" panose="020B0609020204030204" pitchFamily="49" charset="0"/>
+              </a:rPr>
+              <a:t>μ_μμ</a:t>
+            </a:r>
+            <a:r>
+              <a:rPr lang="el-GR" sz="1400" b="0" dirty="0">
+                <a:solidFill>
+                  <a:srgbClr val="3B3B3B"/>
+                </a:solidFill>
+                <a:effectLst/>
+                <a:latin typeface="Consolas" panose="020B0609020204030204" pitchFamily="49" charset="0"/>
+              </a:rPr>
+              <a:t>, </a:t>
+            </a:r>
+            <a:r>
+              <a:rPr lang="en-US" sz="1400" b="0" dirty="0">
+                <a:solidFill>
+                  <a:srgbClr val="001080"/>
+                </a:solidFill>
+                <a:effectLst/>
+                <a:latin typeface="Consolas" panose="020B0609020204030204" pitchFamily="49" charset="0"/>
+              </a:rPr>
+              <a:t>sigma</a:t>
+            </a:r>
+            <a:r>
+              <a:rPr lang="en-US" sz="1400" b="0" dirty="0">
+                <a:solidFill>
+                  <a:srgbClr val="000000"/>
+                </a:solidFill>
+                <a:effectLst/>
+                <a:latin typeface="Consolas" panose="020B0609020204030204" pitchFamily="49" charset="0"/>
+              </a:rPr>
+              <a:t>=</a:t>
+            </a:r>
+            <a:r>
+              <a:rPr lang="el-GR" sz="1400" b="0" dirty="0">
+                <a:solidFill>
+                  <a:srgbClr val="001080"/>
+                </a:solidFill>
+                <a:effectLst/>
+                <a:latin typeface="Consolas" panose="020B0609020204030204" pitchFamily="49" charset="0"/>
+              </a:rPr>
+              <a:t>σ_μμ</a:t>
+            </a:r>
+            <a:r>
+              <a:rPr lang="el-GR" sz="1400" b="0" dirty="0">
+                <a:solidFill>
+                  <a:srgbClr val="3B3B3B"/>
+                </a:solidFill>
+                <a:effectLst/>
+                <a:latin typeface="Consolas" panose="020B0609020204030204" pitchFamily="49" charset="0"/>
+              </a:rPr>
+              <a:t>)</a:t>
+            </a:r>
+          </a:p>
+          <a:p>
+            <a:pPr>
+              <a:buNone/>
+            </a:pPr>
+            <a:r>
+              <a:rPr lang="el-GR" sz="1400" b="0" dirty="0">
+                <a:solidFill>
+                  <a:srgbClr val="3B3B3B"/>
+                </a:solidFill>
+                <a:effectLst/>
+                <a:latin typeface="Consolas" panose="020B0609020204030204" pitchFamily="49" charset="0"/>
+              </a:rPr>
+              <a:t>    </a:t>
+            </a:r>
+            <a:r>
+              <a:rPr lang="el-GR" sz="1400" b="0" dirty="0">
+                <a:solidFill>
+                  <a:srgbClr val="001080"/>
+                </a:solidFill>
+                <a:effectLst/>
+                <a:latin typeface="Consolas" panose="020B0609020204030204" pitchFamily="49" charset="0"/>
+              </a:rPr>
+              <a:t>σ_μ</a:t>
+            </a:r>
+            <a:r>
+              <a:rPr lang="el-GR" sz="1400" b="0" dirty="0">
+                <a:solidFill>
+                  <a:srgbClr val="3B3B3B"/>
+                </a:solidFill>
+                <a:effectLst/>
+                <a:latin typeface="Consolas" panose="020B0609020204030204" pitchFamily="49" charset="0"/>
+              </a:rPr>
+              <a:t> </a:t>
+            </a:r>
+            <a:r>
+              <a:rPr lang="el-GR" sz="1400" b="0" dirty="0">
+                <a:solidFill>
+                  <a:srgbClr val="000000"/>
+                </a:solidFill>
+                <a:effectLst/>
+                <a:latin typeface="Consolas" panose="020B0609020204030204" pitchFamily="49" charset="0"/>
+              </a:rPr>
+              <a:t>=</a:t>
+            </a:r>
+            <a:r>
+              <a:rPr lang="el-GR" sz="1400" b="0" dirty="0">
+                <a:solidFill>
+                  <a:srgbClr val="3B3B3B"/>
+                </a:solidFill>
+                <a:effectLst/>
+                <a:latin typeface="Consolas" panose="020B0609020204030204" pitchFamily="49" charset="0"/>
+              </a:rPr>
+              <a:t> </a:t>
+            </a:r>
+            <a:r>
+              <a:rPr lang="en-US" sz="1400" b="0" dirty="0" err="1">
+                <a:solidFill>
+                  <a:srgbClr val="267F99"/>
+                </a:solidFill>
+                <a:effectLst/>
+                <a:latin typeface="Consolas" panose="020B0609020204030204" pitchFamily="49" charset="0"/>
+              </a:rPr>
+              <a:t>pm</a:t>
+            </a:r>
+            <a:r>
+              <a:rPr lang="en-US" sz="1400" b="0" dirty="0" err="1">
+                <a:solidFill>
+                  <a:srgbClr val="3B3B3B"/>
+                </a:solidFill>
+                <a:effectLst/>
+                <a:latin typeface="Consolas" panose="020B0609020204030204" pitchFamily="49" charset="0"/>
+              </a:rPr>
+              <a:t>.</a:t>
+            </a:r>
+            <a:r>
+              <a:rPr lang="en-US" sz="1400" b="0" dirty="0" err="1">
+                <a:solidFill>
+                  <a:srgbClr val="267F99"/>
+                </a:solidFill>
+                <a:effectLst/>
+                <a:latin typeface="Consolas" panose="020B0609020204030204" pitchFamily="49" charset="0"/>
+              </a:rPr>
+              <a:t>HalfNormal</a:t>
+            </a:r>
+            <a:r>
+              <a:rPr lang="en-US" sz="1400" b="0" dirty="0">
+                <a:solidFill>
+                  <a:srgbClr val="3B3B3B"/>
+                </a:solidFill>
+                <a:effectLst/>
+                <a:latin typeface="Consolas" panose="020B0609020204030204" pitchFamily="49" charset="0"/>
+              </a:rPr>
+              <a:t>(</a:t>
+            </a:r>
+            <a:r>
+              <a:rPr lang="en-US" sz="1400" b="0" dirty="0">
+                <a:solidFill>
+                  <a:srgbClr val="A31515"/>
+                </a:solidFill>
+                <a:effectLst/>
+                <a:latin typeface="Consolas" panose="020B0609020204030204" pitchFamily="49" charset="0"/>
+              </a:rPr>
+              <a:t>'</a:t>
+            </a:r>
+            <a:r>
+              <a:rPr lang="el-GR" sz="1400" b="0" dirty="0">
+                <a:solidFill>
+                  <a:srgbClr val="A31515"/>
+                </a:solidFill>
+                <a:effectLst/>
+                <a:latin typeface="Consolas" panose="020B0609020204030204" pitchFamily="49" charset="0"/>
+              </a:rPr>
+              <a:t>σ_μ'</a:t>
+            </a:r>
+            <a:r>
+              <a:rPr lang="el-GR" sz="1400" b="0" dirty="0">
+                <a:solidFill>
+                  <a:srgbClr val="3B3B3B"/>
+                </a:solidFill>
+                <a:effectLst/>
+                <a:latin typeface="Consolas" panose="020B0609020204030204" pitchFamily="49" charset="0"/>
+              </a:rPr>
+              <a:t>, </a:t>
+            </a:r>
+            <a:r>
+              <a:rPr lang="el-GR" sz="1400" b="0" dirty="0">
+                <a:solidFill>
+                  <a:srgbClr val="001080"/>
+                </a:solidFill>
+                <a:effectLst/>
+                <a:latin typeface="Consolas" panose="020B0609020204030204" pitchFamily="49" charset="0"/>
+              </a:rPr>
+              <a:t>σ_σμ</a:t>
+            </a:r>
+            <a:r>
+              <a:rPr lang="el-GR" sz="1400" b="0" dirty="0">
+                <a:solidFill>
+                  <a:srgbClr val="3B3B3B"/>
+                </a:solidFill>
+                <a:effectLst/>
+                <a:latin typeface="Consolas" panose="020B0609020204030204" pitchFamily="49" charset="0"/>
+              </a:rPr>
+              <a:t>)</a:t>
+            </a:r>
+          </a:p>
+          <a:p>
+            <a:pPr>
+              <a:buNone/>
+            </a:pPr>
+            <a:br>
+              <a:rPr lang="el-GR" sz="1400" b="0" dirty="0">
+                <a:solidFill>
+                  <a:srgbClr val="3B3B3B"/>
+                </a:solidFill>
+                <a:effectLst/>
+                <a:latin typeface="Consolas" panose="020B0609020204030204" pitchFamily="49" charset="0"/>
+              </a:rPr>
+            </a:br>
+            <a:r>
+              <a:rPr lang="el-GR" sz="1400" b="0" dirty="0">
+                <a:solidFill>
+                  <a:srgbClr val="3B3B3B"/>
+                </a:solidFill>
+                <a:effectLst/>
+                <a:latin typeface="Consolas" panose="020B0609020204030204" pitchFamily="49" charset="0"/>
+              </a:rPr>
+              <a:t>    </a:t>
+            </a:r>
+            <a:r>
+              <a:rPr lang="el-GR" sz="1400" b="0" dirty="0">
+                <a:solidFill>
+                  <a:srgbClr val="008000"/>
+                </a:solidFill>
+                <a:effectLst/>
+                <a:latin typeface="Consolas" panose="020B0609020204030204" pitchFamily="49" charset="0"/>
+              </a:rPr>
+              <a:t># </a:t>
+            </a:r>
+            <a:r>
+              <a:rPr lang="en-US" sz="1400" b="0" dirty="0">
+                <a:solidFill>
+                  <a:srgbClr val="008000"/>
+                </a:solidFill>
+                <a:effectLst/>
+                <a:latin typeface="Consolas" panose="020B0609020204030204" pitchFamily="49" charset="0"/>
+              </a:rPr>
+              <a:t>priors</a:t>
+            </a:r>
+            <a:endParaRPr lang="en-US" sz="1400" b="0" dirty="0">
+              <a:solidFill>
+                <a:srgbClr val="3B3B3B"/>
+              </a:solidFill>
+              <a:effectLst/>
+              <a:latin typeface="Consolas" panose="020B0609020204030204" pitchFamily="49" charset="0"/>
+            </a:endParaRPr>
+          </a:p>
+          <a:p>
+            <a:pPr>
+              <a:buNone/>
+            </a:pPr>
+            <a:r>
+              <a:rPr lang="en-US" sz="1400" b="0" dirty="0">
+                <a:solidFill>
+                  <a:srgbClr val="3B3B3B"/>
+                </a:solidFill>
+                <a:effectLst/>
+                <a:latin typeface="Consolas" panose="020B0609020204030204" pitchFamily="49" charset="0"/>
+              </a:rPr>
+              <a:t>    </a:t>
+            </a:r>
+            <a:r>
+              <a:rPr lang="el-GR" sz="1400" b="0" dirty="0">
+                <a:solidFill>
+                  <a:srgbClr val="001080"/>
+                </a:solidFill>
+                <a:effectLst/>
+                <a:latin typeface="Consolas" panose="020B0609020204030204" pitchFamily="49" charset="0"/>
+              </a:rPr>
+              <a:t>μ</a:t>
+            </a:r>
+            <a:r>
+              <a:rPr lang="el-GR" sz="1400" b="0" dirty="0">
+                <a:solidFill>
+                  <a:srgbClr val="3B3B3B"/>
+                </a:solidFill>
+                <a:effectLst/>
+                <a:latin typeface="Consolas" panose="020B0609020204030204" pitchFamily="49" charset="0"/>
+              </a:rPr>
+              <a:t> </a:t>
+            </a:r>
+            <a:r>
+              <a:rPr lang="el-GR" sz="1400" b="0" dirty="0">
+                <a:solidFill>
+                  <a:srgbClr val="000000"/>
+                </a:solidFill>
+                <a:effectLst/>
+                <a:latin typeface="Consolas" panose="020B0609020204030204" pitchFamily="49" charset="0"/>
+              </a:rPr>
+              <a:t>=</a:t>
+            </a:r>
+            <a:r>
+              <a:rPr lang="el-GR" sz="1400" b="0" dirty="0">
+                <a:solidFill>
+                  <a:srgbClr val="3B3B3B"/>
+                </a:solidFill>
+                <a:effectLst/>
+                <a:latin typeface="Consolas" panose="020B0609020204030204" pitchFamily="49" charset="0"/>
+              </a:rPr>
+              <a:t> </a:t>
+            </a:r>
+            <a:r>
+              <a:rPr lang="en-US" sz="1400" b="0" dirty="0" err="1">
+                <a:solidFill>
+                  <a:srgbClr val="267F99"/>
+                </a:solidFill>
+                <a:effectLst/>
+                <a:latin typeface="Consolas" panose="020B0609020204030204" pitchFamily="49" charset="0"/>
+              </a:rPr>
+              <a:t>pm</a:t>
+            </a:r>
+            <a:r>
+              <a:rPr lang="en-US" sz="1400" b="0" dirty="0" err="1">
+                <a:solidFill>
+                  <a:srgbClr val="3B3B3B"/>
+                </a:solidFill>
+                <a:effectLst/>
+                <a:latin typeface="Consolas" panose="020B0609020204030204" pitchFamily="49" charset="0"/>
+              </a:rPr>
+              <a:t>.</a:t>
+            </a:r>
+            <a:r>
+              <a:rPr lang="en-US" sz="1400" b="0" dirty="0" err="1">
+                <a:solidFill>
+                  <a:srgbClr val="267F99"/>
+                </a:solidFill>
+                <a:effectLst/>
+                <a:latin typeface="Consolas" panose="020B0609020204030204" pitchFamily="49" charset="0"/>
+              </a:rPr>
+              <a:t>Normal</a:t>
+            </a:r>
+            <a:r>
+              <a:rPr lang="en-US" sz="1400" b="0" dirty="0">
+                <a:solidFill>
+                  <a:srgbClr val="3B3B3B"/>
+                </a:solidFill>
+                <a:effectLst/>
+                <a:latin typeface="Consolas" panose="020B0609020204030204" pitchFamily="49" charset="0"/>
+              </a:rPr>
+              <a:t>(</a:t>
+            </a:r>
+            <a:r>
+              <a:rPr lang="en-US" sz="1400" b="0" dirty="0">
+                <a:solidFill>
+                  <a:srgbClr val="A31515"/>
+                </a:solidFill>
+                <a:effectLst/>
+                <a:latin typeface="Consolas" panose="020B0609020204030204" pitchFamily="49" charset="0"/>
+              </a:rPr>
+              <a:t>'</a:t>
+            </a:r>
+            <a:r>
+              <a:rPr lang="el-GR" sz="1400" b="0" dirty="0">
+                <a:solidFill>
+                  <a:srgbClr val="A31515"/>
+                </a:solidFill>
+                <a:effectLst/>
+                <a:latin typeface="Consolas" panose="020B0609020204030204" pitchFamily="49" charset="0"/>
+              </a:rPr>
+              <a:t>μ'</a:t>
+            </a:r>
+            <a:r>
+              <a:rPr lang="el-GR" sz="1400" b="0" dirty="0">
+                <a:solidFill>
+                  <a:srgbClr val="3B3B3B"/>
+                </a:solidFill>
+                <a:effectLst/>
+                <a:latin typeface="Consolas" panose="020B0609020204030204" pitchFamily="49" charset="0"/>
+              </a:rPr>
+              <a:t>, </a:t>
+            </a:r>
+            <a:r>
+              <a:rPr lang="en-US" sz="1400" b="0" dirty="0">
+                <a:solidFill>
+                  <a:srgbClr val="001080"/>
+                </a:solidFill>
+                <a:effectLst/>
+                <a:latin typeface="Consolas" panose="020B0609020204030204" pitchFamily="49" charset="0"/>
+              </a:rPr>
+              <a:t>mu</a:t>
+            </a:r>
+            <a:r>
+              <a:rPr lang="en-US" sz="1400" b="0" dirty="0">
+                <a:solidFill>
+                  <a:srgbClr val="000000"/>
+                </a:solidFill>
+                <a:effectLst/>
+                <a:latin typeface="Consolas" panose="020B0609020204030204" pitchFamily="49" charset="0"/>
+              </a:rPr>
+              <a:t>=</a:t>
+            </a:r>
+            <a:r>
+              <a:rPr lang="el-GR" sz="1400" b="0" dirty="0">
+                <a:solidFill>
+                  <a:srgbClr val="001080"/>
+                </a:solidFill>
+                <a:effectLst/>
+                <a:latin typeface="Consolas" panose="020B0609020204030204" pitchFamily="49" charset="0"/>
+              </a:rPr>
+              <a:t>μ_μ</a:t>
+            </a:r>
+            <a:r>
+              <a:rPr lang="el-GR" sz="1400" b="0" dirty="0">
+                <a:solidFill>
+                  <a:srgbClr val="3B3B3B"/>
+                </a:solidFill>
+                <a:effectLst/>
+                <a:latin typeface="Consolas" panose="020B0609020204030204" pitchFamily="49" charset="0"/>
+              </a:rPr>
+              <a:t>, </a:t>
+            </a:r>
+            <a:r>
+              <a:rPr lang="en-US" sz="1400" b="0" dirty="0">
+                <a:solidFill>
+                  <a:srgbClr val="001080"/>
+                </a:solidFill>
+                <a:effectLst/>
+                <a:latin typeface="Consolas" panose="020B0609020204030204" pitchFamily="49" charset="0"/>
+              </a:rPr>
+              <a:t>sigma</a:t>
+            </a:r>
+            <a:r>
+              <a:rPr lang="en-US" sz="1400" b="0" dirty="0">
+                <a:solidFill>
+                  <a:srgbClr val="000000"/>
+                </a:solidFill>
+                <a:effectLst/>
+                <a:latin typeface="Consolas" panose="020B0609020204030204" pitchFamily="49" charset="0"/>
+              </a:rPr>
+              <a:t>=</a:t>
+            </a:r>
+            <a:r>
+              <a:rPr lang="el-GR" sz="1400" b="0" dirty="0">
+                <a:solidFill>
+                  <a:srgbClr val="001080"/>
+                </a:solidFill>
+                <a:effectLst/>
+                <a:latin typeface="Consolas" panose="020B0609020204030204" pitchFamily="49" charset="0"/>
+              </a:rPr>
+              <a:t>σ_μ</a:t>
+            </a:r>
+            <a:r>
+              <a:rPr lang="el-GR" sz="1400" b="0" dirty="0">
+                <a:solidFill>
+                  <a:srgbClr val="3B3B3B"/>
+                </a:solidFill>
+                <a:effectLst/>
+                <a:latin typeface="Consolas" panose="020B0609020204030204" pitchFamily="49" charset="0"/>
+              </a:rPr>
+              <a:t>, </a:t>
+            </a:r>
+            <a:r>
+              <a:rPr lang="en-US" sz="1400" b="0" dirty="0">
+                <a:solidFill>
+                  <a:srgbClr val="001080"/>
+                </a:solidFill>
+                <a:effectLst/>
+                <a:latin typeface="Consolas" panose="020B0609020204030204" pitchFamily="49" charset="0"/>
+              </a:rPr>
+              <a:t>dims</a:t>
+            </a:r>
+            <a:r>
+              <a:rPr lang="en-US" sz="1400" b="0" dirty="0">
+                <a:solidFill>
+                  <a:srgbClr val="000000"/>
+                </a:solidFill>
+                <a:effectLst/>
+                <a:latin typeface="Consolas" panose="020B0609020204030204" pitchFamily="49" charset="0"/>
+              </a:rPr>
+              <a:t>=</a:t>
+            </a:r>
+            <a:r>
+              <a:rPr lang="en-US" sz="1400" b="0" dirty="0">
+                <a:solidFill>
+                  <a:srgbClr val="A31515"/>
+                </a:solidFill>
+                <a:effectLst/>
+                <a:latin typeface="Consolas" panose="020B0609020204030204" pitchFamily="49" charset="0"/>
+              </a:rPr>
+              <a:t>"aa"</a:t>
+            </a:r>
+            <a:r>
+              <a:rPr lang="en-US" sz="1400" b="0" dirty="0">
+                <a:solidFill>
+                  <a:srgbClr val="3B3B3B"/>
+                </a:solidFill>
+                <a:effectLst/>
+                <a:latin typeface="Consolas" panose="020B0609020204030204" pitchFamily="49" charset="0"/>
+              </a:rPr>
+              <a:t>) </a:t>
+            </a:r>
+          </a:p>
+          <a:p>
+            <a:pPr>
+              <a:buNone/>
+            </a:pPr>
+            <a:r>
+              <a:rPr lang="en-US" sz="1400" b="0" dirty="0">
+                <a:solidFill>
+                  <a:srgbClr val="3B3B3B"/>
+                </a:solidFill>
+                <a:effectLst/>
+                <a:latin typeface="Consolas" panose="020B0609020204030204" pitchFamily="49" charset="0"/>
+              </a:rPr>
+              <a:t>    </a:t>
+            </a:r>
+            <a:r>
+              <a:rPr lang="el-GR" sz="1400" b="0" dirty="0">
+                <a:solidFill>
+                  <a:srgbClr val="001080"/>
+                </a:solidFill>
+                <a:effectLst/>
+                <a:latin typeface="Consolas" panose="020B0609020204030204" pitchFamily="49" charset="0"/>
+              </a:rPr>
+              <a:t>σ</a:t>
+            </a:r>
+            <a:r>
+              <a:rPr lang="el-GR" sz="1400" b="0" dirty="0">
+                <a:solidFill>
+                  <a:srgbClr val="3B3B3B"/>
+                </a:solidFill>
+                <a:effectLst/>
+                <a:latin typeface="Consolas" panose="020B0609020204030204" pitchFamily="49" charset="0"/>
+              </a:rPr>
+              <a:t> </a:t>
+            </a:r>
+            <a:r>
+              <a:rPr lang="el-GR" sz="1400" b="0" dirty="0">
+                <a:solidFill>
+                  <a:srgbClr val="000000"/>
+                </a:solidFill>
+                <a:effectLst/>
+                <a:latin typeface="Consolas" panose="020B0609020204030204" pitchFamily="49" charset="0"/>
+              </a:rPr>
+              <a:t>=</a:t>
+            </a:r>
+            <a:r>
+              <a:rPr lang="el-GR" sz="1400" b="0" dirty="0">
+                <a:solidFill>
+                  <a:srgbClr val="3B3B3B"/>
+                </a:solidFill>
+                <a:effectLst/>
+                <a:latin typeface="Consolas" panose="020B0609020204030204" pitchFamily="49" charset="0"/>
+              </a:rPr>
+              <a:t> </a:t>
+            </a:r>
+            <a:r>
+              <a:rPr lang="en-US" sz="1400" b="0" dirty="0" err="1">
+                <a:solidFill>
+                  <a:srgbClr val="267F99"/>
+                </a:solidFill>
+                <a:effectLst/>
+                <a:latin typeface="Consolas" panose="020B0609020204030204" pitchFamily="49" charset="0"/>
+              </a:rPr>
+              <a:t>pm</a:t>
+            </a:r>
+            <a:r>
+              <a:rPr lang="en-US" sz="1400" b="0" dirty="0" err="1">
+                <a:solidFill>
+                  <a:srgbClr val="3B3B3B"/>
+                </a:solidFill>
+                <a:effectLst/>
+                <a:latin typeface="Consolas" panose="020B0609020204030204" pitchFamily="49" charset="0"/>
+              </a:rPr>
+              <a:t>.</a:t>
+            </a:r>
+            <a:r>
+              <a:rPr lang="en-US" sz="1400" b="0" dirty="0" err="1">
+                <a:solidFill>
+                  <a:srgbClr val="267F99"/>
+                </a:solidFill>
+                <a:effectLst/>
+                <a:latin typeface="Consolas" panose="020B0609020204030204" pitchFamily="49" charset="0"/>
+              </a:rPr>
+              <a:t>HalfNormal</a:t>
+            </a:r>
+            <a:r>
+              <a:rPr lang="en-US" sz="1400" b="0" dirty="0">
+                <a:solidFill>
+                  <a:srgbClr val="3B3B3B"/>
+                </a:solidFill>
+                <a:effectLst/>
+                <a:latin typeface="Consolas" panose="020B0609020204030204" pitchFamily="49" charset="0"/>
+              </a:rPr>
+              <a:t>(</a:t>
+            </a:r>
+            <a:r>
+              <a:rPr lang="en-US" sz="1400" b="0" dirty="0">
+                <a:solidFill>
+                  <a:srgbClr val="A31515"/>
+                </a:solidFill>
+                <a:effectLst/>
+                <a:latin typeface="Consolas" panose="020B0609020204030204" pitchFamily="49" charset="0"/>
+              </a:rPr>
+              <a:t>'</a:t>
+            </a:r>
+            <a:r>
+              <a:rPr lang="el-GR" sz="1400" b="0" dirty="0">
+                <a:solidFill>
+                  <a:srgbClr val="A31515"/>
+                </a:solidFill>
+                <a:effectLst/>
+                <a:latin typeface="Consolas" panose="020B0609020204030204" pitchFamily="49" charset="0"/>
+              </a:rPr>
+              <a:t>σ'</a:t>
+            </a:r>
+            <a:r>
+              <a:rPr lang="el-GR" sz="1400" b="0" dirty="0">
+                <a:solidFill>
+                  <a:srgbClr val="3B3B3B"/>
+                </a:solidFill>
+                <a:effectLst/>
+                <a:latin typeface="Consolas" panose="020B0609020204030204" pitchFamily="49" charset="0"/>
+              </a:rPr>
+              <a:t>, </a:t>
+            </a:r>
+            <a:r>
+              <a:rPr lang="en-US" sz="1400" b="0" dirty="0">
+                <a:solidFill>
+                  <a:srgbClr val="001080"/>
+                </a:solidFill>
+                <a:effectLst/>
+                <a:latin typeface="Consolas" panose="020B0609020204030204" pitchFamily="49" charset="0"/>
+              </a:rPr>
+              <a:t>sigma</a:t>
+            </a:r>
+            <a:r>
+              <a:rPr lang="en-US" sz="1400" b="0" dirty="0">
+                <a:solidFill>
+                  <a:srgbClr val="000000"/>
+                </a:solidFill>
+                <a:effectLst/>
+                <a:latin typeface="Consolas" panose="020B0609020204030204" pitchFamily="49" charset="0"/>
+              </a:rPr>
+              <a:t>=</a:t>
+            </a:r>
+            <a:r>
+              <a:rPr lang="en-US" sz="1400" b="0" dirty="0">
+                <a:solidFill>
+                  <a:srgbClr val="098658"/>
+                </a:solidFill>
+                <a:effectLst/>
+                <a:latin typeface="Consolas" panose="020B0609020204030204" pitchFamily="49" charset="0"/>
+              </a:rPr>
+              <a:t>10</a:t>
+            </a:r>
+            <a:r>
+              <a:rPr lang="en-US" sz="1400" b="0" dirty="0">
+                <a:solidFill>
+                  <a:srgbClr val="3B3B3B"/>
+                </a:solidFill>
+                <a:effectLst/>
+                <a:latin typeface="Consolas" panose="020B0609020204030204" pitchFamily="49" charset="0"/>
+              </a:rPr>
+              <a:t>, </a:t>
+            </a:r>
+            <a:r>
+              <a:rPr lang="en-US" sz="1400" b="0" dirty="0">
+                <a:solidFill>
+                  <a:srgbClr val="001080"/>
+                </a:solidFill>
+                <a:effectLst/>
+                <a:latin typeface="Consolas" panose="020B0609020204030204" pitchFamily="49" charset="0"/>
+              </a:rPr>
+              <a:t>dims</a:t>
+            </a:r>
+            <a:r>
+              <a:rPr lang="en-US" sz="1400" b="0" dirty="0">
+                <a:solidFill>
+                  <a:srgbClr val="000000"/>
+                </a:solidFill>
+                <a:effectLst/>
+                <a:latin typeface="Consolas" panose="020B0609020204030204" pitchFamily="49" charset="0"/>
+              </a:rPr>
+              <a:t>=</a:t>
+            </a:r>
+            <a:r>
+              <a:rPr lang="en-US" sz="1400" b="0" dirty="0">
+                <a:solidFill>
+                  <a:srgbClr val="A31515"/>
+                </a:solidFill>
+                <a:effectLst/>
+                <a:latin typeface="Consolas" panose="020B0609020204030204" pitchFamily="49" charset="0"/>
+              </a:rPr>
+              <a:t>"aa"</a:t>
+            </a:r>
+            <a:r>
+              <a:rPr lang="en-US" sz="1400" b="0" dirty="0">
+                <a:solidFill>
+                  <a:srgbClr val="3B3B3B"/>
+                </a:solidFill>
+                <a:effectLst/>
+                <a:latin typeface="Consolas" panose="020B0609020204030204" pitchFamily="49" charset="0"/>
+              </a:rPr>
+              <a:t>) </a:t>
+            </a:r>
+          </a:p>
+          <a:p>
+            <a:br>
+              <a:rPr lang="en-US" sz="1400" b="0" dirty="0">
+                <a:solidFill>
+                  <a:srgbClr val="3B3B3B"/>
+                </a:solidFill>
+                <a:effectLst/>
+                <a:latin typeface="Consolas" panose="020B0609020204030204" pitchFamily="49" charset="0"/>
+              </a:rPr>
+            </a:br>
+            <a:r>
+              <a:rPr lang="en-US" sz="1400" b="0" dirty="0">
+                <a:solidFill>
+                  <a:srgbClr val="3B3B3B"/>
+                </a:solidFill>
+                <a:effectLst/>
+                <a:latin typeface="Consolas" panose="020B0609020204030204" pitchFamily="49" charset="0"/>
+              </a:rPr>
+              <a:t>    </a:t>
+            </a:r>
+            <a:r>
+              <a:rPr lang="en-US" sz="1400" b="0" dirty="0">
+                <a:solidFill>
+                  <a:srgbClr val="001080"/>
+                </a:solidFill>
+                <a:effectLst/>
+                <a:latin typeface="Consolas" panose="020B0609020204030204" pitchFamily="49" charset="0"/>
+              </a:rPr>
+              <a:t>y</a:t>
+            </a:r>
+            <a:r>
+              <a:rPr lang="en-US" sz="1400" b="0" dirty="0">
+                <a:solidFill>
+                  <a:srgbClr val="3B3B3B"/>
+                </a:solidFill>
+                <a:effectLst/>
+                <a:latin typeface="Consolas" panose="020B0609020204030204" pitchFamily="49" charset="0"/>
+              </a:rPr>
+              <a:t> </a:t>
+            </a:r>
+            <a:r>
+              <a:rPr lang="en-US" sz="1400" b="0" dirty="0">
+                <a:solidFill>
+                  <a:srgbClr val="000000"/>
+                </a:solidFill>
+                <a:effectLst/>
+                <a:latin typeface="Consolas" panose="020B0609020204030204" pitchFamily="49" charset="0"/>
+              </a:rPr>
+              <a:t>=</a:t>
+            </a:r>
+            <a:r>
+              <a:rPr lang="en-US" sz="1400" b="0" dirty="0">
+                <a:solidFill>
+                  <a:srgbClr val="3B3B3B"/>
+                </a:solidFill>
+                <a:effectLst/>
+                <a:latin typeface="Consolas" panose="020B0609020204030204" pitchFamily="49" charset="0"/>
+              </a:rPr>
+              <a:t> </a:t>
+            </a:r>
+            <a:r>
+              <a:rPr lang="en-US" sz="1400" b="0" dirty="0" err="1">
+                <a:solidFill>
+                  <a:srgbClr val="267F99"/>
+                </a:solidFill>
+                <a:effectLst/>
+                <a:latin typeface="Consolas" panose="020B0609020204030204" pitchFamily="49" charset="0"/>
+              </a:rPr>
+              <a:t>pm</a:t>
+            </a:r>
+            <a:r>
+              <a:rPr lang="en-US" sz="1400" b="0" dirty="0" err="1">
+                <a:solidFill>
+                  <a:srgbClr val="3B3B3B"/>
+                </a:solidFill>
+                <a:effectLst/>
+                <a:latin typeface="Consolas" panose="020B0609020204030204" pitchFamily="49" charset="0"/>
+              </a:rPr>
+              <a:t>.</a:t>
+            </a:r>
+            <a:r>
+              <a:rPr lang="en-US" sz="1400" b="0" dirty="0" err="1">
+                <a:solidFill>
+                  <a:srgbClr val="267F99"/>
+                </a:solidFill>
+                <a:effectLst/>
+                <a:latin typeface="Consolas" panose="020B0609020204030204" pitchFamily="49" charset="0"/>
+              </a:rPr>
+              <a:t>Normal</a:t>
+            </a:r>
+            <a:r>
+              <a:rPr lang="en-US" sz="1400" b="0" dirty="0">
+                <a:solidFill>
+                  <a:srgbClr val="3B3B3B"/>
+                </a:solidFill>
+                <a:effectLst/>
+                <a:latin typeface="Consolas" panose="020B0609020204030204" pitchFamily="49" charset="0"/>
+              </a:rPr>
+              <a:t>(</a:t>
+            </a:r>
+            <a:r>
+              <a:rPr lang="en-US" sz="1400" b="0" dirty="0">
+                <a:solidFill>
+                  <a:srgbClr val="A31515"/>
+                </a:solidFill>
+                <a:effectLst/>
+                <a:latin typeface="Consolas" panose="020B0609020204030204" pitchFamily="49" charset="0"/>
+              </a:rPr>
+              <a:t>'y'</a:t>
+            </a:r>
+            <a:r>
+              <a:rPr lang="en-US" sz="1400" b="0" dirty="0">
+                <a:solidFill>
+                  <a:srgbClr val="3B3B3B"/>
+                </a:solidFill>
+                <a:effectLst/>
+                <a:latin typeface="Consolas" panose="020B0609020204030204" pitchFamily="49" charset="0"/>
+              </a:rPr>
+              <a:t>, </a:t>
+            </a:r>
+            <a:r>
+              <a:rPr lang="en-US" sz="1400" b="0" dirty="0">
+                <a:solidFill>
+                  <a:srgbClr val="001080"/>
+                </a:solidFill>
+                <a:effectLst/>
+                <a:latin typeface="Consolas" panose="020B0609020204030204" pitchFamily="49" charset="0"/>
+              </a:rPr>
+              <a:t>mu</a:t>
+            </a:r>
+            <a:r>
+              <a:rPr lang="en-US" sz="1400" b="0" dirty="0">
+                <a:solidFill>
+                  <a:srgbClr val="000000"/>
+                </a:solidFill>
+                <a:effectLst/>
+                <a:latin typeface="Consolas" panose="020B0609020204030204" pitchFamily="49" charset="0"/>
+              </a:rPr>
+              <a:t>=</a:t>
+            </a:r>
+            <a:r>
+              <a:rPr lang="el-GR" sz="1400" b="0" dirty="0">
+                <a:solidFill>
+                  <a:srgbClr val="001080"/>
+                </a:solidFill>
+                <a:effectLst/>
+                <a:latin typeface="Consolas" panose="020B0609020204030204" pitchFamily="49" charset="0"/>
+              </a:rPr>
+              <a:t>μ</a:t>
+            </a:r>
+            <a:r>
+              <a:rPr lang="el-GR" sz="1400" b="0" dirty="0">
+                <a:solidFill>
+                  <a:srgbClr val="3B3B3B"/>
+                </a:solidFill>
+                <a:effectLst/>
+                <a:latin typeface="Consolas" panose="020B0609020204030204" pitchFamily="49" charset="0"/>
+              </a:rPr>
+              <a:t>[</a:t>
+            </a:r>
+            <a:r>
+              <a:rPr lang="en-US" sz="1400" b="0" dirty="0" err="1">
+                <a:solidFill>
+                  <a:srgbClr val="001080"/>
+                </a:solidFill>
+                <a:effectLst/>
+                <a:latin typeface="Consolas" panose="020B0609020204030204" pitchFamily="49" charset="0"/>
+              </a:rPr>
+              <a:t>idx</a:t>
+            </a:r>
+            <a:r>
+              <a:rPr lang="en-US" sz="1400" b="0" dirty="0">
+                <a:solidFill>
+                  <a:srgbClr val="3B3B3B"/>
+                </a:solidFill>
+                <a:effectLst/>
+                <a:latin typeface="Consolas" panose="020B0609020204030204" pitchFamily="49" charset="0"/>
+              </a:rPr>
+              <a:t>], </a:t>
+            </a:r>
+            <a:r>
+              <a:rPr lang="en-US" sz="1400" b="0" dirty="0">
+                <a:solidFill>
+                  <a:srgbClr val="001080"/>
+                </a:solidFill>
+                <a:effectLst/>
+                <a:latin typeface="Consolas" panose="020B0609020204030204" pitchFamily="49" charset="0"/>
+              </a:rPr>
+              <a:t>sigma</a:t>
+            </a:r>
+            <a:r>
+              <a:rPr lang="en-US" sz="1400" b="0" dirty="0">
+                <a:solidFill>
+                  <a:srgbClr val="000000"/>
+                </a:solidFill>
+                <a:effectLst/>
+                <a:latin typeface="Consolas" panose="020B0609020204030204" pitchFamily="49" charset="0"/>
+              </a:rPr>
+              <a:t>=</a:t>
+            </a:r>
+            <a:r>
+              <a:rPr lang="el-GR" sz="1400" b="0" dirty="0">
+                <a:solidFill>
+                  <a:srgbClr val="001080"/>
+                </a:solidFill>
+                <a:effectLst/>
+                <a:latin typeface="Consolas" panose="020B0609020204030204" pitchFamily="49" charset="0"/>
+              </a:rPr>
+              <a:t>σ</a:t>
+            </a:r>
+            <a:r>
+              <a:rPr lang="el-GR" sz="1400" b="0" dirty="0">
+                <a:solidFill>
+                  <a:srgbClr val="3B3B3B"/>
+                </a:solidFill>
+                <a:effectLst/>
+                <a:latin typeface="Consolas" panose="020B0609020204030204" pitchFamily="49" charset="0"/>
+              </a:rPr>
+              <a:t>[</a:t>
+            </a:r>
+            <a:r>
+              <a:rPr lang="en-US" sz="1400" b="0" dirty="0" err="1">
+                <a:solidFill>
+                  <a:srgbClr val="001080"/>
+                </a:solidFill>
+                <a:effectLst/>
+                <a:latin typeface="Consolas" panose="020B0609020204030204" pitchFamily="49" charset="0"/>
+              </a:rPr>
+              <a:t>idx</a:t>
+            </a:r>
+            <a:r>
+              <a:rPr lang="en-US" sz="1400" b="0" dirty="0">
+                <a:solidFill>
+                  <a:srgbClr val="3B3B3B"/>
+                </a:solidFill>
+                <a:effectLst/>
+                <a:latin typeface="Consolas" panose="020B0609020204030204" pitchFamily="49" charset="0"/>
+              </a:rPr>
+              <a:t>], </a:t>
+            </a:r>
+            <a:r>
+              <a:rPr lang="en-US" sz="1400" b="0" dirty="0">
+                <a:solidFill>
+                  <a:srgbClr val="001080"/>
+                </a:solidFill>
+                <a:effectLst/>
+                <a:latin typeface="Consolas" panose="020B0609020204030204" pitchFamily="49" charset="0"/>
+              </a:rPr>
+              <a:t>observed</a:t>
+            </a:r>
+            <a:r>
+              <a:rPr lang="en-US" sz="1400" b="0" dirty="0">
+                <a:solidFill>
+                  <a:srgbClr val="000000"/>
+                </a:solidFill>
+                <a:effectLst/>
+                <a:latin typeface="Consolas" panose="020B0609020204030204" pitchFamily="49" charset="0"/>
+              </a:rPr>
+              <a:t>=</a:t>
+            </a:r>
+            <a:r>
+              <a:rPr lang="en-US" sz="1400" b="0" dirty="0">
+                <a:solidFill>
+                  <a:srgbClr val="001080"/>
+                </a:solidFill>
+                <a:effectLst/>
+                <a:latin typeface="Consolas" panose="020B0609020204030204" pitchFamily="49" charset="0"/>
+              </a:rPr>
+              <a:t>diff</a:t>
+            </a:r>
+            <a:r>
+              <a:rPr lang="en-US" sz="1400" b="0" dirty="0">
+                <a:solidFill>
+                  <a:srgbClr val="3B3B3B"/>
+                </a:solidFill>
+                <a:effectLst/>
+                <a:latin typeface="Consolas" panose="020B0609020204030204" pitchFamily="49" charset="0"/>
+              </a:rPr>
+              <a:t>) </a:t>
+            </a:r>
+          </a:p>
+        </p:txBody>
+      </p:sp>
+      <p:sp>
+        <p:nvSpPr>
+          <p:cNvPr id="9" name="TextBox 8">
+            <a:extLst>
+              <a:ext uri="{FF2B5EF4-FFF2-40B4-BE49-F238E27FC236}">
+                <a16:creationId xmlns:a16="http://schemas.microsoft.com/office/drawing/2014/main" id="{A995724D-748F-D2C7-34AC-CB9532173543}"/>
+              </a:ext>
+            </a:extLst>
+          </p:cNvPr>
+          <p:cNvSpPr txBox="1"/>
+          <p:nvPr/>
+        </p:nvSpPr>
+        <p:spPr>
+          <a:xfrm>
+            <a:off x="389554" y="3559577"/>
+            <a:ext cx="2167034" cy="461665"/>
+          </a:xfrm>
+          <a:prstGeom prst="rect">
+            <a:avLst/>
+          </a:prstGeom>
+          <a:noFill/>
+        </p:spPr>
+        <p:txBody>
+          <a:bodyPr wrap="square" rtlCol="0">
+            <a:spAutoFit/>
+          </a:bodyPr>
+          <a:lstStyle/>
+          <a:p>
+            <a:r>
+              <a:rPr lang="en-US" sz="2400" dirty="0"/>
+              <a:t>Hierarchical</a:t>
+            </a:r>
+            <a:endParaRPr lang="en-IL" sz="2400" dirty="0"/>
+          </a:p>
+        </p:txBody>
+      </p:sp>
+      <mc:AlternateContent xmlns:mc="http://schemas.openxmlformats.org/markup-compatibility/2006">
+        <mc:Choice xmlns:a14="http://schemas.microsoft.com/office/drawing/2010/main" Requires="a14">
+          <p:sp>
+            <p:nvSpPr>
+              <p:cNvPr id="10" name="TextBox 9">
+                <a:extLst>
+                  <a:ext uri="{FF2B5EF4-FFF2-40B4-BE49-F238E27FC236}">
+                    <a16:creationId xmlns:a16="http://schemas.microsoft.com/office/drawing/2014/main" id="{898B6881-DFBE-B6CC-5AB2-051D8B966524}"/>
+                  </a:ext>
+                </a:extLst>
+              </p:cNvPr>
+              <p:cNvSpPr txBox="1"/>
+              <p:nvPr/>
+            </p:nvSpPr>
+            <p:spPr>
+              <a:xfrm>
+                <a:off x="6170645" y="4359289"/>
+                <a:ext cx="5113579" cy="923330"/>
+              </a:xfrm>
+              <a:prstGeom prst="rect">
+                <a:avLst/>
+              </a:prstGeom>
+              <a:noFill/>
+            </p:spPr>
+            <p:txBody>
+              <a:bodyPr wrap="none" rtlCol="0">
+                <a:spAutoFit/>
+              </a:bodyPr>
+              <a:lstStyle/>
+              <a:p>
+                <a:r>
+                  <a:rPr lang="en-US" dirty="0"/>
+                  <a:t>In this model the prior for </a:t>
+                </a:r>
+                <a14:m>
+                  <m:oMath xmlns:m="http://schemas.openxmlformats.org/officeDocument/2006/math">
+                    <m:r>
+                      <a:rPr lang="en-US" i="1" smtClean="0">
+                        <a:latin typeface="Cambria Math" panose="02040503050406030204" pitchFamily="18" charset="0"/>
+                      </a:rPr>
+                      <m:t>𝜇</m:t>
+                    </m:r>
+                  </m:oMath>
+                </a14:m>
+                <a:r>
+                  <a:rPr lang="en-US" dirty="0"/>
+                  <a:t> is determined by MCMC</a:t>
+                </a:r>
+              </a:p>
+              <a:p>
+                <a:r>
+                  <a:rPr lang="en-US" dirty="0"/>
+                  <a:t>It is not arbitrarily broad</a:t>
+                </a:r>
+              </a:p>
+              <a:p>
+                <a:r>
+                  <a:rPr lang="en-US" dirty="0"/>
+                  <a:t> </a:t>
+                </a:r>
+                <a14:m>
+                  <m:oMath xmlns:m="http://schemas.openxmlformats.org/officeDocument/2006/math">
+                    <m:r>
+                      <a:rPr lang="en-US" i="1" smtClean="0">
+                        <a:latin typeface="Cambria Math" panose="02040503050406030204" pitchFamily="18" charset="0"/>
+                      </a:rPr>
+                      <m:t>𝜇</m:t>
+                    </m:r>
+                  </m:oMath>
+                </a14:m>
+                <a:r>
+                  <a:rPr lang="en-US" dirty="0"/>
+                  <a:t> will be between the prior and the likelihood</a:t>
+                </a:r>
+              </a:p>
+            </p:txBody>
+          </p:sp>
+        </mc:Choice>
+        <mc:Fallback>
+          <p:sp>
+            <p:nvSpPr>
+              <p:cNvPr id="10" name="TextBox 9">
+                <a:extLst>
+                  <a:ext uri="{FF2B5EF4-FFF2-40B4-BE49-F238E27FC236}">
+                    <a16:creationId xmlns:a16="http://schemas.microsoft.com/office/drawing/2014/main" id="{898B6881-DFBE-B6CC-5AB2-051D8B966524}"/>
+                  </a:ext>
+                </a:extLst>
+              </p:cNvPr>
+              <p:cNvSpPr txBox="1">
+                <a:spLocks noRot="1" noChangeAspect="1" noMove="1" noResize="1" noEditPoints="1" noAdjustHandles="1" noChangeArrowheads="1" noChangeShapeType="1" noTextEdit="1"/>
+              </p:cNvSpPr>
+              <p:nvPr/>
+            </p:nvSpPr>
+            <p:spPr>
+              <a:xfrm>
+                <a:off x="6170645" y="4359289"/>
+                <a:ext cx="5113579" cy="923330"/>
+              </a:xfrm>
+              <a:prstGeom prst="rect">
+                <a:avLst/>
+              </a:prstGeom>
+              <a:blipFill>
+                <a:blip r:embed="rId9"/>
+                <a:stretch>
+                  <a:fillRect l="-954" t="-3289" r="-119" b="-9211"/>
+                </a:stretch>
+              </a:blipFill>
+            </p:spPr>
+            <p:txBody>
+              <a:bodyPr/>
+              <a:lstStyle/>
+              <a:p>
+                <a:r>
+                  <a:rPr lang="en-IL">
+                    <a:noFill/>
+                  </a:rPr>
+                  <a:t> </a:t>
+                </a:r>
+              </a:p>
+            </p:txBody>
+          </p:sp>
+        </mc:Fallback>
+      </mc:AlternateContent>
     </p:spTree>
     <p:extLst>
       <p:ext uri="{BB962C8B-B14F-4D97-AF65-F5344CB8AC3E}">
-        <p14:creationId xmlns:p14="http://schemas.microsoft.com/office/powerpoint/2010/main" val="2062988464"/>
+        <p14:creationId xmlns:p14="http://schemas.microsoft.com/office/powerpoint/2010/main" val="2863821324"/>
       </p:ext>
     </p:extLst>
   </p:cSld>
@@ -15051,7 +19497,7 @@
         <p:cNvPr id="1" name="">
           <a:extLst>
             <a:ext uri="{FF2B5EF4-FFF2-40B4-BE49-F238E27FC236}">
-              <a16:creationId xmlns:a16="http://schemas.microsoft.com/office/drawing/2014/main" id="{AFA4AC23-63B2-3973-639D-EDB076B388F2}"/>
+              <a16:creationId xmlns:a16="http://schemas.microsoft.com/office/drawing/2014/main" id="{BB50BE83-AD58-3C58-5A8C-73B7DB4398DE}"/>
             </a:ext>
           </a:extLst>
         </p:cNvPr>
@@ -15068,10 +19514,10 @@
       </p:grpSpPr>
       <p:sp>
         <p:nvSpPr>
-          <p:cNvPr id="6" name="Title 5">
+          <p:cNvPr id="2" name="Title 1">
             <a:extLst>
               <a:ext uri="{FF2B5EF4-FFF2-40B4-BE49-F238E27FC236}">
-                <a16:creationId xmlns:a16="http://schemas.microsoft.com/office/drawing/2014/main" id="{E9C69A5C-6DA5-5E6B-B44A-36A134A1C06E}"/>
+                <a16:creationId xmlns:a16="http://schemas.microsoft.com/office/drawing/2014/main" id="{C3C0010A-08A0-C290-E4BF-6E562F5683CE}"/>
               </a:ext>
             </a:extLst>
           </p:cNvPr>
@@ -15082,53 +19528,32 @@
             <p:ph type="title"/>
           </p:nvPr>
         </p:nvSpPr>
-        <p:spPr/>
+        <p:spPr>
+          <a:xfrm>
+            <a:off x="838200" y="365126"/>
+            <a:ext cx="10515600" cy="717226"/>
+          </a:xfrm>
+        </p:spPr>
         <p:txBody>
-          <a:bodyPr/>
+          <a:bodyPr>
+            <a:noAutofit/>
+          </a:bodyPr>
           <a:lstStyle/>
           <a:p>
-            <a:endParaRPr lang="en-IL"/>
+            <a:r>
+              <a:rPr lang="en-US" sz="3600" dirty="0"/>
+              <a:t>Hierarchical models create data-driven narrow priors</a:t>
+            </a:r>
+            <a:endParaRPr lang="en-IL" sz="3600" dirty="0"/>
           </a:p>
         </p:txBody>
       </p:sp>
       <p:sp>
         <p:nvSpPr>
-          <p:cNvPr id="7" name="Text Placeholder 6">
+          <p:cNvPr id="3" name="Slide Number Placeholder 2">
             <a:extLst>
               <a:ext uri="{FF2B5EF4-FFF2-40B4-BE49-F238E27FC236}">
-                <a16:creationId xmlns:a16="http://schemas.microsoft.com/office/drawing/2014/main" id="{4BF919BF-4546-2BC2-1A02-E08D6D350305}"/>
-              </a:ext>
-            </a:extLst>
-          </p:cNvPr>
-          <p:cNvSpPr>
-            <a:spLocks noGrp="1"/>
-          </p:cNvSpPr>
-          <p:nvPr>
-            <p:ph type="body" idx="1"/>
-          </p:nvPr>
-        </p:nvSpPr>
-        <p:spPr/>
-        <p:txBody>
-          <a:bodyPr>
-            <a:normAutofit/>
-          </a:bodyPr>
-          <a:lstStyle/>
-          <a:p>
-            <a:pPr algn="ctr"/>
-            <a:r>
-              <a:rPr lang="en-US" sz="7200" dirty="0"/>
-              <a:t>7G Group-level effects</a:t>
-            </a:r>
-            <a:endParaRPr lang="en-IL" sz="7200" dirty="0"/>
-          </a:p>
-        </p:txBody>
-      </p:sp>
-      <p:sp>
-        <p:nvSpPr>
-          <p:cNvPr id="5" name="Slide Number Placeholder 4">
-            <a:extLst>
-              <a:ext uri="{FF2B5EF4-FFF2-40B4-BE49-F238E27FC236}">
-                <a16:creationId xmlns:a16="http://schemas.microsoft.com/office/drawing/2014/main" id="{E2566381-6C51-B65B-FEB2-128454DD8FA8}"/>
+                <a16:creationId xmlns:a16="http://schemas.microsoft.com/office/drawing/2014/main" id="{5C8816B9-23F2-92D2-1117-D77AE40B35DB}"/>
               </a:ext>
             </a:extLst>
           </p:cNvPr>
@@ -15144,19 +19569,684 @@
           <a:bodyPr/>
           <a:lstStyle/>
           <a:p>
-            <a:pPr>
-              <a:defRPr/>
-            </a:pPr>
-            <a:fld id="{3469EAC8-EFAD-49DA-A425-6225312A328A}" type="slidenum">
-              <a:rPr lang="he-IL" altLang="en-US" smtClean="0"/>
-              <a:pPr>
-                <a:defRPr/>
-              </a:pPr>
+            <a:fld id="{E0DC7AD3-7C2E-418B-8082-788996B615FB}" type="slidenum">
+              <a:rPr lang="en-GB" smtClean="0"/>
               <a:t>29</a:t>
             </a:fld>
-            <a:r>
-              <a:rPr lang="en-US" altLang="en-US"/>
-              <a:t> /  72</a:t>
+            <a:endParaRPr lang="en-GB"/>
+          </a:p>
+        </p:txBody>
+      </p:sp>
+      <p:sp>
+        <p:nvSpPr>
+          <p:cNvPr id="7" name="TextBox 6">
+            <a:extLst>
+              <a:ext uri="{FF2B5EF4-FFF2-40B4-BE49-F238E27FC236}">
+                <a16:creationId xmlns:a16="http://schemas.microsoft.com/office/drawing/2014/main" id="{5C38FFE7-C70C-0DD4-28AC-A73F56A650B4}"/>
+              </a:ext>
+            </a:extLst>
+          </p:cNvPr>
+          <p:cNvSpPr txBox="1"/>
+          <p:nvPr/>
+        </p:nvSpPr>
+        <p:spPr>
+          <a:xfrm>
+            <a:off x="389554" y="1104584"/>
+            <a:ext cx="1047338" cy="461665"/>
+          </a:xfrm>
+          <a:prstGeom prst="rect">
+            <a:avLst/>
+          </a:prstGeom>
+          <a:noFill/>
+        </p:spPr>
+        <p:txBody>
+          <a:bodyPr wrap="none" rtlCol="0">
+            <a:spAutoFit/>
+          </a:bodyPr>
+          <a:lstStyle/>
+          <a:p>
+            <a:r>
+              <a:rPr lang="en-US" sz="2400" dirty="0"/>
+              <a:t>Pooled</a:t>
+            </a:r>
+            <a:endParaRPr lang="en-IL" sz="2400" dirty="0"/>
+          </a:p>
+        </p:txBody>
+      </p:sp>
+      <p:sp>
+        <p:nvSpPr>
+          <p:cNvPr id="8" name="TextBox 7">
+            <a:extLst>
+              <a:ext uri="{FF2B5EF4-FFF2-40B4-BE49-F238E27FC236}">
+                <a16:creationId xmlns:a16="http://schemas.microsoft.com/office/drawing/2014/main" id="{51C6C73B-3125-CF46-8948-4065EEE4F474}"/>
+              </a:ext>
+            </a:extLst>
+          </p:cNvPr>
+          <p:cNvSpPr txBox="1"/>
+          <p:nvPr/>
+        </p:nvSpPr>
+        <p:spPr>
+          <a:xfrm>
+            <a:off x="5837075" y="1194225"/>
+            <a:ext cx="1415772" cy="461665"/>
+          </a:xfrm>
+          <a:prstGeom prst="rect">
+            <a:avLst/>
+          </a:prstGeom>
+          <a:noFill/>
+        </p:spPr>
+        <p:txBody>
+          <a:bodyPr wrap="none" rtlCol="0">
+            <a:spAutoFit/>
+          </a:bodyPr>
+          <a:lstStyle/>
+          <a:p>
+            <a:r>
+              <a:rPr lang="en-US" sz="2400" dirty="0" err="1"/>
+              <a:t>Unpooled</a:t>
+            </a:r>
+            <a:endParaRPr lang="en-IL" sz="2400" dirty="0"/>
+          </a:p>
+        </p:txBody>
+      </p:sp>
+      <mc:AlternateContent xmlns:mc="http://schemas.openxmlformats.org/markup-compatibility/2006">
+        <mc:Choice xmlns:a14="http://schemas.microsoft.com/office/drawing/2010/main" Requires="a14">
+          <p:sp>
+            <p:nvSpPr>
+              <p:cNvPr id="11" name="TextBox 10">
+                <a:extLst>
+                  <a:ext uri="{FF2B5EF4-FFF2-40B4-BE49-F238E27FC236}">
+                    <a16:creationId xmlns:a16="http://schemas.microsoft.com/office/drawing/2014/main" id="{BCCEC3B4-A54A-4D44-104E-80DD3B6468DD}"/>
+                  </a:ext>
+                </a:extLst>
+              </p:cNvPr>
+              <p:cNvSpPr txBox="1"/>
+              <p:nvPr/>
+            </p:nvSpPr>
+            <p:spPr>
+              <a:xfrm>
+                <a:off x="389554" y="1689278"/>
+                <a:ext cx="4764702" cy="646331"/>
+              </a:xfrm>
+              <a:prstGeom prst="rect">
+                <a:avLst/>
+              </a:prstGeom>
+              <a:noFill/>
+            </p:spPr>
+            <p:txBody>
+              <a:bodyPr wrap="none" rtlCol="0">
+                <a:spAutoFit/>
+              </a:bodyPr>
+              <a:lstStyle/>
+              <a:p>
+                <a:r>
+                  <a:rPr lang="en-US" dirty="0"/>
+                  <a:t>This model is like having many </a:t>
+                </a:r>
+                <a14:m>
+                  <m:oMath xmlns:m="http://schemas.openxmlformats.org/officeDocument/2006/math">
+                    <m:r>
+                      <a:rPr lang="en-US" b="0" i="1" smtClean="0">
+                        <a:latin typeface="Cambria Math" panose="02040503050406030204" pitchFamily="18" charset="0"/>
+                      </a:rPr>
+                      <m:t>𝜇</m:t>
+                    </m:r>
+                  </m:oMath>
+                </a14:m>
+                <a:r>
+                  <a:rPr lang="en-US" dirty="0"/>
+                  <a:t> but all the same</a:t>
+                </a:r>
+              </a:p>
+              <a:p>
+                <a:r>
+                  <a:rPr lang="en-US" dirty="0"/>
+                  <a:t>All equal to the mean of the data</a:t>
+                </a:r>
+                <a:endParaRPr lang="en-IL" dirty="0"/>
+              </a:p>
+            </p:txBody>
+          </p:sp>
+        </mc:Choice>
+        <mc:Fallback>
+          <p:sp>
+            <p:nvSpPr>
+              <p:cNvPr id="11" name="TextBox 10">
+                <a:extLst>
+                  <a:ext uri="{FF2B5EF4-FFF2-40B4-BE49-F238E27FC236}">
+                    <a16:creationId xmlns:a16="http://schemas.microsoft.com/office/drawing/2014/main" id="{BCCEC3B4-A54A-4D44-104E-80DD3B6468DD}"/>
+                  </a:ext>
+                </a:extLst>
+              </p:cNvPr>
+              <p:cNvSpPr txBox="1">
+                <a:spLocks noRot="1" noChangeAspect="1" noMove="1" noResize="1" noEditPoints="1" noAdjustHandles="1" noChangeArrowheads="1" noChangeShapeType="1" noTextEdit="1"/>
+              </p:cNvSpPr>
+              <p:nvPr/>
+            </p:nvSpPr>
+            <p:spPr>
+              <a:xfrm>
+                <a:off x="389554" y="1689278"/>
+                <a:ext cx="4764702" cy="646331"/>
+              </a:xfrm>
+              <a:prstGeom prst="rect">
+                <a:avLst/>
+              </a:prstGeom>
+              <a:blipFill>
+                <a:blip r:embed="rId2"/>
+                <a:stretch>
+                  <a:fillRect l="-1151" t="-4717" r="-128" b="-14151"/>
+                </a:stretch>
+              </a:blipFill>
+            </p:spPr>
+            <p:txBody>
+              <a:bodyPr/>
+              <a:lstStyle/>
+              <a:p>
+                <a:r>
+                  <a:rPr lang="en-IL">
+                    <a:noFill/>
+                  </a:rPr>
+                  <a:t> </a:t>
+                </a:r>
+              </a:p>
+            </p:txBody>
+          </p:sp>
+        </mc:Fallback>
+      </mc:AlternateContent>
+      <p:graphicFrame>
+        <p:nvGraphicFramePr>
+          <p:cNvPr id="12" name="Object 11">
+            <a:extLst>
+              <a:ext uri="{FF2B5EF4-FFF2-40B4-BE49-F238E27FC236}">
+                <a16:creationId xmlns:a16="http://schemas.microsoft.com/office/drawing/2014/main" id="{4BB35913-8D23-4B1B-36E1-8E3B70AF6D8E}"/>
+              </a:ext>
+            </a:extLst>
+          </p:cNvPr>
+          <p:cNvGraphicFramePr>
+            <a:graphicFrameLocks noChangeAspect="1"/>
+          </p:cNvGraphicFramePr>
+          <p:nvPr/>
+        </p:nvGraphicFramePr>
+        <p:xfrm>
+          <a:off x="1030288" y="2509565"/>
+          <a:ext cx="1347787" cy="841375"/>
+        </p:xfrm>
+        <a:graphic>
+          <a:graphicData uri="http://schemas.openxmlformats.org/presentationml/2006/ole">
+            <mc:AlternateContent xmlns:mc="http://schemas.openxmlformats.org/markup-compatibility/2006">
+              <mc:Choice xmlns:v="urn:schemas-microsoft-com:vml" Requires="v">
+                <p:oleObj name="Equation" r:id="rId3" imgW="812520" imgH="507960" progId="Equation.DSMT4">
+                  <p:embed/>
+                </p:oleObj>
+              </mc:Choice>
+              <mc:Fallback>
+                <p:oleObj name="Equation" r:id="rId3" imgW="812520" imgH="507960" progId="Equation.DSMT4">
+                  <p:embed/>
+                  <p:pic>
+                    <p:nvPicPr>
+                      <p:cNvPr id="12" name="Object 11">
+                        <a:extLst>
+                          <a:ext uri="{FF2B5EF4-FFF2-40B4-BE49-F238E27FC236}">
+                            <a16:creationId xmlns:a16="http://schemas.microsoft.com/office/drawing/2014/main" id="{6B8BA77E-D24C-79BD-791C-E62049F4EEF2}"/>
+                          </a:ext>
+                        </a:extLst>
+                      </p:cNvPr>
+                      <p:cNvPicPr/>
+                      <p:nvPr/>
+                    </p:nvPicPr>
+                    <p:blipFill>
+                      <a:blip r:embed="rId4"/>
+                      <a:stretch>
+                        <a:fillRect/>
+                      </a:stretch>
+                    </p:blipFill>
+                    <p:spPr>
+                      <a:xfrm>
+                        <a:off x="1030288" y="2509565"/>
+                        <a:ext cx="1347787" cy="841375"/>
+                      </a:xfrm>
+                      <a:prstGeom prst="rect">
+                        <a:avLst/>
+                      </a:prstGeom>
+                    </p:spPr>
+                  </p:pic>
+                </p:oleObj>
+              </mc:Fallback>
+            </mc:AlternateContent>
+          </a:graphicData>
+        </a:graphic>
+      </p:graphicFrame>
+      <mc:AlternateContent xmlns:mc="http://schemas.openxmlformats.org/markup-compatibility/2006">
+        <mc:Choice xmlns:a14="http://schemas.microsoft.com/office/drawing/2010/main" Requires="a14">
+          <p:sp>
+            <p:nvSpPr>
+              <p:cNvPr id="13" name="TextBox 12">
+                <a:extLst>
+                  <a:ext uri="{FF2B5EF4-FFF2-40B4-BE49-F238E27FC236}">
+                    <a16:creationId xmlns:a16="http://schemas.microsoft.com/office/drawing/2014/main" id="{6D005E7E-8CEE-E18A-5E82-FE5D6CA0B020}"/>
+                  </a:ext>
+                </a:extLst>
+              </p:cNvPr>
+              <p:cNvSpPr txBox="1"/>
+              <p:nvPr/>
+            </p:nvSpPr>
+            <p:spPr>
+              <a:xfrm>
+                <a:off x="6096000" y="1718335"/>
+                <a:ext cx="4761688" cy="646331"/>
+              </a:xfrm>
+              <a:prstGeom prst="rect">
+                <a:avLst/>
+              </a:prstGeom>
+              <a:noFill/>
+            </p:spPr>
+            <p:txBody>
+              <a:bodyPr wrap="none" rtlCol="0">
+                <a:spAutoFit/>
+              </a:bodyPr>
+              <a:lstStyle/>
+              <a:p>
+                <a:r>
+                  <a:rPr lang="en-US" dirty="0"/>
+                  <a:t>In this model there is a broad prior</a:t>
+                </a:r>
+              </a:p>
+              <a:p>
+                <a14:m>
+                  <m:oMath xmlns:m="http://schemas.openxmlformats.org/officeDocument/2006/math">
+                    <m:r>
+                      <a:rPr lang="en-US" i="1">
+                        <a:latin typeface="Cambria Math" panose="02040503050406030204" pitchFamily="18" charset="0"/>
+                      </a:rPr>
+                      <m:t>𝜇</m:t>
+                    </m:r>
+                  </m:oMath>
+                </a14:m>
+                <a:r>
+                  <a:rPr lang="en-US" dirty="0"/>
+                  <a:t> is the dominated by the likelihood for its group</a:t>
+                </a:r>
+              </a:p>
+            </p:txBody>
+          </p:sp>
+        </mc:Choice>
+        <mc:Fallback>
+          <p:sp>
+            <p:nvSpPr>
+              <p:cNvPr id="13" name="TextBox 12">
+                <a:extLst>
+                  <a:ext uri="{FF2B5EF4-FFF2-40B4-BE49-F238E27FC236}">
+                    <a16:creationId xmlns:a16="http://schemas.microsoft.com/office/drawing/2014/main" id="{6D005E7E-8CEE-E18A-5E82-FE5D6CA0B020}"/>
+                  </a:ext>
+                </a:extLst>
+              </p:cNvPr>
+              <p:cNvSpPr txBox="1">
+                <a:spLocks noRot="1" noChangeAspect="1" noMove="1" noResize="1" noEditPoints="1" noAdjustHandles="1" noChangeArrowheads="1" noChangeShapeType="1" noTextEdit="1"/>
+              </p:cNvSpPr>
+              <p:nvPr/>
+            </p:nvSpPr>
+            <p:spPr>
+              <a:xfrm>
+                <a:off x="6096000" y="1718335"/>
+                <a:ext cx="4761688" cy="646331"/>
+              </a:xfrm>
+              <a:prstGeom prst="rect">
+                <a:avLst/>
+              </a:prstGeom>
+              <a:blipFill>
+                <a:blip r:embed="rId5"/>
+                <a:stretch>
+                  <a:fillRect l="-1024" t="-5660" r="-128" b="-14151"/>
+                </a:stretch>
+              </a:blipFill>
+            </p:spPr>
+            <p:txBody>
+              <a:bodyPr/>
+              <a:lstStyle/>
+              <a:p>
+                <a:r>
+                  <a:rPr lang="en-IL">
+                    <a:noFill/>
+                  </a:rPr>
+                  <a:t> </a:t>
+                </a:r>
+              </a:p>
+            </p:txBody>
+          </p:sp>
+        </mc:Fallback>
+      </mc:AlternateContent>
+      <p:graphicFrame>
+        <p:nvGraphicFramePr>
+          <p:cNvPr id="14" name="Object 13">
+            <a:extLst>
+              <a:ext uri="{FF2B5EF4-FFF2-40B4-BE49-F238E27FC236}">
+                <a16:creationId xmlns:a16="http://schemas.microsoft.com/office/drawing/2014/main" id="{726EEDFA-570B-81EF-6879-411F1D47F492}"/>
+              </a:ext>
+            </a:extLst>
+          </p:cNvPr>
+          <p:cNvGraphicFramePr>
+            <a:graphicFrameLocks noChangeAspect="1"/>
+          </p:cNvGraphicFramePr>
+          <p:nvPr/>
+        </p:nvGraphicFramePr>
+        <p:xfrm>
+          <a:off x="6818474" y="2427111"/>
+          <a:ext cx="2967038" cy="1135062"/>
+        </p:xfrm>
+        <a:graphic>
+          <a:graphicData uri="http://schemas.openxmlformats.org/presentationml/2006/ole">
+            <mc:AlternateContent xmlns:mc="http://schemas.openxmlformats.org/markup-compatibility/2006">
+              <mc:Choice xmlns:v="urn:schemas-microsoft-com:vml" Requires="v">
+                <p:oleObj name="Equation" r:id="rId6" imgW="1790640" imgH="685800" progId="Equation.DSMT4">
+                  <p:embed/>
+                </p:oleObj>
+              </mc:Choice>
+              <mc:Fallback>
+                <p:oleObj name="Equation" r:id="rId6" imgW="1790640" imgH="685800" progId="Equation.DSMT4">
+                  <p:embed/>
+                  <p:pic>
+                    <p:nvPicPr>
+                      <p:cNvPr id="14" name="Object 13">
+                        <a:extLst>
+                          <a:ext uri="{FF2B5EF4-FFF2-40B4-BE49-F238E27FC236}">
+                            <a16:creationId xmlns:a16="http://schemas.microsoft.com/office/drawing/2014/main" id="{5E75C8D5-162F-465E-2E7C-80D1AEACEFDA}"/>
+                          </a:ext>
+                        </a:extLst>
+                      </p:cNvPr>
+                      <p:cNvPicPr/>
+                      <p:nvPr/>
+                    </p:nvPicPr>
+                    <p:blipFill>
+                      <a:blip r:embed="rId7"/>
+                      <a:stretch>
+                        <a:fillRect/>
+                      </a:stretch>
+                    </p:blipFill>
+                    <p:spPr>
+                      <a:xfrm>
+                        <a:off x="6818474" y="2427111"/>
+                        <a:ext cx="2967038" cy="1135062"/>
+                      </a:xfrm>
+                      <a:prstGeom prst="rect">
+                        <a:avLst/>
+                      </a:prstGeom>
+                    </p:spPr>
+                  </p:pic>
+                </p:oleObj>
+              </mc:Fallback>
+            </mc:AlternateContent>
+          </a:graphicData>
+        </a:graphic>
+      </p:graphicFrame>
+      <p:sp>
+        <p:nvSpPr>
+          <p:cNvPr id="9" name="TextBox 8">
+            <a:extLst>
+              <a:ext uri="{FF2B5EF4-FFF2-40B4-BE49-F238E27FC236}">
+                <a16:creationId xmlns:a16="http://schemas.microsoft.com/office/drawing/2014/main" id="{A2EB2444-F529-AB60-3AF2-F80141359EE1}"/>
+              </a:ext>
+            </a:extLst>
+          </p:cNvPr>
+          <p:cNvSpPr txBox="1"/>
+          <p:nvPr/>
+        </p:nvSpPr>
+        <p:spPr>
+          <a:xfrm>
+            <a:off x="389554" y="3559577"/>
+            <a:ext cx="2167034" cy="461665"/>
+          </a:xfrm>
+          <a:prstGeom prst="rect">
+            <a:avLst/>
+          </a:prstGeom>
+          <a:noFill/>
+        </p:spPr>
+        <p:txBody>
+          <a:bodyPr wrap="square" rtlCol="0">
+            <a:spAutoFit/>
+          </a:bodyPr>
+          <a:lstStyle/>
+          <a:p>
+            <a:r>
+              <a:rPr lang="en-US" sz="2400" dirty="0"/>
+              <a:t>Hierarchical</a:t>
+            </a:r>
+            <a:endParaRPr lang="en-IL" sz="2400" dirty="0"/>
+          </a:p>
+        </p:txBody>
+      </p:sp>
+      <mc:AlternateContent xmlns:mc="http://schemas.openxmlformats.org/markup-compatibility/2006">
+        <mc:Choice xmlns:a14="http://schemas.microsoft.com/office/drawing/2010/main" Requires="a14">
+          <p:sp>
+            <p:nvSpPr>
+              <p:cNvPr id="10" name="TextBox 9">
+                <a:extLst>
+                  <a:ext uri="{FF2B5EF4-FFF2-40B4-BE49-F238E27FC236}">
+                    <a16:creationId xmlns:a16="http://schemas.microsoft.com/office/drawing/2014/main" id="{07F5B5CA-A7CD-D8B7-DE28-36AFE3EEFBAB}"/>
+                  </a:ext>
+                </a:extLst>
+              </p:cNvPr>
+              <p:cNvSpPr txBox="1"/>
+              <p:nvPr/>
+            </p:nvSpPr>
+            <p:spPr>
+              <a:xfrm>
+                <a:off x="389554" y="4060727"/>
+                <a:ext cx="5216621" cy="1200329"/>
+              </a:xfrm>
+              <a:prstGeom prst="rect">
+                <a:avLst/>
+              </a:prstGeom>
+              <a:noFill/>
+            </p:spPr>
+            <p:txBody>
+              <a:bodyPr wrap="none" rtlCol="0">
+                <a:spAutoFit/>
+              </a:bodyPr>
+              <a:lstStyle/>
+              <a:p>
+                <a:r>
+                  <a:rPr lang="en-US" dirty="0"/>
+                  <a:t>In this model the prior for </a:t>
+                </a:r>
+                <a14:m>
+                  <m:oMath xmlns:m="http://schemas.openxmlformats.org/officeDocument/2006/math">
+                    <m:r>
+                      <a:rPr lang="en-US" i="1" smtClean="0">
+                        <a:latin typeface="Cambria Math" panose="02040503050406030204" pitchFamily="18" charset="0"/>
+                      </a:rPr>
+                      <m:t>𝜇</m:t>
+                    </m:r>
+                  </m:oMath>
+                </a14:m>
+                <a:r>
+                  <a:rPr lang="en-US" dirty="0"/>
+                  <a:t> is determined by MCMC</a:t>
+                </a:r>
+              </a:p>
+              <a:p>
+                <a:r>
+                  <a:rPr lang="en-US" dirty="0"/>
+                  <a:t>It is not arbitrarily broad</a:t>
+                </a:r>
+              </a:p>
+              <a:p>
+                <a:r>
+                  <a:rPr lang="en-US" dirty="0"/>
+                  <a:t> </a:t>
+                </a:r>
+                <a14:m>
+                  <m:oMath xmlns:m="http://schemas.openxmlformats.org/officeDocument/2006/math">
+                    <m:r>
+                      <a:rPr lang="en-US" i="1" smtClean="0">
+                        <a:latin typeface="Cambria Math" panose="02040503050406030204" pitchFamily="18" charset="0"/>
+                      </a:rPr>
+                      <m:t>𝜇</m:t>
+                    </m:r>
+                  </m:oMath>
+                </a14:m>
+                <a:r>
+                  <a:rPr lang="en-US" dirty="0"/>
+                  <a:t> will be between the prior and the likelihood</a:t>
+                </a:r>
+              </a:p>
+              <a:p>
+                <a:r>
+                  <a:rPr lang="en-US" dirty="0"/>
+                  <a:t>The narrow prior reduces the width of the posterior</a:t>
+                </a:r>
+              </a:p>
+            </p:txBody>
+          </p:sp>
+        </mc:Choice>
+        <mc:Fallback>
+          <p:sp>
+            <p:nvSpPr>
+              <p:cNvPr id="10" name="TextBox 9">
+                <a:extLst>
+                  <a:ext uri="{FF2B5EF4-FFF2-40B4-BE49-F238E27FC236}">
+                    <a16:creationId xmlns:a16="http://schemas.microsoft.com/office/drawing/2014/main" id="{07F5B5CA-A7CD-D8B7-DE28-36AFE3EEFBAB}"/>
+                  </a:ext>
+                </a:extLst>
+              </p:cNvPr>
+              <p:cNvSpPr txBox="1">
+                <a:spLocks noRot="1" noChangeAspect="1" noMove="1" noResize="1" noEditPoints="1" noAdjustHandles="1" noChangeArrowheads="1" noChangeShapeType="1" noTextEdit="1"/>
+              </p:cNvSpPr>
+              <p:nvPr/>
+            </p:nvSpPr>
+            <p:spPr>
+              <a:xfrm>
+                <a:off x="389554" y="4060727"/>
+                <a:ext cx="5216621" cy="1200329"/>
+              </a:xfrm>
+              <a:prstGeom prst="rect">
+                <a:avLst/>
+              </a:prstGeom>
+              <a:blipFill>
+                <a:blip r:embed="rId8"/>
+                <a:stretch>
+                  <a:fillRect l="-1051" t="-2538" b="-7107"/>
+                </a:stretch>
+              </a:blipFill>
+            </p:spPr>
+            <p:txBody>
+              <a:bodyPr/>
+              <a:lstStyle/>
+              <a:p>
+                <a:r>
+                  <a:rPr lang="en-IL">
+                    <a:noFill/>
+                  </a:rPr>
+                  <a:t> </a:t>
+                </a:r>
+              </a:p>
+            </p:txBody>
+          </p:sp>
+        </mc:Fallback>
+      </mc:AlternateContent>
+      <p:sp>
+        <p:nvSpPr>
+          <p:cNvPr id="16" name="TextBox 15">
+            <a:extLst>
+              <a:ext uri="{FF2B5EF4-FFF2-40B4-BE49-F238E27FC236}">
+                <a16:creationId xmlns:a16="http://schemas.microsoft.com/office/drawing/2014/main" id="{93A3A836-08F6-AE10-2B0B-7B60321DF174}"/>
+              </a:ext>
+            </a:extLst>
+          </p:cNvPr>
+          <p:cNvSpPr txBox="1"/>
+          <p:nvPr/>
+        </p:nvSpPr>
+        <p:spPr>
+          <a:xfrm>
+            <a:off x="6333154" y="4153782"/>
+            <a:ext cx="4406381" cy="2308324"/>
+          </a:xfrm>
+          <a:prstGeom prst="rect">
+            <a:avLst/>
+          </a:prstGeom>
+          <a:noFill/>
+        </p:spPr>
+        <p:txBody>
+          <a:bodyPr wrap="square">
+            <a:spAutoFit/>
+          </a:bodyPr>
+          <a:lstStyle/>
+          <a:p>
+            <a:r>
+              <a:rPr lang="en-IL" dirty="0"/>
+              <a:t>Pooled model </a:t>
+            </a:r>
+            <a:r>
+              <a:rPr lang="en-IL" dirty="0" err="1"/>
+              <a:t>σ_μ</a:t>
+            </a:r>
+            <a:r>
+              <a:rPr lang="en-IL" dirty="0"/>
+              <a:t>: 0</a:t>
+            </a:r>
+            <a:endParaRPr lang="en-US" dirty="0"/>
+          </a:p>
+          <a:p>
+            <a:r>
+              <a:rPr lang="en-IL" dirty="0"/>
+              <a:t>Hierarchical model </a:t>
+            </a:r>
+            <a:r>
+              <a:rPr lang="en-IL" dirty="0" err="1"/>
+              <a:t>σ_μ</a:t>
+            </a:r>
+            <a:r>
+              <a:rPr lang="en-IL" dirty="0"/>
+              <a:t>: 0.47 ± 0.10</a:t>
+            </a:r>
+            <a:endParaRPr lang="en-US" dirty="0"/>
+          </a:p>
+          <a:p>
+            <a:r>
+              <a:rPr lang="en-IL" dirty="0" err="1"/>
+              <a:t>Unpooled</a:t>
+            </a:r>
+            <a:r>
+              <a:rPr lang="en-IL" dirty="0"/>
+              <a:t> model </a:t>
+            </a:r>
+            <a:r>
+              <a:rPr lang="en-IL" dirty="0" err="1"/>
+              <a:t>σ_μ</a:t>
+            </a:r>
+            <a:r>
+              <a:rPr lang="en-IL" dirty="0"/>
+              <a:t>: 10</a:t>
+            </a:r>
+            <a:endParaRPr lang="en-US" dirty="0"/>
+          </a:p>
+          <a:p>
+            <a:endParaRPr lang="en-US" dirty="0"/>
+          </a:p>
+          <a:p>
+            <a:endParaRPr lang="en-US" dirty="0"/>
+          </a:p>
+          <a:p>
+            <a:r>
+              <a:rPr lang="en-IL" dirty="0"/>
+              <a:t>Pooled model std(μ): 0</a:t>
+            </a:r>
+            <a:endParaRPr lang="en-US" dirty="0"/>
+          </a:p>
+          <a:p>
+            <a:r>
+              <a:rPr lang="en-IL" dirty="0"/>
+              <a:t>Hierarchical model std(μ): 0.42 ± 0.05</a:t>
+            </a:r>
+            <a:endParaRPr lang="en-US" dirty="0"/>
+          </a:p>
+          <a:p>
+            <a:r>
+              <a:rPr lang="en-IL" dirty="0" err="1"/>
+              <a:t>Unpooled</a:t>
+            </a:r>
+            <a:r>
+              <a:rPr lang="en-IL" dirty="0"/>
+              <a:t> model std(μ): 0.51 ± 0.05</a:t>
             </a:r>
           </a:p>
         </p:txBody>
@@ -15164,7 +20254,7 @@
     </p:spTree>
     <p:extLst>
       <p:ext uri="{BB962C8B-B14F-4D97-AF65-F5344CB8AC3E}">
-        <p14:creationId xmlns:p14="http://schemas.microsoft.com/office/powerpoint/2010/main" val="1825264833"/>
+        <p14:creationId xmlns:p14="http://schemas.microsoft.com/office/powerpoint/2010/main" val="4213688820"/>
       </p:ext>
     </p:extLst>
   </p:cSld>
@@ -15318,6 +20408,942 @@
   <p:cSld>
     <p:spTree>
       <p:nvGrpSpPr>
+        <p:cNvPr id="1" name=""/>
+        <p:cNvGrpSpPr/>
+        <p:nvPr/>
+      </p:nvGrpSpPr>
+      <p:grpSpPr>
+        <a:xfrm>
+          <a:off x="0" y="0"/>
+          <a:ext cx="0" cy="0"/>
+          <a:chOff x="0" y="0"/>
+          <a:chExt cx="0" cy="0"/>
+        </a:xfrm>
+      </p:grpSpPr>
+      <p:sp>
+        <p:nvSpPr>
+          <p:cNvPr id="2" name="Title 1">
+            <a:extLst>
+              <a:ext uri="{FF2B5EF4-FFF2-40B4-BE49-F238E27FC236}">
+                <a16:creationId xmlns:a16="http://schemas.microsoft.com/office/drawing/2014/main" id="{24267D6F-C9C1-8E84-3D3A-9D6D7D1EFB3B}"/>
+              </a:ext>
+            </a:extLst>
+          </p:cNvPr>
+          <p:cNvSpPr>
+            <a:spLocks noGrp="1"/>
+          </p:cNvSpPr>
+          <p:nvPr>
+            <p:ph type="title"/>
+          </p:nvPr>
+        </p:nvSpPr>
+        <p:spPr>
+          <a:xfrm>
+            <a:off x="838200" y="203467"/>
+            <a:ext cx="10515600" cy="1084158"/>
+          </a:xfrm>
+        </p:spPr>
+        <p:txBody>
+          <a:bodyPr/>
+          <a:lstStyle/>
+          <a:p>
+            <a:r>
+              <a:rPr lang="en-US" dirty="0"/>
+              <a:t>Shrinkage and reduced uncertainty</a:t>
+            </a:r>
+            <a:endParaRPr lang="en-IL" dirty="0"/>
+          </a:p>
+        </p:txBody>
+      </p:sp>
+      <p:sp>
+        <p:nvSpPr>
+          <p:cNvPr id="4" name="Slide Number Placeholder 3">
+            <a:extLst>
+              <a:ext uri="{FF2B5EF4-FFF2-40B4-BE49-F238E27FC236}">
+                <a16:creationId xmlns:a16="http://schemas.microsoft.com/office/drawing/2014/main" id="{4CC75445-7BFF-97E6-4DF5-4C71167CE855}"/>
+              </a:ext>
+            </a:extLst>
+          </p:cNvPr>
+          <p:cNvSpPr>
+            <a:spLocks noGrp="1"/>
+          </p:cNvSpPr>
+          <p:nvPr>
+            <p:ph type="sldNum" sz="quarter" idx="12"/>
+          </p:nvPr>
+        </p:nvSpPr>
+        <p:spPr/>
+        <p:txBody>
+          <a:bodyPr/>
+          <a:lstStyle/>
+          <a:p>
+            <a:fld id="{E0DC7AD3-7C2E-418B-8082-788996B615FB}" type="slidenum">
+              <a:rPr lang="en-GB" smtClean="0"/>
+              <a:t>30</a:t>
+            </a:fld>
+            <a:endParaRPr lang="en-GB"/>
+          </a:p>
+        </p:txBody>
+      </p:sp>
+      <p:pic>
+        <p:nvPicPr>
+          <p:cNvPr id="5" name="Picture 4">
+            <a:extLst>
+              <a:ext uri="{FF2B5EF4-FFF2-40B4-BE49-F238E27FC236}">
+                <a16:creationId xmlns:a16="http://schemas.microsoft.com/office/drawing/2014/main" id="{F411EEF3-4DDC-8892-7CF8-B4902C89F7B9}"/>
+              </a:ext>
+            </a:extLst>
+          </p:cNvPr>
+          <p:cNvPicPr>
+            <a:picLocks noChangeAspect="1"/>
+          </p:cNvPicPr>
+          <p:nvPr/>
+        </p:nvPicPr>
+        <p:blipFill>
+          <a:blip r:embed="rId2"/>
+          <a:stretch>
+            <a:fillRect/>
+          </a:stretch>
+        </p:blipFill>
+        <p:spPr>
+          <a:xfrm>
+            <a:off x="3247052" y="1221508"/>
+            <a:ext cx="7723653" cy="5433026"/>
+          </a:xfrm>
+          <a:prstGeom prst="rect">
+            <a:avLst/>
+          </a:prstGeom>
+        </p:spPr>
+      </p:pic>
+    </p:spTree>
+    <p:extLst>
+      <p:ext uri="{BB962C8B-B14F-4D97-AF65-F5344CB8AC3E}">
+        <p14:creationId xmlns:p14="http://schemas.microsoft.com/office/powerpoint/2010/main" val="3361425052"/>
+      </p:ext>
+    </p:extLst>
+  </p:cSld>
+  <p:clrMapOvr>
+    <a:masterClrMapping/>
+  </p:clrMapOvr>
+</p:sld>
+</file>
+
+<file path=ppt/slides/slide31.xml><?xml version="1.0" encoding="utf-8"?>
+<p:sld xmlns:a="http://schemas.openxmlformats.org/drawingml/2006/main" xmlns:r="http://schemas.openxmlformats.org/officeDocument/2006/relationships" xmlns:p="http://schemas.openxmlformats.org/presentationml/2006/main">
+  <p:cSld>
+    <p:spTree>
+      <p:nvGrpSpPr>
+        <p:cNvPr id="1" name="">
+          <a:extLst>
+            <a:ext uri="{FF2B5EF4-FFF2-40B4-BE49-F238E27FC236}">
+              <a16:creationId xmlns:a16="http://schemas.microsoft.com/office/drawing/2014/main" id="{90DBC658-CE1A-FFB5-19D2-1D8C10E72A3C}"/>
+            </a:ext>
+          </a:extLst>
+        </p:cNvPr>
+        <p:cNvGrpSpPr/>
+        <p:nvPr/>
+      </p:nvGrpSpPr>
+      <p:grpSpPr>
+        <a:xfrm>
+          <a:off x="0" y="0"/>
+          <a:ext cx="0" cy="0"/>
+          <a:chOff x="0" y="0"/>
+          <a:chExt cx="0" cy="0"/>
+        </a:xfrm>
+      </p:grpSpPr>
+      <p:sp>
+        <p:nvSpPr>
+          <p:cNvPr id="6" name="Title 5">
+            <a:extLst>
+              <a:ext uri="{FF2B5EF4-FFF2-40B4-BE49-F238E27FC236}">
+                <a16:creationId xmlns:a16="http://schemas.microsoft.com/office/drawing/2014/main" id="{FF239763-9502-DFAE-9372-B7B0CEF802EC}"/>
+              </a:ext>
+            </a:extLst>
+          </p:cNvPr>
+          <p:cNvSpPr>
+            <a:spLocks noGrp="1"/>
+          </p:cNvSpPr>
+          <p:nvPr>
+            <p:ph type="title"/>
+          </p:nvPr>
+        </p:nvSpPr>
+        <p:spPr/>
+        <p:txBody>
+          <a:bodyPr/>
+          <a:lstStyle/>
+          <a:p>
+            <a:endParaRPr lang="en-IL"/>
+          </a:p>
+        </p:txBody>
+      </p:sp>
+      <p:sp>
+        <p:nvSpPr>
+          <p:cNvPr id="7" name="Text Placeholder 6">
+            <a:extLst>
+              <a:ext uri="{FF2B5EF4-FFF2-40B4-BE49-F238E27FC236}">
+                <a16:creationId xmlns:a16="http://schemas.microsoft.com/office/drawing/2014/main" id="{4E532B00-D343-5662-4C78-4669402875B0}"/>
+              </a:ext>
+            </a:extLst>
+          </p:cNvPr>
+          <p:cNvSpPr>
+            <a:spLocks noGrp="1"/>
+          </p:cNvSpPr>
+          <p:nvPr>
+            <p:ph type="body" idx="1"/>
+          </p:nvPr>
+        </p:nvSpPr>
+        <p:spPr/>
+        <p:txBody>
+          <a:bodyPr>
+            <a:normAutofit/>
+          </a:bodyPr>
+          <a:lstStyle/>
+          <a:p>
+            <a:pPr algn="ctr"/>
+            <a:r>
+              <a:rPr lang="en-US" sz="7200" dirty="0"/>
+              <a:t>7E Benefits and pitfalls</a:t>
+            </a:r>
+            <a:endParaRPr lang="en-IL" sz="7200" dirty="0"/>
+          </a:p>
+        </p:txBody>
+      </p:sp>
+      <p:sp>
+        <p:nvSpPr>
+          <p:cNvPr id="5" name="Slide Number Placeholder 4">
+            <a:extLst>
+              <a:ext uri="{FF2B5EF4-FFF2-40B4-BE49-F238E27FC236}">
+                <a16:creationId xmlns:a16="http://schemas.microsoft.com/office/drawing/2014/main" id="{8718778B-6B71-0AE6-5489-D67C754B3519}"/>
+              </a:ext>
+            </a:extLst>
+          </p:cNvPr>
+          <p:cNvSpPr>
+            <a:spLocks noGrp="1"/>
+          </p:cNvSpPr>
+          <p:nvPr>
+            <p:ph type="sldNum" sz="quarter" idx="12"/>
+          </p:nvPr>
+        </p:nvSpPr>
+        <p:spPr/>
+        <p:txBody>
+          <a:bodyPr/>
+          <a:lstStyle/>
+          <a:p>
+            <a:pPr>
+              <a:defRPr/>
+            </a:pPr>
+            <a:fld id="{3469EAC8-EFAD-49DA-A425-6225312A328A}" type="slidenum">
+              <a:rPr lang="he-IL" altLang="en-US" smtClean="0"/>
+              <a:pPr>
+                <a:defRPr/>
+              </a:pPr>
+              <a:t>31</a:t>
+            </a:fld>
+            <a:r>
+              <a:rPr lang="en-US" altLang="en-US"/>
+              <a:t> /  72</a:t>
+            </a:r>
+          </a:p>
+        </p:txBody>
+      </p:sp>
+    </p:spTree>
+    <p:extLst>
+      <p:ext uri="{BB962C8B-B14F-4D97-AF65-F5344CB8AC3E}">
+        <p14:creationId xmlns:p14="http://schemas.microsoft.com/office/powerpoint/2010/main" val="1279660188"/>
+      </p:ext>
+    </p:extLst>
+  </p:cSld>
+  <p:clrMapOvr>
+    <a:masterClrMapping/>
+  </p:clrMapOvr>
+</p:sld>
+</file>
+
+<file path=ppt/slides/slide32.xml><?xml version="1.0" encoding="utf-8"?>
+<p:sld xmlns:a="http://schemas.openxmlformats.org/drawingml/2006/main" xmlns:r="http://schemas.openxmlformats.org/officeDocument/2006/relationships" xmlns:p="http://schemas.openxmlformats.org/presentationml/2006/main">
+  <p:cSld>
+    <p:spTree>
+      <p:nvGrpSpPr>
+        <p:cNvPr id="1" name=""/>
+        <p:cNvGrpSpPr/>
+        <p:nvPr/>
+      </p:nvGrpSpPr>
+      <p:grpSpPr>
+        <a:xfrm>
+          <a:off x="0" y="0"/>
+          <a:ext cx="0" cy="0"/>
+          <a:chOff x="0" y="0"/>
+          <a:chExt cx="0" cy="0"/>
+        </a:xfrm>
+      </p:grpSpPr>
+      <p:sp>
+        <p:nvSpPr>
+          <p:cNvPr id="7" name="Title 6">
+            <a:extLst>
+              <a:ext uri="{FF2B5EF4-FFF2-40B4-BE49-F238E27FC236}">
+                <a16:creationId xmlns:a16="http://schemas.microsoft.com/office/drawing/2014/main" id="{D66FE24C-E583-792B-0F59-C0DC9A3DF412}"/>
+              </a:ext>
+            </a:extLst>
+          </p:cNvPr>
+          <p:cNvSpPr>
+            <a:spLocks noGrp="1"/>
+          </p:cNvSpPr>
+          <p:nvPr>
+            <p:ph type="title"/>
+          </p:nvPr>
+        </p:nvSpPr>
+        <p:spPr/>
+        <p:txBody>
+          <a:bodyPr/>
+          <a:lstStyle/>
+          <a:p>
+            <a:r>
+              <a:rPr lang="en-US" dirty="0"/>
+              <a:t>Benefits and pitfalls of hierarchical models</a:t>
+            </a:r>
+            <a:endParaRPr lang="en-IL" dirty="0"/>
+          </a:p>
+        </p:txBody>
+      </p:sp>
+      <p:sp>
+        <p:nvSpPr>
+          <p:cNvPr id="8" name="Text Placeholder 7">
+            <a:extLst>
+              <a:ext uri="{FF2B5EF4-FFF2-40B4-BE49-F238E27FC236}">
+                <a16:creationId xmlns:a16="http://schemas.microsoft.com/office/drawing/2014/main" id="{142A9393-FDA4-AE8F-EDB4-1D09BBC62022}"/>
+              </a:ext>
+            </a:extLst>
+          </p:cNvPr>
+          <p:cNvSpPr>
+            <a:spLocks noGrp="1"/>
+          </p:cNvSpPr>
+          <p:nvPr>
+            <p:ph type="body" idx="1"/>
+          </p:nvPr>
+        </p:nvSpPr>
+        <p:spPr/>
+        <p:txBody>
+          <a:bodyPr/>
+          <a:lstStyle/>
+          <a:p>
+            <a:r>
+              <a:rPr lang="en-US" dirty="0"/>
+              <a:t>Benefits</a:t>
+            </a:r>
+            <a:endParaRPr lang="en-IL" dirty="0"/>
+          </a:p>
+        </p:txBody>
+      </p:sp>
+      <p:sp>
+        <p:nvSpPr>
+          <p:cNvPr id="9" name="Content Placeholder 8">
+            <a:extLst>
+              <a:ext uri="{FF2B5EF4-FFF2-40B4-BE49-F238E27FC236}">
+                <a16:creationId xmlns:a16="http://schemas.microsoft.com/office/drawing/2014/main" id="{B6B6BB09-9385-140D-0C64-996AA2F46413}"/>
+              </a:ext>
+            </a:extLst>
+          </p:cNvPr>
+          <p:cNvSpPr>
+            <a:spLocks noGrp="1"/>
+          </p:cNvSpPr>
+          <p:nvPr>
+            <p:ph sz="half" idx="2"/>
+          </p:nvPr>
+        </p:nvSpPr>
+        <p:spPr/>
+        <p:txBody>
+          <a:bodyPr>
+            <a:normAutofit lnSpcReduction="10000"/>
+          </a:bodyPr>
+          <a:lstStyle/>
+          <a:p>
+            <a:r>
+              <a:rPr lang="en-US" dirty="0"/>
+              <a:t>Model structured data</a:t>
+            </a:r>
+          </a:p>
+          <a:p>
+            <a:r>
+              <a:rPr lang="en-US" dirty="0"/>
+              <a:t>Balance </a:t>
+            </a:r>
+          </a:p>
+          <a:p>
+            <a:pPr lvl="1"/>
+            <a:r>
+              <a:rPr lang="en-US" dirty="0"/>
+              <a:t>Population information </a:t>
+            </a:r>
+          </a:p>
+          <a:p>
+            <a:pPr lvl="1"/>
+            <a:r>
+              <a:rPr lang="en-US" dirty="0"/>
+              <a:t>Group information</a:t>
+            </a:r>
+          </a:p>
+          <a:p>
+            <a:r>
+              <a:rPr lang="en-US" dirty="0"/>
+              <a:t>Robust estimation</a:t>
+            </a:r>
+          </a:p>
+          <a:p>
+            <a:pPr lvl="1"/>
+            <a:r>
+              <a:rPr lang="en-US" dirty="0"/>
+              <a:t>Even if some groups have less data</a:t>
+            </a:r>
+          </a:p>
+          <a:p>
+            <a:endParaRPr lang="en-IL" dirty="0"/>
+          </a:p>
+        </p:txBody>
+      </p:sp>
+      <p:sp>
+        <p:nvSpPr>
+          <p:cNvPr id="10" name="Text Placeholder 9">
+            <a:extLst>
+              <a:ext uri="{FF2B5EF4-FFF2-40B4-BE49-F238E27FC236}">
+                <a16:creationId xmlns:a16="http://schemas.microsoft.com/office/drawing/2014/main" id="{BC62E417-21ED-CAF8-BD31-6DBE68374D2E}"/>
+              </a:ext>
+            </a:extLst>
+          </p:cNvPr>
+          <p:cNvSpPr>
+            <a:spLocks noGrp="1"/>
+          </p:cNvSpPr>
+          <p:nvPr>
+            <p:ph type="body" sz="quarter" idx="3"/>
+          </p:nvPr>
+        </p:nvSpPr>
+        <p:spPr/>
+        <p:txBody>
+          <a:bodyPr/>
+          <a:lstStyle/>
+          <a:p>
+            <a:r>
+              <a:rPr lang="en-US" dirty="0"/>
+              <a:t>Pitfalls</a:t>
+            </a:r>
+            <a:endParaRPr lang="en-IL" dirty="0"/>
+          </a:p>
+        </p:txBody>
+      </p:sp>
+      <p:sp>
+        <p:nvSpPr>
+          <p:cNvPr id="11" name="Content Placeholder 10">
+            <a:extLst>
+              <a:ext uri="{FF2B5EF4-FFF2-40B4-BE49-F238E27FC236}">
+                <a16:creationId xmlns:a16="http://schemas.microsoft.com/office/drawing/2014/main" id="{ED12B5B5-8993-F5FA-7639-67F91B918682}"/>
+              </a:ext>
+            </a:extLst>
+          </p:cNvPr>
+          <p:cNvSpPr>
+            <a:spLocks noGrp="1"/>
+          </p:cNvSpPr>
+          <p:nvPr>
+            <p:ph sz="quarter" idx="4"/>
+          </p:nvPr>
+        </p:nvSpPr>
+        <p:spPr/>
+        <p:txBody>
+          <a:bodyPr>
+            <a:normAutofit lnSpcReduction="10000"/>
+          </a:bodyPr>
+          <a:lstStyle/>
+          <a:p>
+            <a:r>
+              <a:rPr lang="en-US" dirty="0"/>
+              <a:t>Computational complexity</a:t>
+            </a:r>
+          </a:p>
+          <a:p>
+            <a:pPr lvl="1"/>
+            <a:r>
+              <a:rPr lang="en-US" dirty="0"/>
+              <a:t>Increased fitting time</a:t>
+            </a:r>
+          </a:p>
+          <a:p>
+            <a:pPr lvl="1"/>
+            <a:r>
+              <a:rPr lang="en-US" dirty="0"/>
+              <a:t>Importance of sampling diagnostics</a:t>
+            </a:r>
+          </a:p>
+          <a:p>
+            <a:r>
+              <a:rPr lang="en-US" dirty="0"/>
+              <a:t>Priors disconnected from data</a:t>
+            </a:r>
+          </a:p>
+          <a:p>
+            <a:pPr lvl="1"/>
+            <a:r>
+              <a:rPr lang="en-US" dirty="0"/>
+              <a:t>Importance of prior predictive</a:t>
+            </a:r>
+          </a:p>
+          <a:p>
+            <a:r>
+              <a:rPr lang="en-US" dirty="0"/>
+              <a:t>Interpretational complexity</a:t>
+            </a:r>
+          </a:p>
+          <a:p>
+            <a:pPr lvl="1"/>
+            <a:r>
+              <a:rPr lang="en-US" dirty="0"/>
+              <a:t>Simultaneous interpretation at multiple levels</a:t>
+            </a:r>
+          </a:p>
+          <a:p>
+            <a:endParaRPr lang="en-IL" dirty="0"/>
+          </a:p>
+        </p:txBody>
+      </p:sp>
+      <p:sp>
+        <p:nvSpPr>
+          <p:cNvPr id="4" name="Slide Number Placeholder 3">
+            <a:extLst>
+              <a:ext uri="{FF2B5EF4-FFF2-40B4-BE49-F238E27FC236}">
+                <a16:creationId xmlns:a16="http://schemas.microsoft.com/office/drawing/2014/main" id="{6CD145F6-5664-2903-6442-B8C726D61DC3}"/>
+              </a:ext>
+            </a:extLst>
+          </p:cNvPr>
+          <p:cNvSpPr>
+            <a:spLocks noGrp="1"/>
+          </p:cNvSpPr>
+          <p:nvPr>
+            <p:ph type="sldNum" sz="quarter" idx="12"/>
+          </p:nvPr>
+        </p:nvSpPr>
+        <p:spPr/>
+        <p:txBody>
+          <a:bodyPr/>
+          <a:lstStyle/>
+          <a:p>
+            <a:fld id="{E0DC7AD3-7C2E-418B-8082-788996B615FB}" type="slidenum">
+              <a:rPr lang="en-GB" smtClean="0"/>
+              <a:t>32</a:t>
+            </a:fld>
+            <a:endParaRPr lang="en-GB"/>
+          </a:p>
+        </p:txBody>
+      </p:sp>
+    </p:spTree>
+    <p:extLst>
+      <p:ext uri="{BB962C8B-B14F-4D97-AF65-F5344CB8AC3E}">
+        <p14:creationId xmlns:p14="http://schemas.microsoft.com/office/powerpoint/2010/main" val="386071752"/>
+      </p:ext>
+    </p:extLst>
+  </p:cSld>
+  <p:clrMapOvr>
+    <a:masterClrMapping/>
+  </p:clrMapOvr>
+</p:sld>
+</file>
+
+<file path=ppt/slides/slide33.xml><?xml version="1.0" encoding="utf-8"?>
+<p:sld xmlns:a="http://schemas.openxmlformats.org/drawingml/2006/main" xmlns:r="http://schemas.openxmlformats.org/officeDocument/2006/relationships" xmlns:p="http://schemas.openxmlformats.org/presentationml/2006/main">
+  <p:cSld>
+    <p:spTree>
+      <p:nvGrpSpPr>
+        <p:cNvPr id="1" name="">
+          <a:extLst>
+            <a:ext uri="{FF2B5EF4-FFF2-40B4-BE49-F238E27FC236}">
+              <a16:creationId xmlns:a16="http://schemas.microsoft.com/office/drawing/2014/main" id="{1CB8BFAD-CF58-BE0D-867A-8FE6D450F395}"/>
+            </a:ext>
+          </a:extLst>
+        </p:cNvPr>
+        <p:cNvGrpSpPr/>
+        <p:nvPr/>
+      </p:nvGrpSpPr>
+      <p:grpSpPr>
+        <a:xfrm>
+          <a:off x="0" y="0"/>
+          <a:ext cx="0" cy="0"/>
+          <a:chOff x="0" y="0"/>
+          <a:chExt cx="0" cy="0"/>
+        </a:xfrm>
+      </p:grpSpPr>
+      <p:sp>
+        <p:nvSpPr>
+          <p:cNvPr id="6" name="Title 5">
+            <a:extLst>
+              <a:ext uri="{FF2B5EF4-FFF2-40B4-BE49-F238E27FC236}">
+                <a16:creationId xmlns:a16="http://schemas.microsoft.com/office/drawing/2014/main" id="{12FBC5FA-1405-17CB-BA09-FD738E3C7FB6}"/>
+              </a:ext>
+            </a:extLst>
+          </p:cNvPr>
+          <p:cNvSpPr>
+            <a:spLocks noGrp="1"/>
+          </p:cNvSpPr>
+          <p:nvPr>
+            <p:ph type="title"/>
+          </p:nvPr>
+        </p:nvSpPr>
+        <p:spPr/>
+        <p:txBody>
+          <a:bodyPr/>
+          <a:lstStyle/>
+          <a:p>
+            <a:endParaRPr lang="en-IL"/>
+          </a:p>
+        </p:txBody>
+      </p:sp>
+      <p:sp>
+        <p:nvSpPr>
+          <p:cNvPr id="7" name="Text Placeholder 6">
+            <a:extLst>
+              <a:ext uri="{FF2B5EF4-FFF2-40B4-BE49-F238E27FC236}">
+                <a16:creationId xmlns:a16="http://schemas.microsoft.com/office/drawing/2014/main" id="{19AB19E9-F513-13E0-6104-571E648EB7DB}"/>
+              </a:ext>
+            </a:extLst>
+          </p:cNvPr>
+          <p:cNvSpPr>
+            <a:spLocks noGrp="1"/>
+          </p:cNvSpPr>
+          <p:nvPr>
+            <p:ph type="body" idx="1"/>
+          </p:nvPr>
+        </p:nvSpPr>
+        <p:spPr/>
+        <p:txBody>
+          <a:bodyPr>
+            <a:normAutofit fontScale="85000" lnSpcReduction="10000"/>
+          </a:bodyPr>
+          <a:lstStyle/>
+          <a:p>
+            <a:pPr algn="ctr"/>
+            <a:r>
+              <a:rPr lang="en-US" sz="7200" dirty="0"/>
+              <a:t>7F Multiple levels </a:t>
+            </a:r>
+            <a:r>
+              <a:rPr lang="en-US" sz="7200"/>
+              <a:t>of hierarchy</a:t>
+            </a:r>
+            <a:endParaRPr lang="en-IL" sz="7200" dirty="0"/>
+          </a:p>
+        </p:txBody>
+      </p:sp>
+      <p:sp>
+        <p:nvSpPr>
+          <p:cNvPr id="5" name="Slide Number Placeholder 4">
+            <a:extLst>
+              <a:ext uri="{FF2B5EF4-FFF2-40B4-BE49-F238E27FC236}">
+                <a16:creationId xmlns:a16="http://schemas.microsoft.com/office/drawing/2014/main" id="{E3C00C3A-C1CA-E947-7588-1EB9E77DA336}"/>
+              </a:ext>
+            </a:extLst>
+          </p:cNvPr>
+          <p:cNvSpPr>
+            <a:spLocks noGrp="1"/>
+          </p:cNvSpPr>
+          <p:nvPr>
+            <p:ph type="sldNum" sz="quarter" idx="12"/>
+          </p:nvPr>
+        </p:nvSpPr>
+        <p:spPr/>
+        <p:txBody>
+          <a:bodyPr/>
+          <a:lstStyle/>
+          <a:p>
+            <a:pPr>
+              <a:defRPr/>
+            </a:pPr>
+            <a:fld id="{3469EAC8-EFAD-49DA-A425-6225312A328A}" type="slidenum">
+              <a:rPr lang="he-IL" altLang="en-US" smtClean="0"/>
+              <a:pPr>
+                <a:defRPr/>
+              </a:pPr>
+              <a:t>33</a:t>
+            </a:fld>
+            <a:r>
+              <a:rPr lang="en-US" altLang="en-US"/>
+              <a:t> /  72</a:t>
+            </a:r>
+          </a:p>
+        </p:txBody>
+      </p:sp>
+    </p:spTree>
+    <p:extLst>
+      <p:ext uri="{BB962C8B-B14F-4D97-AF65-F5344CB8AC3E}">
+        <p14:creationId xmlns:p14="http://schemas.microsoft.com/office/powerpoint/2010/main" val="2161218643"/>
+      </p:ext>
+    </p:extLst>
+  </p:cSld>
+  <p:clrMapOvr>
+    <a:masterClrMapping/>
+  </p:clrMapOvr>
+</p:sld>
+</file>
+
+<file path=ppt/slides/slide34.xml><?xml version="1.0" encoding="utf-8"?>
+<p:sld xmlns:a="http://schemas.openxmlformats.org/drawingml/2006/main" xmlns:r="http://schemas.openxmlformats.org/officeDocument/2006/relationships" xmlns:p="http://schemas.openxmlformats.org/presentationml/2006/main">
+  <p:cSld>
+    <p:spTree>
+      <p:nvGrpSpPr>
+        <p:cNvPr id="1" name="">
+          <a:extLst>
+            <a:ext uri="{FF2B5EF4-FFF2-40B4-BE49-F238E27FC236}">
+              <a16:creationId xmlns:a16="http://schemas.microsoft.com/office/drawing/2014/main" id="{09A52179-995B-4602-2812-322A0F1C5360}"/>
+            </a:ext>
+          </a:extLst>
+        </p:cNvPr>
+        <p:cNvGrpSpPr/>
+        <p:nvPr/>
+      </p:nvGrpSpPr>
+      <p:grpSpPr>
+        <a:xfrm>
+          <a:off x="0" y="0"/>
+          <a:ext cx="0" cy="0"/>
+          <a:chOff x="0" y="0"/>
+          <a:chExt cx="0" cy="0"/>
+        </a:xfrm>
+      </p:grpSpPr>
+      <p:sp>
+        <p:nvSpPr>
+          <p:cNvPr id="6" name="Title 5">
+            <a:extLst>
+              <a:ext uri="{FF2B5EF4-FFF2-40B4-BE49-F238E27FC236}">
+                <a16:creationId xmlns:a16="http://schemas.microsoft.com/office/drawing/2014/main" id="{7F7C16F8-7B61-2FED-CE9A-D18B665BAD4C}"/>
+              </a:ext>
+            </a:extLst>
+          </p:cNvPr>
+          <p:cNvSpPr>
+            <a:spLocks noGrp="1"/>
+          </p:cNvSpPr>
+          <p:nvPr>
+            <p:ph type="title"/>
+          </p:nvPr>
+        </p:nvSpPr>
+        <p:spPr/>
+        <p:txBody>
+          <a:bodyPr/>
+          <a:lstStyle/>
+          <a:p>
+            <a:endParaRPr lang="en-IL"/>
+          </a:p>
+        </p:txBody>
+      </p:sp>
+      <p:sp>
+        <p:nvSpPr>
+          <p:cNvPr id="7" name="Text Placeholder 6">
+            <a:extLst>
+              <a:ext uri="{FF2B5EF4-FFF2-40B4-BE49-F238E27FC236}">
+                <a16:creationId xmlns:a16="http://schemas.microsoft.com/office/drawing/2014/main" id="{81042FCE-4514-A001-08BB-6FC0FB8190EB}"/>
+              </a:ext>
+            </a:extLst>
+          </p:cNvPr>
+          <p:cNvSpPr>
+            <a:spLocks noGrp="1"/>
+          </p:cNvSpPr>
+          <p:nvPr>
+            <p:ph type="body" idx="1"/>
+          </p:nvPr>
+        </p:nvSpPr>
+        <p:spPr/>
+        <p:txBody>
+          <a:bodyPr>
+            <a:normAutofit/>
+          </a:bodyPr>
+          <a:lstStyle/>
+          <a:p>
+            <a:pPr algn="ctr"/>
+            <a:r>
+              <a:rPr lang="en-US" sz="7200" dirty="0"/>
+              <a:t>7F Hierarchical regression</a:t>
+            </a:r>
+            <a:endParaRPr lang="en-IL" sz="7200" dirty="0"/>
+          </a:p>
+        </p:txBody>
+      </p:sp>
+      <p:sp>
+        <p:nvSpPr>
+          <p:cNvPr id="5" name="Slide Number Placeholder 4">
+            <a:extLst>
+              <a:ext uri="{FF2B5EF4-FFF2-40B4-BE49-F238E27FC236}">
+                <a16:creationId xmlns:a16="http://schemas.microsoft.com/office/drawing/2014/main" id="{DB55A08E-1BB7-C0DD-C6AC-C10B2EAA5C96}"/>
+              </a:ext>
+            </a:extLst>
+          </p:cNvPr>
+          <p:cNvSpPr>
+            <a:spLocks noGrp="1"/>
+          </p:cNvSpPr>
+          <p:nvPr>
+            <p:ph type="sldNum" sz="quarter" idx="12"/>
+          </p:nvPr>
+        </p:nvSpPr>
+        <p:spPr/>
+        <p:txBody>
+          <a:bodyPr/>
+          <a:lstStyle/>
+          <a:p>
+            <a:pPr>
+              <a:defRPr/>
+            </a:pPr>
+            <a:fld id="{3469EAC8-EFAD-49DA-A425-6225312A328A}" type="slidenum">
+              <a:rPr lang="he-IL" altLang="en-US" smtClean="0"/>
+              <a:pPr>
+                <a:defRPr/>
+              </a:pPr>
+              <a:t>34</a:t>
+            </a:fld>
+            <a:r>
+              <a:rPr lang="en-US" altLang="en-US"/>
+              <a:t> /  72</a:t>
+            </a:r>
+          </a:p>
+        </p:txBody>
+      </p:sp>
+    </p:spTree>
+    <p:extLst>
+      <p:ext uri="{BB962C8B-B14F-4D97-AF65-F5344CB8AC3E}">
+        <p14:creationId xmlns:p14="http://schemas.microsoft.com/office/powerpoint/2010/main" val="2062988464"/>
+      </p:ext>
+    </p:extLst>
+  </p:cSld>
+  <p:clrMapOvr>
+    <a:masterClrMapping/>
+  </p:clrMapOvr>
+</p:sld>
+</file>
+
+<file path=ppt/slides/slide35.xml><?xml version="1.0" encoding="utf-8"?>
+<p:sld xmlns:a="http://schemas.openxmlformats.org/drawingml/2006/main" xmlns:r="http://schemas.openxmlformats.org/officeDocument/2006/relationships" xmlns:p="http://schemas.openxmlformats.org/presentationml/2006/main">
+  <p:cSld>
+    <p:spTree>
+      <p:nvGrpSpPr>
+        <p:cNvPr id="1" name="">
+          <a:extLst>
+            <a:ext uri="{FF2B5EF4-FFF2-40B4-BE49-F238E27FC236}">
+              <a16:creationId xmlns:a16="http://schemas.microsoft.com/office/drawing/2014/main" id="{AFA4AC23-63B2-3973-639D-EDB076B388F2}"/>
+            </a:ext>
+          </a:extLst>
+        </p:cNvPr>
+        <p:cNvGrpSpPr/>
+        <p:nvPr/>
+      </p:nvGrpSpPr>
+      <p:grpSpPr>
+        <a:xfrm>
+          <a:off x="0" y="0"/>
+          <a:ext cx="0" cy="0"/>
+          <a:chOff x="0" y="0"/>
+          <a:chExt cx="0" cy="0"/>
+        </a:xfrm>
+      </p:grpSpPr>
+      <p:sp>
+        <p:nvSpPr>
+          <p:cNvPr id="6" name="Title 5">
+            <a:extLst>
+              <a:ext uri="{FF2B5EF4-FFF2-40B4-BE49-F238E27FC236}">
+                <a16:creationId xmlns:a16="http://schemas.microsoft.com/office/drawing/2014/main" id="{E9C69A5C-6DA5-5E6B-B44A-36A134A1C06E}"/>
+              </a:ext>
+            </a:extLst>
+          </p:cNvPr>
+          <p:cNvSpPr>
+            <a:spLocks noGrp="1"/>
+          </p:cNvSpPr>
+          <p:nvPr>
+            <p:ph type="title"/>
+          </p:nvPr>
+        </p:nvSpPr>
+        <p:spPr/>
+        <p:txBody>
+          <a:bodyPr/>
+          <a:lstStyle/>
+          <a:p>
+            <a:endParaRPr lang="en-IL"/>
+          </a:p>
+        </p:txBody>
+      </p:sp>
+      <p:sp>
+        <p:nvSpPr>
+          <p:cNvPr id="7" name="Text Placeholder 6">
+            <a:extLst>
+              <a:ext uri="{FF2B5EF4-FFF2-40B4-BE49-F238E27FC236}">
+                <a16:creationId xmlns:a16="http://schemas.microsoft.com/office/drawing/2014/main" id="{4BF919BF-4546-2BC2-1A02-E08D6D350305}"/>
+              </a:ext>
+            </a:extLst>
+          </p:cNvPr>
+          <p:cNvSpPr>
+            <a:spLocks noGrp="1"/>
+          </p:cNvSpPr>
+          <p:nvPr>
+            <p:ph type="body" idx="1"/>
+          </p:nvPr>
+        </p:nvSpPr>
+        <p:spPr/>
+        <p:txBody>
+          <a:bodyPr>
+            <a:normAutofit/>
+          </a:bodyPr>
+          <a:lstStyle/>
+          <a:p>
+            <a:pPr algn="ctr"/>
+            <a:r>
+              <a:rPr lang="en-US" sz="7200" dirty="0"/>
+              <a:t>7G Group-level effects</a:t>
+            </a:r>
+            <a:endParaRPr lang="en-IL" sz="7200" dirty="0"/>
+          </a:p>
+        </p:txBody>
+      </p:sp>
+      <p:sp>
+        <p:nvSpPr>
+          <p:cNvPr id="5" name="Slide Number Placeholder 4">
+            <a:extLst>
+              <a:ext uri="{FF2B5EF4-FFF2-40B4-BE49-F238E27FC236}">
+                <a16:creationId xmlns:a16="http://schemas.microsoft.com/office/drawing/2014/main" id="{E2566381-6C51-B65B-FEB2-128454DD8FA8}"/>
+              </a:ext>
+            </a:extLst>
+          </p:cNvPr>
+          <p:cNvSpPr>
+            <a:spLocks noGrp="1"/>
+          </p:cNvSpPr>
+          <p:nvPr>
+            <p:ph type="sldNum" sz="quarter" idx="12"/>
+          </p:nvPr>
+        </p:nvSpPr>
+        <p:spPr/>
+        <p:txBody>
+          <a:bodyPr/>
+          <a:lstStyle/>
+          <a:p>
+            <a:pPr>
+              <a:defRPr/>
+            </a:pPr>
+            <a:fld id="{3469EAC8-EFAD-49DA-A425-6225312A328A}" type="slidenum">
+              <a:rPr lang="he-IL" altLang="en-US" smtClean="0"/>
+              <a:pPr>
+                <a:defRPr/>
+              </a:pPr>
+              <a:t>35</a:t>
+            </a:fld>
+            <a:r>
+              <a:rPr lang="en-US" altLang="en-US"/>
+              <a:t> /  72</a:t>
+            </a:r>
+          </a:p>
+        </p:txBody>
+      </p:sp>
+    </p:spTree>
+    <p:extLst>
+      <p:ext uri="{BB962C8B-B14F-4D97-AF65-F5344CB8AC3E}">
+        <p14:creationId xmlns:p14="http://schemas.microsoft.com/office/powerpoint/2010/main" val="1825264833"/>
+      </p:ext>
+    </p:extLst>
+  </p:cSld>
+  <p:clrMapOvr>
+    <a:masterClrMapping/>
+  </p:clrMapOvr>
+</p:sld>
+</file>
+
+<file path=ppt/slides/slide36.xml><?xml version="1.0" encoding="utf-8"?>
+<p:sld xmlns:a="http://schemas.openxmlformats.org/drawingml/2006/main" xmlns:r="http://schemas.openxmlformats.org/officeDocument/2006/relationships" xmlns:p="http://schemas.openxmlformats.org/presentationml/2006/main">
+  <p:cSld>
+    <p:spTree>
+      <p:nvGrpSpPr>
         <p:cNvPr id="1" name="">
           <a:extLst>
             <a:ext uri="{FF2B5EF4-FFF2-40B4-BE49-F238E27FC236}">
@@ -15422,7 +21448,7 @@
               <a:pPr>
                 <a:defRPr/>
               </a:pPr>
-              <a:t>30</a:t>
+              <a:t>36</a:t>
             </a:fld>
             <a:r>
               <a:rPr lang="en-US" altLang="en-US"/>
